--- a/proposal/Proposal Presentation.pptx
+++ b/proposal/Proposal Presentation.pptx
@@ -5,23 +5,21 @@
     <p:sldMasterId id="2147483648" r:id="rId1"/>
   </p:sldMasterIdLst>
   <p:notesMasterIdLst>
-    <p:notesMasterId r:id="rId13"/>
+    <p:notesMasterId r:id="rId11"/>
   </p:notesMasterIdLst>
   <p:handoutMasterIdLst>
-    <p:handoutMasterId r:id="rId14"/>
+    <p:handoutMasterId r:id="rId12"/>
   </p:handoutMasterIdLst>
   <p:sldIdLst>
     <p:sldId id="261" r:id="rId2"/>
     <p:sldId id="257" r:id="rId3"/>
     <p:sldId id="262" r:id="rId4"/>
     <p:sldId id="263" r:id="rId5"/>
-    <p:sldId id="264" r:id="rId6"/>
-    <p:sldId id="265" r:id="rId7"/>
+    <p:sldId id="265" r:id="rId6"/>
+    <p:sldId id="264" r:id="rId7"/>
     <p:sldId id="266" r:id="rId8"/>
     <p:sldId id="267" r:id="rId9"/>
     <p:sldId id="268" r:id="rId10"/>
-    <p:sldId id="269" r:id="rId11"/>
-    <p:sldId id="270" r:id="rId12"/>
   </p:sldIdLst>
   <p:sldSz cx="12192000" cy="6858000"/>
   <p:notesSz cx="6858000" cy="9144000"/>
@@ -142,4008 +140,6 @@
 </p:presentation>
 </file>
 
-<file path=ppt/charts/chart1.xml><?xml version="1.0" encoding="utf-8"?>
-<c:chartSpace xmlns:c="http://schemas.openxmlformats.org/drawingml/2006/chart" xmlns:a="http://schemas.openxmlformats.org/drawingml/2006/main" xmlns:r="http://schemas.openxmlformats.org/officeDocument/2006/relationships" xmlns:c16r2="http://schemas.microsoft.com/office/drawing/2015/06/chart">
-  <c:date1904 val="0"/>
-  <c:lang val="en-US"/>
-  <c:roundedCorners val="0"/>
-  <mc:AlternateContent xmlns:mc="http://schemas.openxmlformats.org/markup-compatibility/2006">
-    <mc:Choice xmlns:c14="http://schemas.microsoft.com/office/drawing/2007/8/2/chart" Requires="c14">
-      <c14:style val="103"/>
-    </mc:Choice>
-    <mc:Fallback>
-      <c:style val="3"/>
-    </mc:Fallback>
-  </mc:AlternateContent>
-  <c:chart>
-    <c:autoTitleDeleted val="1"/>
-    <c:plotArea>
-      <c:layout/>
-      <c:barChart>
-        <c:barDir val="col"/>
-        <c:grouping val="clustered"/>
-        <c:varyColors val="0"/>
-        <c:ser>
-          <c:idx val="0"/>
-          <c:order val="0"/>
-          <c:tx>
-            <c:strRef>
-              <c:f>Sheet1!$B$1</c:f>
-              <c:strCache>
-                <c:ptCount val="1"/>
-                <c:pt idx="0">
-                  <c:v>Series 1</c:v>
-                </c:pt>
-              </c:strCache>
-            </c:strRef>
-          </c:tx>
-          <c:spPr>
-            <a:gradFill rotWithShape="1">
-              <a:gsLst>
-                <a:gs pos="0">
-                  <a:schemeClr val="accent1">
-                    <a:shade val="65000"/>
-                    <a:satMod val="103000"/>
-                    <a:lumMod val="102000"/>
-                    <a:tint val="94000"/>
-                  </a:schemeClr>
-                </a:gs>
-                <a:gs pos="50000">
-                  <a:schemeClr val="accent1">
-                    <a:shade val="65000"/>
-                    <a:satMod val="110000"/>
-                    <a:lumMod val="100000"/>
-                    <a:shade val="100000"/>
-                  </a:schemeClr>
-                </a:gs>
-                <a:gs pos="100000">
-                  <a:schemeClr val="accent1">
-                    <a:shade val="65000"/>
-                    <a:lumMod val="99000"/>
-                    <a:satMod val="120000"/>
-                    <a:shade val="78000"/>
-                  </a:schemeClr>
-                </a:gs>
-              </a:gsLst>
-              <a:lin ang="5400000" scaled="0"/>
-            </a:gradFill>
-            <a:ln>
-              <a:noFill/>
-            </a:ln>
-            <a:effectLst/>
-          </c:spPr>
-          <c:invertIfNegative val="0"/>
-          <c:cat>
-            <c:strRef>
-              <c:f>Sheet1!$A$2:$A$5</c:f>
-              <c:strCache>
-                <c:ptCount val="4"/>
-                <c:pt idx="0">
-                  <c:v>Category 1</c:v>
-                </c:pt>
-                <c:pt idx="1">
-                  <c:v>Category 2</c:v>
-                </c:pt>
-                <c:pt idx="2">
-                  <c:v>Category 3</c:v>
-                </c:pt>
-                <c:pt idx="3">
-                  <c:v>Category 4</c:v>
-                </c:pt>
-              </c:strCache>
-            </c:strRef>
-          </c:cat>
-          <c:val>
-            <c:numRef>
-              <c:f>Sheet1!$B$2:$B$5</c:f>
-              <c:numCache>
-                <c:formatCode>General</c:formatCode>
-                <c:ptCount val="4"/>
-                <c:pt idx="0">
-                  <c:v>4.3</c:v>
-                </c:pt>
-                <c:pt idx="1">
-                  <c:v>2.5</c:v>
-                </c:pt>
-                <c:pt idx="2">
-                  <c:v>3.5</c:v>
-                </c:pt>
-                <c:pt idx="3">
-                  <c:v>4.5</c:v>
-                </c:pt>
-              </c:numCache>
-            </c:numRef>
-          </c:val>
-          <c:extLst>
-            <c:ext xmlns:c16="http://schemas.microsoft.com/office/drawing/2014/chart" uri="{C3380CC4-5D6E-409C-BE32-E72D297353CC}">
-              <c16:uniqueId val="{00000000-B15F-4CC6-AB46-0F5752DC9A2C}"/>
-            </c:ext>
-          </c:extLst>
-        </c:ser>
-        <c:ser>
-          <c:idx val="1"/>
-          <c:order val="1"/>
-          <c:tx>
-            <c:strRef>
-              <c:f>Sheet1!$C$1</c:f>
-              <c:strCache>
-                <c:ptCount val="1"/>
-                <c:pt idx="0">
-                  <c:v>Series 2</c:v>
-                </c:pt>
-              </c:strCache>
-            </c:strRef>
-          </c:tx>
-          <c:spPr>
-            <a:gradFill rotWithShape="1">
-              <a:gsLst>
-                <a:gs pos="0">
-                  <a:schemeClr val="accent1">
-                    <a:satMod val="103000"/>
-                    <a:lumMod val="102000"/>
-                    <a:tint val="94000"/>
-                  </a:schemeClr>
-                </a:gs>
-                <a:gs pos="50000">
-                  <a:schemeClr val="accent1">
-                    <a:satMod val="110000"/>
-                    <a:lumMod val="100000"/>
-                    <a:shade val="100000"/>
-                  </a:schemeClr>
-                </a:gs>
-                <a:gs pos="100000">
-                  <a:schemeClr val="accent1">
-                    <a:lumMod val="99000"/>
-                    <a:satMod val="120000"/>
-                    <a:shade val="78000"/>
-                  </a:schemeClr>
-                </a:gs>
-              </a:gsLst>
-              <a:lin ang="5400000" scaled="0"/>
-            </a:gradFill>
-            <a:ln>
-              <a:noFill/>
-            </a:ln>
-            <a:effectLst/>
-          </c:spPr>
-          <c:invertIfNegative val="0"/>
-          <c:cat>
-            <c:strRef>
-              <c:f>Sheet1!$A$2:$A$5</c:f>
-              <c:strCache>
-                <c:ptCount val="4"/>
-                <c:pt idx="0">
-                  <c:v>Category 1</c:v>
-                </c:pt>
-                <c:pt idx="1">
-                  <c:v>Category 2</c:v>
-                </c:pt>
-                <c:pt idx="2">
-                  <c:v>Category 3</c:v>
-                </c:pt>
-                <c:pt idx="3">
-                  <c:v>Category 4</c:v>
-                </c:pt>
-              </c:strCache>
-            </c:strRef>
-          </c:cat>
-          <c:val>
-            <c:numRef>
-              <c:f>Sheet1!$C$2:$C$5</c:f>
-              <c:numCache>
-                <c:formatCode>General</c:formatCode>
-                <c:ptCount val="4"/>
-                <c:pt idx="0">
-                  <c:v>2.4</c:v>
-                </c:pt>
-                <c:pt idx="1">
-                  <c:v>4.4000000000000004</c:v>
-                </c:pt>
-                <c:pt idx="2">
-                  <c:v>1.8</c:v>
-                </c:pt>
-                <c:pt idx="3">
-                  <c:v>2.8</c:v>
-                </c:pt>
-              </c:numCache>
-            </c:numRef>
-          </c:val>
-          <c:extLst>
-            <c:ext xmlns:c16="http://schemas.microsoft.com/office/drawing/2014/chart" uri="{C3380CC4-5D6E-409C-BE32-E72D297353CC}">
-              <c16:uniqueId val="{00000001-B15F-4CC6-AB46-0F5752DC9A2C}"/>
-            </c:ext>
-          </c:extLst>
-        </c:ser>
-        <c:ser>
-          <c:idx val="2"/>
-          <c:order val="2"/>
-          <c:tx>
-            <c:strRef>
-              <c:f>Sheet1!$D$1</c:f>
-              <c:strCache>
-                <c:ptCount val="1"/>
-                <c:pt idx="0">
-                  <c:v>Series 3</c:v>
-                </c:pt>
-              </c:strCache>
-            </c:strRef>
-          </c:tx>
-          <c:spPr>
-            <a:gradFill rotWithShape="1">
-              <a:gsLst>
-                <a:gs pos="0">
-                  <a:schemeClr val="accent1">
-                    <a:tint val="65000"/>
-                    <a:satMod val="103000"/>
-                    <a:lumMod val="102000"/>
-                    <a:tint val="94000"/>
-                  </a:schemeClr>
-                </a:gs>
-                <a:gs pos="50000">
-                  <a:schemeClr val="accent1">
-                    <a:tint val="65000"/>
-                    <a:satMod val="110000"/>
-                    <a:lumMod val="100000"/>
-                    <a:shade val="100000"/>
-                  </a:schemeClr>
-                </a:gs>
-                <a:gs pos="100000">
-                  <a:schemeClr val="accent1">
-                    <a:tint val="65000"/>
-                    <a:lumMod val="99000"/>
-                    <a:satMod val="120000"/>
-                    <a:shade val="78000"/>
-                  </a:schemeClr>
-                </a:gs>
-              </a:gsLst>
-              <a:lin ang="5400000" scaled="0"/>
-            </a:gradFill>
-            <a:ln>
-              <a:noFill/>
-            </a:ln>
-            <a:effectLst/>
-          </c:spPr>
-          <c:invertIfNegative val="0"/>
-          <c:cat>
-            <c:strRef>
-              <c:f>Sheet1!$A$2:$A$5</c:f>
-              <c:strCache>
-                <c:ptCount val="4"/>
-                <c:pt idx="0">
-                  <c:v>Category 1</c:v>
-                </c:pt>
-                <c:pt idx="1">
-                  <c:v>Category 2</c:v>
-                </c:pt>
-                <c:pt idx="2">
-                  <c:v>Category 3</c:v>
-                </c:pt>
-                <c:pt idx="3">
-                  <c:v>Category 4</c:v>
-                </c:pt>
-              </c:strCache>
-            </c:strRef>
-          </c:cat>
-          <c:val>
-            <c:numRef>
-              <c:f>Sheet1!$D$2:$D$5</c:f>
-              <c:numCache>
-                <c:formatCode>General</c:formatCode>
-                <c:ptCount val="4"/>
-                <c:pt idx="0">
-                  <c:v>2</c:v>
-                </c:pt>
-                <c:pt idx="1">
-                  <c:v>2</c:v>
-                </c:pt>
-                <c:pt idx="2">
-                  <c:v>3</c:v>
-                </c:pt>
-                <c:pt idx="3">
-                  <c:v>5</c:v>
-                </c:pt>
-              </c:numCache>
-            </c:numRef>
-          </c:val>
-          <c:extLst>
-            <c:ext xmlns:c16="http://schemas.microsoft.com/office/drawing/2014/chart" uri="{C3380CC4-5D6E-409C-BE32-E72D297353CC}">
-              <c16:uniqueId val="{00000002-B15F-4CC6-AB46-0F5752DC9A2C}"/>
-            </c:ext>
-          </c:extLst>
-        </c:ser>
-        <c:dLbls>
-          <c:showLegendKey val="0"/>
-          <c:showVal val="0"/>
-          <c:showCatName val="0"/>
-          <c:showSerName val="0"/>
-          <c:showPercent val="0"/>
-          <c:showBubbleSize val="0"/>
-        </c:dLbls>
-        <c:gapWidth val="100"/>
-        <c:overlap val="-24"/>
-        <c:axId val="96190280"/>
-        <c:axId val="96186752"/>
-      </c:barChart>
-      <c:catAx>
-        <c:axId val="96190280"/>
-        <c:scaling>
-          <c:orientation val="minMax"/>
-        </c:scaling>
-        <c:delete val="0"/>
-        <c:axPos val="b"/>
-        <c:numFmt formatCode="General" sourceLinked="1"/>
-        <c:majorTickMark val="none"/>
-        <c:minorTickMark val="none"/>
-        <c:tickLblPos val="nextTo"/>
-        <c:spPr>
-          <a:noFill/>
-          <a:ln w="9525" cap="flat" cmpd="sng" algn="ctr">
-            <a:solidFill>
-              <a:schemeClr val="tx2">
-                <a:lumMod val="15000"/>
-                <a:lumOff val="85000"/>
-              </a:schemeClr>
-            </a:solidFill>
-            <a:round/>
-          </a:ln>
-          <a:effectLst/>
-        </c:spPr>
-        <c:txPr>
-          <a:bodyPr rot="-60000000" spcFirstLastPara="1" vertOverflow="ellipsis" vert="horz" wrap="square" anchor="ctr" anchorCtr="1"/>
-          <a:lstStyle/>
-          <a:p>
-            <a:pPr>
-              <a:defRPr sz="1197" b="0" i="0" u="none" strike="noStrike" kern="1200" baseline="0">
-                <a:solidFill>
-                  <a:schemeClr val="tx2"/>
-                </a:solidFill>
-                <a:latin typeface="+mn-lt"/>
-                <a:ea typeface="+mn-ea"/>
-                <a:cs typeface="+mn-cs"/>
-              </a:defRPr>
-            </a:pPr>
-            <a:endParaRPr lang="en-US"/>
-          </a:p>
-        </c:txPr>
-        <c:crossAx val="96186752"/>
-        <c:crosses val="autoZero"/>
-        <c:auto val="1"/>
-        <c:lblAlgn val="ctr"/>
-        <c:lblOffset val="100"/>
-        <c:noMultiLvlLbl val="0"/>
-      </c:catAx>
-      <c:valAx>
-        <c:axId val="96186752"/>
-        <c:scaling>
-          <c:orientation val="minMax"/>
-        </c:scaling>
-        <c:delete val="0"/>
-        <c:axPos val="l"/>
-        <c:majorGridlines>
-          <c:spPr>
-            <a:ln w="9525" cap="flat" cmpd="sng" algn="ctr">
-              <a:solidFill>
-                <a:schemeClr val="tx2">
-                  <a:lumMod val="15000"/>
-                  <a:lumOff val="85000"/>
-                </a:schemeClr>
-              </a:solidFill>
-              <a:round/>
-            </a:ln>
-            <a:effectLst/>
-          </c:spPr>
-        </c:majorGridlines>
-        <c:numFmt formatCode="General" sourceLinked="1"/>
-        <c:majorTickMark val="none"/>
-        <c:minorTickMark val="none"/>
-        <c:tickLblPos val="nextTo"/>
-        <c:spPr>
-          <a:noFill/>
-          <a:ln>
-            <a:noFill/>
-          </a:ln>
-          <a:effectLst/>
-        </c:spPr>
-        <c:txPr>
-          <a:bodyPr rot="-60000000" spcFirstLastPara="1" vertOverflow="ellipsis" vert="horz" wrap="square" anchor="ctr" anchorCtr="1"/>
-          <a:lstStyle/>
-          <a:p>
-            <a:pPr>
-              <a:defRPr sz="1197" b="0" i="0" u="none" strike="noStrike" kern="1200" baseline="0">
-                <a:solidFill>
-                  <a:schemeClr val="tx2"/>
-                </a:solidFill>
-                <a:latin typeface="+mn-lt"/>
-                <a:ea typeface="+mn-ea"/>
-                <a:cs typeface="+mn-cs"/>
-              </a:defRPr>
-            </a:pPr>
-            <a:endParaRPr lang="en-US"/>
-          </a:p>
-        </c:txPr>
-        <c:crossAx val="96190280"/>
-        <c:crosses val="autoZero"/>
-        <c:crossBetween val="between"/>
-      </c:valAx>
-      <c:spPr>
-        <a:noFill/>
-        <a:ln>
-          <a:noFill/>
-        </a:ln>
-        <a:effectLst/>
-      </c:spPr>
-    </c:plotArea>
-    <c:legend>
-      <c:legendPos val="b"/>
-      <c:overlay val="0"/>
-      <c:spPr>
-        <a:noFill/>
-        <a:ln>
-          <a:noFill/>
-        </a:ln>
-        <a:effectLst/>
-      </c:spPr>
-      <c:txPr>
-        <a:bodyPr rot="0" spcFirstLastPara="1" vertOverflow="ellipsis" vert="horz" wrap="square" anchor="ctr" anchorCtr="1"/>
-        <a:lstStyle/>
-        <a:p>
-          <a:pPr>
-            <a:defRPr sz="1197" b="0" i="0" u="none" strike="noStrike" kern="1200" baseline="0">
-              <a:solidFill>
-                <a:schemeClr val="tx2"/>
-              </a:solidFill>
-              <a:latin typeface="+mn-lt"/>
-              <a:ea typeface="+mn-ea"/>
-              <a:cs typeface="+mn-cs"/>
-            </a:defRPr>
-          </a:pPr>
-          <a:endParaRPr lang="en-US"/>
-        </a:p>
-      </c:txPr>
-    </c:legend>
-    <c:plotVisOnly val="1"/>
-    <c:dispBlanksAs val="gap"/>
-    <c:showDLblsOverMax val="0"/>
-  </c:chart>
-  <c:spPr>
-    <a:noFill/>
-    <a:ln>
-      <a:noFill/>
-    </a:ln>
-    <a:effectLst/>
-  </c:spPr>
-  <c:txPr>
-    <a:bodyPr/>
-    <a:lstStyle/>
-    <a:p>
-      <a:pPr>
-        <a:defRPr/>
-      </a:pPr>
-      <a:endParaRPr lang="en-US"/>
-    </a:p>
-  </c:txPr>
-  <c:externalData r:id="rId3">
-    <c:autoUpdate val="0"/>
-  </c:externalData>
-</c:chartSpace>
-</file>
-
-<file path=ppt/charts/colors1.xml><?xml version="1.0" encoding="utf-8"?>
-<cs:colorStyle xmlns:cs="http://schemas.microsoft.com/office/drawing/2012/chartStyle" xmlns:a="http://schemas.openxmlformats.org/drawingml/2006/main" meth="withinLinear" id="14">
-  <a:schemeClr val="accent1"/>
-</cs:colorStyle>
-</file>
-
-<file path=ppt/charts/style1.xml><?xml version="1.0" encoding="utf-8"?>
-<cs:chartStyle xmlns:cs="http://schemas.microsoft.com/office/drawing/2012/chartStyle" xmlns:a="http://schemas.openxmlformats.org/drawingml/2006/main" id="207">
-  <cs:axisTitle>
-    <cs:lnRef idx="0"/>
-    <cs:fillRef idx="0"/>
-    <cs:effectRef idx="0"/>
-    <cs:fontRef idx="minor">
-      <a:schemeClr val="tx2"/>
-    </cs:fontRef>
-    <cs:defRPr sz="1197" b="1" kern="1200"/>
-  </cs:axisTitle>
-  <cs:categoryAxis>
-    <cs:lnRef idx="0"/>
-    <cs:fillRef idx="0"/>
-    <cs:effectRef idx="0"/>
-    <cs:fontRef idx="minor">
-      <a:schemeClr val="tx2"/>
-    </cs:fontRef>
-    <cs:spPr>
-      <a:ln w="9525" cap="flat" cmpd="sng" algn="ctr">
-        <a:solidFill>
-          <a:schemeClr val="tx2">
-            <a:lumMod val="15000"/>
-            <a:lumOff val="85000"/>
-          </a:schemeClr>
-        </a:solidFill>
-        <a:round/>
-      </a:ln>
-    </cs:spPr>
-    <cs:defRPr sz="1197" kern="1200"/>
-  </cs:categoryAxis>
-  <cs:chartArea mods="allowNoFillOverride allowNoLineOverride">
-    <cs:lnRef idx="0"/>
-    <cs:fillRef idx="0"/>
-    <cs:effectRef idx="0"/>
-    <cs:fontRef idx="minor">
-      <a:schemeClr val="tx2"/>
-    </cs:fontRef>
-    <cs:spPr>
-      <a:solidFill>
-        <a:schemeClr val="bg1"/>
-      </a:solidFill>
-      <a:ln w="9525" cap="flat" cmpd="sng" algn="ctr">
-        <a:solidFill>
-          <a:schemeClr val="tx2">
-            <a:lumMod val="15000"/>
-            <a:lumOff val="85000"/>
-          </a:schemeClr>
-        </a:solidFill>
-        <a:round/>
-      </a:ln>
-    </cs:spPr>
-    <cs:defRPr sz="1197" kern="1200"/>
-  </cs:chartArea>
-  <cs:dataLabel>
-    <cs:lnRef idx="0"/>
-    <cs:fillRef idx="0"/>
-    <cs:effectRef idx="0"/>
-    <cs:fontRef idx="minor">
-      <a:schemeClr val="tx2"/>
-    </cs:fontRef>
-    <cs:defRPr sz="1197" kern="1200"/>
-  </cs:dataLabel>
-  <cs:dataLabelCallout>
-    <cs:lnRef idx="0"/>
-    <cs:fillRef idx="0"/>
-    <cs:effectRef idx="0"/>
-    <cs:fontRef idx="minor">
-      <a:schemeClr val="dk2">
-        <a:lumMod val="75000"/>
-      </a:schemeClr>
-    </cs:fontRef>
-    <cs:spPr>
-      <a:solidFill>
-        <a:schemeClr val="lt1"/>
-      </a:solidFill>
-      <a:ln>
-        <a:solidFill>
-          <a:schemeClr val="dk1">
-            <a:lumMod val="25000"/>
-            <a:lumOff val="75000"/>
-          </a:schemeClr>
-        </a:solidFill>
-      </a:ln>
-    </cs:spPr>
-    <cs:defRPr sz="1197" kern="1200"/>
-    <cs:bodyPr rot="0" spcFirstLastPara="1" vertOverflow="clip" horzOverflow="clip" vert="horz" wrap="square" lIns="36576" tIns="18288" rIns="36576" bIns="18288" anchor="ctr" anchorCtr="1">
-      <a:spAutoFit/>
-    </cs:bodyPr>
-  </cs:dataLabelCallout>
-  <cs:dataPoint>
-    <cs:lnRef idx="0"/>
-    <cs:fillRef idx="3">
-      <cs:styleClr val="auto"/>
-    </cs:fillRef>
-    <cs:effectRef idx="2"/>
-    <cs:fontRef idx="minor">
-      <a:schemeClr val="tx2"/>
-    </cs:fontRef>
-  </cs:dataPoint>
-  <cs:dataPoint3D>
-    <cs:lnRef idx="0"/>
-    <cs:fillRef idx="3">
-      <cs:styleClr val="auto"/>
-    </cs:fillRef>
-    <cs:effectRef idx="2"/>
-    <cs:fontRef idx="minor">
-      <a:schemeClr val="tx2"/>
-    </cs:fontRef>
-  </cs:dataPoint3D>
-  <cs:dataPointLine>
-    <cs:lnRef idx="0">
-      <cs:styleClr val="auto"/>
-    </cs:lnRef>
-    <cs:fillRef idx="3"/>
-    <cs:effectRef idx="2"/>
-    <cs:fontRef idx="minor">
-      <a:schemeClr val="tx2"/>
-    </cs:fontRef>
-    <cs:spPr>
-      <a:ln w="31750" cap="rnd">
-        <a:solidFill>
-          <a:schemeClr val="phClr"/>
-        </a:solidFill>
-        <a:round/>
-      </a:ln>
-    </cs:spPr>
-  </cs:dataPointLine>
-  <cs:dataPointMarker>
-    <cs:lnRef idx="0"/>
-    <cs:fillRef idx="3">
-      <cs:styleClr val="auto"/>
-    </cs:fillRef>
-    <cs:effectRef idx="2"/>
-    <cs:fontRef idx="minor">
-      <a:schemeClr val="tx2"/>
-    </cs:fontRef>
-    <cs:spPr>
-      <a:ln w="12700">
-        <a:solidFill>
-          <a:schemeClr val="lt2"/>
-        </a:solidFill>
-        <a:round/>
-      </a:ln>
-    </cs:spPr>
-  </cs:dataPointMarker>
-  <cs:dataPointMarkerLayout symbol="circle" size="6"/>
-  <cs:dataPointWireframe>
-    <cs:lnRef idx="0">
-      <cs:styleClr val="auto"/>
-    </cs:lnRef>
-    <cs:fillRef idx="3"/>
-    <cs:effectRef idx="2"/>
-    <cs:fontRef idx="minor">
-      <a:schemeClr val="tx2"/>
-    </cs:fontRef>
-    <cs:spPr>
-      <a:ln w="9525" cap="rnd">
-        <a:solidFill>
-          <a:schemeClr val="phClr"/>
-        </a:solidFill>
-        <a:round/>
-      </a:ln>
-    </cs:spPr>
-  </cs:dataPointWireframe>
-  <cs:dataTable>
-    <cs:lnRef idx="0"/>
-    <cs:fillRef idx="0"/>
-    <cs:effectRef idx="0"/>
-    <cs:fontRef idx="minor">
-      <a:schemeClr val="tx2"/>
-    </cs:fontRef>
-    <cs:spPr>
-      <a:ln w="9525">
-        <a:solidFill>
-          <a:schemeClr val="tx2">
-            <a:lumMod val="15000"/>
-            <a:lumOff val="85000"/>
-          </a:schemeClr>
-        </a:solidFill>
-      </a:ln>
-    </cs:spPr>
-    <cs:defRPr sz="1197" kern="1200"/>
-  </cs:dataTable>
-  <cs:downBar>
-    <cs:lnRef idx="0"/>
-    <cs:fillRef idx="0"/>
-    <cs:effectRef idx="0"/>
-    <cs:fontRef idx="minor">
-      <a:schemeClr val="dk1"/>
-    </cs:fontRef>
-    <cs:spPr>
-      <a:solidFill>
-        <a:schemeClr val="dk1">
-          <a:lumMod val="65000"/>
-          <a:lumOff val="35000"/>
-        </a:schemeClr>
-      </a:solidFill>
-      <a:ln w="9525">
-        <a:solidFill>
-          <a:schemeClr val="tx1">
-            <a:lumMod val="65000"/>
-            <a:lumOff val="35000"/>
-          </a:schemeClr>
-        </a:solidFill>
-      </a:ln>
-    </cs:spPr>
-  </cs:downBar>
-  <cs:dropLine>
-    <cs:lnRef idx="0"/>
-    <cs:fillRef idx="0"/>
-    <cs:effectRef idx="0"/>
-    <cs:fontRef idx="minor">
-      <a:schemeClr val="tx2"/>
-    </cs:fontRef>
-    <cs:spPr>
-      <a:ln w="9525">
-        <a:solidFill>
-          <a:schemeClr val="tx2">
-            <a:lumMod val="60000"/>
-            <a:lumOff val="40000"/>
-          </a:schemeClr>
-        </a:solidFill>
-        <a:prstDash val="dash"/>
-      </a:ln>
-    </cs:spPr>
-  </cs:dropLine>
-  <cs:errorBar>
-    <cs:lnRef idx="0"/>
-    <cs:fillRef idx="0"/>
-    <cs:effectRef idx="0"/>
-    <cs:fontRef idx="minor">
-      <a:schemeClr val="tx2"/>
-    </cs:fontRef>
-    <cs:spPr>
-      <a:ln w="9525">
-        <a:solidFill>
-          <a:schemeClr val="tx2">
-            <a:lumMod val="75000"/>
-            <a:lumOff val="25000"/>
-          </a:schemeClr>
-        </a:solidFill>
-        <a:round/>
-      </a:ln>
-    </cs:spPr>
-  </cs:errorBar>
-  <cs:floor>
-    <cs:lnRef idx="0"/>
-    <cs:fillRef idx="0"/>
-    <cs:effectRef idx="0"/>
-    <cs:fontRef idx="minor">
-      <a:schemeClr val="tx2"/>
-    </cs:fontRef>
-  </cs:floor>
-  <cs:gridlineMajor>
-    <cs:lnRef idx="0"/>
-    <cs:fillRef idx="0"/>
-    <cs:effectRef idx="0"/>
-    <cs:fontRef idx="minor">
-      <a:schemeClr val="tx2"/>
-    </cs:fontRef>
-    <cs:spPr>
-      <a:ln w="9525" cap="flat" cmpd="sng" algn="ctr">
-        <a:solidFill>
-          <a:schemeClr val="tx2">
-            <a:lumMod val="15000"/>
-            <a:lumOff val="85000"/>
-          </a:schemeClr>
-        </a:solidFill>
-        <a:round/>
-      </a:ln>
-    </cs:spPr>
-  </cs:gridlineMajor>
-  <cs:gridlineMinor>
-    <cs:lnRef idx="0"/>
-    <cs:fillRef idx="0"/>
-    <cs:effectRef idx="0"/>
-    <cs:fontRef idx="minor">
-      <a:schemeClr val="tx2"/>
-    </cs:fontRef>
-    <cs:spPr>
-      <a:ln>
-        <a:solidFill>
-          <a:schemeClr val="tx2">
-            <a:lumMod val="5000"/>
-            <a:lumOff val="95000"/>
-          </a:schemeClr>
-        </a:solidFill>
-      </a:ln>
-    </cs:spPr>
-  </cs:gridlineMinor>
-  <cs:hiLoLine>
-    <cs:lnRef idx="0"/>
-    <cs:fillRef idx="0"/>
-    <cs:effectRef idx="0"/>
-    <cs:fontRef idx="minor">
-      <a:schemeClr val="tx2"/>
-    </cs:fontRef>
-    <cs:spPr>
-      <a:ln w="9525">
-        <a:solidFill>
-          <a:schemeClr val="tx2">
-            <a:lumMod val="60000"/>
-            <a:lumOff val="40000"/>
-          </a:schemeClr>
-        </a:solidFill>
-        <a:prstDash val="dash"/>
-      </a:ln>
-    </cs:spPr>
-  </cs:hiLoLine>
-  <cs:leaderLine>
-    <cs:lnRef idx="0"/>
-    <cs:fillRef idx="0"/>
-    <cs:effectRef idx="0"/>
-    <cs:fontRef idx="minor">
-      <a:schemeClr val="tx2"/>
-    </cs:fontRef>
-    <cs:spPr>
-      <a:ln w="9525">
-        <a:solidFill>
-          <a:schemeClr val="tx2">
-            <a:lumMod val="35000"/>
-            <a:lumOff val="65000"/>
-          </a:schemeClr>
-        </a:solidFill>
-      </a:ln>
-    </cs:spPr>
-  </cs:leaderLine>
-  <cs:legend>
-    <cs:lnRef idx="0"/>
-    <cs:fillRef idx="0"/>
-    <cs:effectRef idx="0"/>
-    <cs:fontRef idx="minor">
-      <a:schemeClr val="tx2"/>
-    </cs:fontRef>
-    <cs:defRPr sz="1197" kern="1200"/>
-  </cs:legend>
-  <cs:plotArea>
-    <cs:lnRef idx="0"/>
-    <cs:fillRef idx="0"/>
-    <cs:effectRef idx="0"/>
-    <cs:fontRef idx="minor">
-      <a:schemeClr val="tx2"/>
-    </cs:fontRef>
-  </cs:plotArea>
-  <cs:plotArea3D>
-    <cs:lnRef idx="0"/>
-    <cs:fillRef idx="0"/>
-    <cs:effectRef idx="0"/>
-    <cs:fontRef idx="minor">
-      <a:schemeClr val="tx2"/>
-    </cs:fontRef>
-  </cs:plotArea3D>
-  <cs:seriesAxis>
-    <cs:lnRef idx="0"/>
-    <cs:fillRef idx="0"/>
-    <cs:effectRef idx="0"/>
-    <cs:fontRef idx="minor">
-      <a:schemeClr val="tx2"/>
-    </cs:fontRef>
-    <cs:spPr>
-      <a:ln w="9525" cap="flat" cmpd="sng" algn="ctr">
-        <a:solidFill>
-          <a:schemeClr val="tx2">
-            <a:lumMod val="15000"/>
-            <a:lumOff val="85000"/>
-          </a:schemeClr>
-        </a:solidFill>
-        <a:round/>
-      </a:ln>
-    </cs:spPr>
-    <cs:defRPr sz="1197" kern="1200"/>
-  </cs:seriesAxis>
-  <cs:seriesLine>
-    <cs:lnRef idx="0"/>
-    <cs:fillRef idx="0"/>
-    <cs:effectRef idx="0"/>
-    <cs:fontRef idx="minor">
-      <a:schemeClr val="tx2"/>
-    </cs:fontRef>
-    <cs:spPr>
-      <a:ln w="9525">
-        <a:solidFill>
-          <a:schemeClr val="tx2">
-            <a:lumMod val="60000"/>
-            <a:lumOff val="40000"/>
-          </a:schemeClr>
-        </a:solidFill>
-        <a:prstDash val="dash"/>
-      </a:ln>
-    </cs:spPr>
-  </cs:seriesLine>
-  <cs:title>
-    <cs:lnRef idx="0"/>
-    <cs:fillRef idx="0"/>
-    <cs:effectRef idx="0"/>
-    <cs:fontRef idx="minor">
-      <a:schemeClr val="tx2"/>
-    </cs:fontRef>
-    <cs:defRPr sz="2128" b="1" kern="1200"/>
-  </cs:title>
-  <cs:trendline>
-    <cs:lnRef idx="0">
-      <cs:styleClr val="auto"/>
-    </cs:lnRef>
-    <cs:fillRef idx="0"/>
-    <cs:effectRef idx="0"/>
-    <cs:fontRef idx="minor">
-      <a:schemeClr val="tx2"/>
-    </cs:fontRef>
-    <cs:spPr>
-      <a:ln w="19050" cap="rnd">
-        <a:solidFill>
-          <a:schemeClr val="phClr"/>
-        </a:solidFill>
-        <a:prstDash val="sysDash"/>
-      </a:ln>
-    </cs:spPr>
-  </cs:trendline>
-  <cs:trendlineLabel>
-    <cs:lnRef idx="0"/>
-    <cs:fillRef idx="0"/>
-    <cs:effectRef idx="0"/>
-    <cs:fontRef idx="minor">
-      <a:schemeClr val="tx2"/>
-    </cs:fontRef>
-    <cs:defRPr sz="1197" kern="1200"/>
-  </cs:trendlineLabel>
-  <cs:upBar>
-    <cs:lnRef idx="0"/>
-    <cs:fillRef idx="0"/>
-    <cs:effectRef idx="0"/>
-    <cs:fontRef idx="minor">
-      <a:schemeClr val="tx2"/>
-    </cs:fontRef>
-    <cs:spPr>
-      <a:solidFill>
-        <a:schemeClr val="lt1"/>
-      </a:solidFill>
-      <a:ln w="9525">
-        <a:solidFill>
-          <a:schemeClr val="tx1">
-            <a:lumMod val="15000"/>
-            <a:lumOff val="85000"/>
-          </a:schemeClr>
-        </a:solidFill>
-      </a:ln>
-    </cs:spPr>
-  </cs:upBar>
-  <cs:valueAxis>
-    <cs:lnRef idx="0"/>
-    <cs:fillRef idx="0"/>
-    <cs:effectRef idx="0"/>
-    <cs:fontRef idx="minor">
-      <a:schemeClr val="tx2"/>
-    </cs:fontRef>
-    <cs:defRPr sz="1197" kern="1200"/>
-  </cs:valueAxis>
-  <cs:wall>
-    <cs:lnRef idx="0"/>
-    <cs:fillRef idx="0"/>
-    <cs:effectRef idx="0"/>
-    <cs:fontRef idx="minor">
-      <a:schemeClr val="tx2"/>
-    </cs:fontRef>
-  </cs:wall>
-</cs:chartStyle>
-</file>
-
-<file path=ppt/diagrams/colors1.xml><?xml version="1.0" encoding="utf-8"?>
-<dgm:colorsDef xmlns:dgm="http://schemas.openxmlformats.org/drawingml/2006/diagram" xmlns:a="http://schemas.openxmlformats.org/drawingml/2006/main" uniqueId="urn:microsoft.com/office/officeart/2005/8/colors/accent1_1">
-  <dgm:title val=""/>
-  <dgm:desc val=""/>
-  <dgm:catLst>
-    <dgm:cat type="accent1" pri="11100"/>
-  </dgm:catLst>
-  <dgm:styleLbl name="node0">
-    <dgm:fillClrLst meth="repeat">
-      <a:schemeClr val="lt1"/>
-    </dgm:fillClrLst>
-    <dgm:linClrLst meth="repeat">
-      <a:schemeClr val="accent1">
-        <a:shade val="80000"/>
-      </a:schemeClr>
-    </dgm:linClrLst>
-    <dgm:effectClrLst/>
-    <dgm:txLinClrLst/>
-    <dgm:txFillClrLst meth="repeat">
-      <a:schemeClr val="dk1"/>
-    </dgm:txFillClrLst>
-    <dgm:txEffectClrLst/>
-  </dgm:styleLbl>
-  <dgm:styleLbl name="alignNode1">
-    <dgm:fillClrLst meth="repeat">
-      <a:schemeClr val="lt1"/>
-    </dgm:fillClrLst>
-    <dgm:linClrLst meth="repeat">
-      <a:schemeClr val="accent1">
-        <a:shade val="80000"/>
-      </a:schemeClr>
-    </dgm:linClrLst>
-    <dgm:effectClrLst/>
-    <dgm:txLinClrLst/>
-    <dgm:txFillClrLst meth="repeat">
-      <a:schemeClr val="dk1"/>
-    </dgm:txFillClrLst>
-    <dgm:txEffectClrLst/>
-  </dgm:styleLbl>
-  <dgm:styleLbl name="node1">
-    <dgm:fillClrLst meth="repeat">
-      <a:schemeClr val="lt1"/>
-    </dgm:fillClrLst>
-    <dgm:linClrLst meth="repeat">
-      <a:schemeClr val="accent1">
-        <a:shade val="80000"/>
-      </a:schemeClr>
-    </dgm:linClrLst>
-    <dgm:effectClrLst/>
-    <dgm:txLinClrLst/>
-    <dgm:txFillClrLst meth="repeat">
-      <a:schemeClr val="dk1"/>
-    </dgm:txFillClrLst>
-    <dgm:txEffectClrLst/>
-  </dgm:styleLbl>
-  <dgm:styleLbl name="lnNode1">
-    <dgm:fillClrLst meth="repeat">
-      <a:schemeClr val="lt1"/>
-    </dgm:fillClrLst>
-    <dgm:linClrLst meth="repeat">
-      <a:schemeClr val="accent1">
-        <a:shade val="80000"/>
-      </a:schemeClr>
-    </dgm:linClrLst>
-    <dgm:effectClrLst/>
-    <dgm:txLinClrLst/>
-    <dgm:txFillClrLst meth="repeat">
-      <a:schemeClr val="dk1"/>
-    </dgm:txFillClrLst>
-    <dgm:txEffectClrLst/>
-  </dgm:styleLbl>
-  <dgm:styleLbl name="vennNode1">
-    <dgm:fillClrLst meth="repeat">
-      <a:schemeClr val="lt1">
-        <a:alpha val="50000"/>
-      </a:schemeClr>
-    </dgm:fillClrLst>
-    <dgm:linClrLst meth="repeat">
-      <a:schemeClr val="accent1">
-        <a:shade val="80000"/>
-      </a:schemeClr>
-    </dgm:linClrLst>
-    <dgm:effectClrLst/>
-    <dgm:txLinClrLst/>
-    <dgm:txFillClrLst/>
-    <dgm:txEffectClrLst/>
-  </dgm:styleLbl>
-  <dgm:styleLbl name="node2">
-    <dgm:fillClrLst meth="repeat">
-      <a:schemeClr val="lt1"/>
-    </dgm:fillClrLst>
-    <dgm:linClrLst meth="repeat">
-      <a:schemeClr val="accent1">
-        <a:shade val="80000"/>
-      </a:schemeClr>
-    </dgm:linClrLst>
-    <dgm:effectClrLst/>
-    <dgm:txLinClrLst/>
-    <dgm:txFillClrLst meth="repeat">
-      <a:schemeClr val="dk1"/>
-    </dgm:txFillClrLst>
-    <dgm:txEffectClrLst/>
-  </dgm:styleLbl>
-  <dgm:styleLbl name="node3">
-    <dgm:fillClrLst meth="repeat">
-      <a:schemeClr val="lt1"/>
-    </dgm:fillClrLst>
-    <dgm:linClrLst meth="repeat">
-      <a:schemeClr val="accent1">
-        <a:shade val="80000"/>
-      </a:schemeClr>
-    </dgm:linClrLst>
-    <dgm:effectClrLst/>
-    <dgm:txLinClrLst/>
-    <dgm:txFillClrLst meth="repeat">
-      <a:schemeClr val="dk1"/>
-    </dgm:txFillClrLst>
-    <dgm:txEffectClrLst/>
-  </dgm:styleLbl>
-  <dgm:styleLbl name="node4">
-    <dgm:fillClrLst meth="repeat">
-      <a:schemeClr val="lt1"/>
-    </dgm:fillClrLst>
-    <dgm:linClrLst meth="repeat">
-      <a:schemeClr val="accent1">
-        <a:shade val="80000"/>
-      </a:schemeClr>
-    </dgm:linClrLst>
-    <dgm:effectClrLst/>
-    <dgm:txLinClrLst/>
-    <dgm:txFillClrLst meth="repeat">
-      <a:schemeClr val="dk1"/>
-    </dgm:txFillClrLst>
-    <dgm:txEffectClrLst/>
-  </dgm:styleLbl>
-  <dgm:styleLbl name="fgImgPlace1">
-    <dgm:fillClrLst meth="repeat">
-      <a:schemeClr val="accent1">
-        <a:tint val="40000"/>
-      </a:schemeClr>
-    </dgm:fillClrLst>
-    <dgm:linClrLst meth="repeat">
-      <a:schemeClr val="accent1">
-        <a:shade val="80000"/>
-      </a:schemeClr>
-    </dgm:linClrLst>
-    <dgm:effectClrLst/>
-    <dgm:txLinClrLst/>
-    <dgm:txFillClrLst meth="repeat">
-      <a:schemeClr val="lt1"/>
-    </dgm:txFillClrLst>
-    <dgm:txEffectClrLst/>
-  </dgm:styleLbl>
-  <dgm:styleLbl name="alignImgPlace1">
-    <dgm:fillClrLst meth="repeat">
-      <a:schemeClr val="accent1">
-        <a:tint val="40000"/>
-      </a:schemeClr>
-    </dgm:fillClrLst>
-    <dgm:linClrLst meth="repeat">
-      <a:schemeClr val="accent1">
-        <a:shade val="80000"/>
-      </a:schemeClr>
-    </dgm:linClrLst>
-    <dgm:effectClrLst/>
-    <dgm:txLinClrLst/>
-    <dgm:txFillClrLst meth="repeat">
-      <a:schemeClr val="lt1"/>
-    </dgm:txFillClrLst>
-    <dgm:txEffectClrLst/>
-  </dgm:styleLbl>
-  <dgm:styleLbl name="bgImgPlace1">
-    <dgm:fillClrLst meth="repeat">
-      <a:schemeClr val="accent1">
-        <a:tint val="40000"/>
-      </a:schemeClr>
-    </dgm:fillClrLst>
-    <dgm:linClrLst meth="repeat">
-      <a:schemeClr val="accent1">
-        <a:shade val="80000"/>
-      </a:schemeClr>
-    </dgm:linClrLst>
-    <dgm:effectClrLst/>
-    <dgm:txLinClrLst/>
-    <dgm:txFillClrLst meth="repeat">
-      <a:schemeClr val="lt1"/>
-    </dgm:txFillClrLst>
-    <dgm:txEffectClrLst/>
-  </dgm:styleLbl>
-  <dgm:styleLbl name="sibTrans2D1">
-    <dgm:fillClrLst meth="repeat">
-      <a:schemeClr val="accent1">
-        <a:tint val="60000"/>
-      </a:schemeClr>
-    </dgm:fillClrLst>
-    <dgm:linClrLst meth="repeat">
-      <a:schemeClr val="accent1">
-        <a:tint val="60000"/>
-      </a:schemeClr>
-    </dgm:linClrLst>
-    <dgm:effectClrLst/>
-    <dgm:txLinClrLst/>
-    <dgm:txFillClrLst meth="repeat">
-      <a:schemeClr val="dk1"/>
-    </dgm:txFillClrLst>
-    <dgm:txEffectClrLst/>
-  </dgm:styleLbl>
-  <dgm:styleLbl name="fgSibTrans2D1">
-    <dgm:fillClrLst meth="repeat">
-      <a:schemeClr val="accent1">
-        <a:tint val="60000"/>
-      </a:schemeClr>
-    </dgm:fillClrLst>
-    <dgm:linClrLst meth="repeat">
-      <a:schemeClr val="accent1">
-        <a:tint val="60000"/>
-      </a:schemeClr>
-    </dgm:linClrLst>
-    <dgm:effectClrLst/>
-    <dgm:txLinClrLst/>
-    <dgm:txFillClrLst meth="repeat">
-      <a:schemeClr val="dk1"/>
-    </dgm:txFillClrLst>
-    <dgm:txEffectClrLst/>
-  </dgm:styleLbl>
-  <dgm:styleLbl name="bgSibTrans2D1">
-    <dgm:fillClrLst meth="repeat">
-      <a:schemeClr val="accent1">
-        <a:tint val="60000"/>
-      </a:schemeClr>
-    </dgm:fillClrLst>
-    <dgm:linClrLst meth="repeat">
-      <a:schemeClr val="accent1">
-        <a:tint val="60000"/>
-      </a:schemeClr>
-    </dgm:linClrLst>
-    <dgm:effectClrLst/>
-    <dgm:txLinClrLst/>
-    <dgm:txFillClrLst meth="repeat">
-      <a:schemeClr val="dk1"/>
-    </dgm:txFillClrLst>
-    <dgm:txEffectClrLst/>
-  </dgm:styleLbl>
-  <dgm:styleLbl name="sibTrans1D1">
-    <dgm:fillClrLst meth="repeat">
-      <a:schemeClr val="accent1"/>
-    </dgm:fillClrLst>
-    <dgm:linClrLst meth="repeat">
-      <a:schemeClr val="accent1"/>
-    </dgm:linClrLst>
-    <dgm:effectClrLst/>
-    <dgm:txLinClrLst/>
-    <dgm:txFillClrLst meth="repeat">
-      <a:schemeClr val="tx1"/>
-    </dgm:txFillClrLst>
-    <dgm:txEffectClrLst/>
-  </dgm:styleLbl>
-  <dgm:styleLbl name="callout">
-    <dgm:fillClrLst meth="repeat">
-      <a:schemeClr val="accent1"/>
-    </dgm:fillClrLst>
-    <dgm:linClrLst meth="repeat">
-      <a:schemeClr val="accent1"/>
-    </dgm:linClrLst>
-    <dgm:effectClrLst/>
-    <dgm:txLinClrLst/>
-    <dgm:txFillClrLst meth="repeat">
-      <a:schemeClr val="tx1"/>
-    </dgm:txFillClrLst>
-    <dgm:txEffectClrLst/>
-  </dgm:styleLbl>
-  <dgm:styleLbl name="asst0">
-    <dgm:fillClrLst meth="repeat">
-      <a:schemeClr val="lt1"/>
-    </dgm:fillClrLst>
-    <dgm:linClrLst meth="repeat">
-      <a:schemeClr val="accent1">
-        <a:shade val="80000"/>
-      </a:schemeClr>
-    </dgm:linClrLst>
-    <dgm:effectClrLst/>
-    <dgm:txLinClrLst/>
-    <dgm:txFillClrLst meth="repeat">
-      <a:schemeClr val="dk1"/>
-    </dgm:txFillClrLst>
-    <dgm:txEffectClrLst/>
-  </dgm:styleLbl>
-  <dgm:styleLbl name="asst1">
-    <dgm:fillClrLst meth="repeat">
-      <a:schemeClr val="lt1"/>
-    </dgm:fillClrLst>
-    <dgm:linClrLst meth="repeat">
-      <a:schemeClr val="accent1">
-        <a:shade val="80000"/>
-      </a:schemeClr>
-    </dgm:linClrLst>
-    <dgm:effectClrLst/>
-    <dgm:txLinClrLst/>
-    <dgm:txFillClrLst meth="repeat">
-      <a:schemeClr val="dk1"/>
-    </dgm:txFillClrLst>
-    <dgm:txEffectClrLst/>
-  </dgm:styleLbl>
-  <dgm:styleLbl name="asst2">
-    <dgm:fillClrLst meth="repeat">
-      <a:schemeClr val="lt1"/>
-    </dgm:fillClrLst>
-    <dgm:linClrLst meth="repeat">
-      <a:schemeClr val="accent1">
-        <a:shade val="80000"/>
-      </a:schemeClr>
-    </dgm:linClrLst>
-    <dgm:effectClrLst/>
-    <dgm:txLinClrLst/>
-    <dgm:txFillClrLst meth="repeat">
-      <a:schemeClr val="dk1"/>
-    </dgm:txFillClrLst>
-    <dgm:txEffectClrLst/>
-  </dgm:styleLbl>
-  <dgm:styleLbl name="asst3">
-    <dgm:fillClrLst meth="repeat">
-      <a:schemeClr val="lt1"/>
-    </dgm:fillClrLst>
-    <dgm:linClrLst meth="repeat">
-      <a:schemeClr val="accent1">
-        <a:shade val="80000"/>
-      </a:schemeClr>
-    </dgm:linClrLst>
-    <dgm:effectClrLst/>
-    <dgm:txLinClrLst/>
-    <dgm:txFillClrLst meth="repeat">
-      <a:schemeClr val="dk1"/>
-    </dgm:txFillClrLst>
-    <dgm:txEffectClrLst/>
-  </dgm:styleLbl>
-  <dgm:styleLbl name="asst4">
-    <dgm:fillClrLst meth="repeat">
-      <a:schemeClr val="lt1"/>
-    </dgm:fillClrLst>
-    <dgm:linClrLst meth="repeat">
-      <a:schemeClr val="accent1">
-        <a:shade val="80000"/>
-      </a:schemeClr>
-    </dgm:linClrLst>
-    <dgm:effectClrLst/>
-    <dgm:txLinClrLst/>
-    <dgm:txFillClrLst meth="repeat">
-      <a:schemeClr val="dk1"/>
-    </dgm:txFillClrLst>
-    <dgm:txEffectClrLst/>
-  </dgm:styleLbl>
-  <dgm:styleLbl name="parChTrans2D1">
-    <dgm:fillClrLst meth="repeat">
-      <a:schemeClr val="accent1">
-        <a:tint val="60000"/>
-      </a:schemeClr>
-    </dgm:fillClrLst>
-    <dgm:linClrLst meth="repeat">
-      <a:schemeClr val="accent1">
-        <a:tint val="60000"/>
-      </a:schemeClr>
-    </dgm:linClrLst>
-    <dgm:effectClrLst/>
-    <dgm:txLinClrLst/>
-    <dgm:txFillClrLst/>
-    <dgm:txEffectClrLst/>
-  </dgm:styleLbl>
-  <dgm:styleLbl name="parChTrans2D2">
-    <dgm:fillClrLst meth="repeat">
-      <a:schemeClr val="accent1"/>
-    </dgm:fillClrLst>
-    <dgm:linClrLst meth="repeat">
-      <a:schemeClr val="accent1"/>
-    </dgm:linClrLst>
-    <dgm:effectClrLst/>
-    <dgm:txLinClrLst/>
-    <dgm:txFillClrLst/>
-    <dgm:txEffectClrLst/>
-  </dgm:styleLbl>
-  <dgm:styleLbl name="parChTrans2D3">
-    <dgm:fillClrLst meth="repeat">
-      <a:schemeClr val="accent1"/>
-    </dgm:fillClrLst>
-    <dgm:linClrLst meth="repeat">
-      <a:schemeClr val="accent1"/>
-    </dgm:linClrLst>
-    <dgm:effectClrLst/>
-    <dgm:txLinClrLst/>
-    <dgm:txFillClrLst/>
-    <dgm:txEffectClrLst/>
-  </dgm:styleLbl>
-  <dgm:styleLbl name="parChTrans2D4">
-    <dgm:fillClrLst meth="repeat">
-      <a:schemeClr val="accent1"/>
-    </dgm:fillClrLst>
-    <dgm:linClrLst meth="repeat">
-      <a:schemeClr val="accent1"/>
-    </dgm:linClrLst>
-    <dgm:effectClrLst/>
-    <dgm:txLinClrLst/>
-    <dgm:txFillClrLst meth="repeat">
-      <a:schemeClr val="lt1"/>
-    </dgm:txFillClrLst>
-    <dgm:txEffectClrLst/>
-  </dgm:styleLbl>
-  <dgm:styleLbl name="parChTrans1D1">
-    <dgm:fillClrLst meth="repeat">
-      <a:schemeClr val="accent1"/>
-    </dgm:fillClrLst>
-    <dgm:linClrLst meth="repeat">
-      <a:schemeClr val="accent1">
-        <a:shade val="60000"/>
-      </a:schemeClr>
-    </dgm:linClrLst>
-    <dgm:effectClrLst/>
-    <dgm:txLinClrLst/>
-    <dgm:txFillClrLst meth="repeat">
-      <a:schemeClr val="tx1"/>
-    </dgm:txFillClrLst>
-    <dgm:txEffectClrLst/>
-  </dgm:styleLbl>
-  <dgm:styleLbl name="parChTrans1D2">
-    <dgm:fillClrLst meth="repeat">
-      <a:schemeClr val="accent1"/>
-    </dgm:fillClrLst>
-    <dgm:linClrLst meth="repeat">
-      <a:schemeClr val="accent1">
-        <a:shade val="60000"/>
-      </a:schemeClr>
-    </dgm:linClrLst>
-    <dgm:effectClrLst/>
-    <dgm:txLinClrLst/>
-    <dgm:txFillClrLst meth="repeat">
-      <a:schemeClr val="tx1"/>
-    </dgm:txFillClrLst>
-    <dgm:txEffectClrLst/>
-  </dgm:styleLbl>
-  <dgm:styleLbl name="parChTrans1D3">
-    <dgm:fillClrLst meth="repeat">
-      <a:schemeClr val="accent1"/>
-    </dgm:fillClrLst>
-    <dgm:linClrLst meth="repeat">
-      <a:schemeClr val="accent1">
-        <a:shade val="80000"/>
-      </a:schemeClr>
-    </dgm:linClrLst>
-    <dgm:effectClrLst/>
-    <dgm:txLinClrLst/>
-    <dgm:txFillClrLst meth="repeat">
-      <a:schemeClr val="tx1"/>
-    </dgm:txFillClrLst>
-    <dgm:txEffectClrLst/>
-  </dgm:styleLbl>
-  <dgm:styleLbl name="parChTrans1D4">
-    <dgm:fillClrLst meth="repeat">
-      <a:schemeClr val="accent1"/>
-    </dgm:fillClrLst>
-    <dgm:linClrLst meth="repeat">
-      <a:schemeClr val="accent1">
-        <a:shade val="80000"/>
-      </a:schemeClr>
-    </dgm:linClrLst>
-    <dgm:effectClrLst/>
-    <dgm:txLinClrLst/>
-    <dgm:txFillClrLst meth="repeat">
-      <a:schemeClr val="tx1"/>
-    </dgm:txFillClrLst>
-    <dgm:txEffectClrLst/>
-  </dgm:styleLbl>
-  <dgm:styleLbl name="fgAcc1">
-    <dgm:fillClrLst meth="repeat">
-      <a:schemeClr val="accent1">
-        <a:alpha val="90000"/>
-        <a:tint val="40000"/>
-      </a:schemeClr>
-    </dgm:fillClrLst>
-    <dgm:linClrLst meth="repeat">
-      <a:schemeClr val="accent1"/>
-    </dgm:linClrLst>
-    <dgm:effectClrLst/>
-    <dgm:txLinClrLst/>
-    <dgm:txFillClrLst meth="repeat">
-      <a:schemeClr val="dk1"/>
-    </dgm:txFillClrLst>
-    <dgm:txEffectClrLst/>
-  </dgm:styleLbl>
-  <dgm:styleLbl name="conFgAcc1">
-    <dgm:fillClrLst meth="repeat">
-      <a:schemeClr val="accent1">
-        <a:alpha val="90000"/>
-        <a:tint val="40000"/>
-      </a:schemeClr>
-    </dgm:fillClrLst>
-    <dgm:linClrLst meth="repeat">
-      <a:schemeClr val="accent1"/>
-    </dgm:linClrLst>
-    <dgm:effectClrLst/>
-    <dgm:txLinClrLst/>
-    <dgm:txFillClrLst meth="repeat">
-      <a:schemeClr val="dk1"/>
-    </dgm:txFillClrLst>
-    <dgm:txEffectClrLst/>
-  </dgm:styleLbl>
-  <dgm:styleLbl name="alignAcc1">
-    <dgm:fillClrLst meth="repeat">
-      <a:schemeClr val="accent1">
-        <a:alpha val="90000"/>
-        <a:tint val="40000"/>
-      </a:schemeClr>
-    </dgm:fillClrLst>
-    <dgm:linClrLst meth="repeat">
-      <a:schemeClr val="accent1"/>
-    </dgm:linClrLst>
-    <dgm:effectClrLst/>
-    <dgm:txLinClrLst/>
-    <dgm:txFillClrLst meth="repeat">
-      <a:schemeClr val="dk1"/>
-    </dgm:txFillClrLst>
-    <dgm:txEffectClrLst/>
-  </dgm:styleLbl>
-  <dgm:styleLbl name="trAlignAcc1">
-    <dgm:fillClrLst meth="repeat">
-      <a:schemeClr val="accent1">
-        <a:alpha val="40000"/>
-        <a:tint val="40000"/>
-      </a:schemeClr>
-    </dgm:fillClrLst>
-    <dgm:linClrLst meth="repeat">
-      <a:schemeClr val="accent1"/>
-    </dgm:linClrLst>
-    <dgm:effectClrLst/>
-    <dgm:txLinClrLst/>
-    <dgm:txFillClrLst meth="repeat">
-      <a:schemeClr val="dk1"/>
-    </dgm:txFillClrLst>
-    <dgm:txEffectClrLst/>
-  </dgm:styleLbl>
-  <dgm:styleLbl name="bgAcc1">
-    <dgm:fillClrLst meth="repeat">
-      <a:schemeClr val="accent1">
-        <a:alpha val="90000"/>
-        <a:tint val="40000"/>
-      </a:schemeClr>
-    </dgm:fillClrLst>
-    <dgm:linClrLst meth="repeat">
-      <a:schemeClr val="accent1"/>
-    </dgm:linClrLst>
-    <dgm:effectClrLst/>
-    <dgm:txLinClrLst/>
-    <dgm:txFillClrLst meth="repeat">
-      <a:schemeClr val="dk1"/>
-    </dgm:txFillClrLst>
-    <dgm:txEffectClrLst/>
-  </dgm:styleLbl>
-  <dgm:styleLbl name="solidFgAcc1">
-    <dgm:fillClrLst meth="repeat">
-      <a:schemeClr val="lt1"/>
-    </dgm:fillClrLst>
-    <dgm:linClrLst meth="repeat">
-      <a:schemeClr val="accent1"/>
-    </dgm:linClrLst>
-    <dgm:effectClrLst/>
-    <dgm:txLinClrLst/>
-    <dgm:txFillClrLst meth="repeat">
-      <a:schemeClr val="dk1"/>
-    </dgm:txFillClrLst>
-    <dgm:txEffectClrLst/>
-  </dgm:styleLbl>
-  <dgm:styleLbl name="solidAlignAcc1">
-    <dgm:fillClrLst meth="repeat">
-      <a:schemeClr val="lt1"/>
-    </dgm:fillClrLst>
-    <dgm:linClrLst meth="repeat">
-      <a:schemeClr val="accent1"/>
-    </dgm:linClrLst>
-    <dgm:effectClrLst/>
-    <dgm:txLinClrLst/>
-    <dgm:txFillClrLst meth="repeat">
-      <a:schemeClr val="dk1"/>
-    </dgm:txFillClrLst>
-    <dgm:txEffectClrLst/>
-  </dgm:styleLbl>
-  <dgm:styleLbl name="solidBgAcc1">
-    <dgm:fillClrLst meth="repeat">
-      <a:schemeClr val="lt1"/>
-    </dgm:fillClrLst>
-    <dgm:linClrLst meth="repeat">
-      <a:schemeClr val="accent1"/>
-    </dgm:linClrLst>
-    <dgm:effectClrLst/>
-    <dgm:txLinClrLst/>
-    <dgm:txFillClrLst meth="repeat">
-      <a:schemeClr val="dk1"/>
-    </dgm:txFillClrLst>
-    <dgm:txEffectClrLst/>
-  </dgm:styleLbl>
-  <dgm:styleLbl name="fgAccFollowNode1">
-    <dgm:fillClrLst meth="repeat">
-      <a:schemeClr val="lt1">
-        <a:alpha val="90000"/>
-        <a:tint val="40000"/>
-      </a:schemeClr>
-    </dgm:fillClrLst>
-    <dgm:linClrLst meth="repeat">
-      <a:schemeClr val="accent1">
-        <a:alpha val="90000"/>
-      </a:schemeClr>
-    </dgm:linClrLst>
-    <dgm:effectClrLst/>
-    <dgm:txLinClrLst/>
-    <dgm:txFillClrLst meth="repeat">
-      <a:schemeClr val="dk1"/>
-    </dgm:txFillClrLst>
-    <dgm:txEffectClrLst/>
-  </dgm:styleLbl>
-  <dgm:styleLbl name="alignAccFollowNode1">
-    <dgm:fillClrLst meth="repeat">
-      <a:schemeClr val="lt1">
-        <a:alpha val="90000"/>
-        <a:tint val="40000"/>
-      </a:schemeClr>
-    </dgm:fillClrLst>
-    <dgm:linClrLst meth="repeat">
-      <a:schemeClr val="accent1">
-        <a:alpha val="90000"/>
-      </a:schemeClr>
-    </dgm:linClrLst>
-    <dgm:effectClrLst/>
-    <dgm:txLinClrLst/>
-    <dgm:txFillClrLst meth="repeat">
-      <a:schemeClr val="dk1"/>
-    </dgm:txFillClrLst>
-    <dgm:txEffectClrLst/>
-  </dgm:styleLbl>
-  <dgm:styleLbl name="bgAccFollowNode1">
-    <dgm:fillClrLst meth="repeat">
-      <a:schemeClr val="lt1">
-        <a:alpha val="90000"/>
-        <a:tint val="40000"/>
-      </a:schemeClr>
-    </dgm:fillClrLst>
-    <dgm:linClrLst meth="repeat">
-      <a:schemeClr val="accent1">
-        <a:alpha val="90000"/>
-      </a:schemeClr>
-    </dgm:linClrLst>
-    <dgm:effectClrLst/>
-    <dgm:txLinClrLst/>
-    <dgm:txFillClrLst meth="repeat">
-      <a:schemeClr val="dk1"/>
-    </dgm:txFillClrLst>
-    <dgm:txEffectClrLst/>
-  </dgm:styleLbl>
-  <dgm:styleLbl name="fgAcc0">
-    <dgm:fillClrLst meth="repeat">
-      <a:schemeClr val="accent1">
-        <a:alpha val="90000"/>
-        <a:tint val="40000"/>
-      </a:schemeClr>
-    </dgm:fillClrLst>
-    <dgm:linClrLst meth="repeat">
-      <a:schemeClr val="accent1"/>
-    </dgm:linClrLst>
-    <dgm:effectClrLst/>
-    <dgm:txLinClrLst/>
-    <dgm:txFillClrLst meth="repeat">
-      <a:schemeClr val="dk1"/>
-    </dgm:txFillClrLst>
-    <dgm:txEffectClrLst/>
-  </dgm:styleLbl>
-  <dgm:styleLbl name="fgAcc2">
-    <dgm:fillClrLst meth="repeat">
-      <a:schemeClr val="accent1">
-        <a:alpha val="90000"/>
-        <a:tint val="40000"/>
-      </a:schemeClr>
-    </dgm:fillClrLst>
-    <dgm:linClrLst meth="repeat">
-      <a:schemeClr val="accent1"/>
-    </dgm:linClrLst>
-    <dgm:effectClrLst/>
-    <dgm:txLinClrLst/>
-    <dgm:txFillClrLst meth="repeat">
-      <a:schemeClr val="dk1"/>
-    </dgm:txFillClrLst>
-    <dgm:txEffectClrLst/>
-  </dgm:styleLbl>
-  <dgm:styleLbl name="fgAcc3">
-    <dgm:fillClrLst meth="repeat">
-      <a:schemeClr val="accent1">
-        <a:alpha val="90000"/>
-        <a:tint val="40000"/>
-      </a:schemeClr>
-    </dgm:fillClrLst>
-    <dgm:linClrLst meth="repeat">
-      <a:schemeClr val="accent1"/>
-    </dgm:linClrLst>
-    <dgm:effectClrLst/>
-    <dgm:txLinClrLst/>
-    <dgm:txFillClrLst meth="repeat">
-      <a:schemeClr val="dk1"/>
-    </dgm:txFillClrLst>
-    <dgm:txEffectClrLst/>
-  </dgm:styleLbl>
-  <dgm:styleLbl name="fgAcc4">
-    <dgm:fillClrLst meth="repeat">
-      <a:schemeClr val="accent1">
-        <a:alpha val="90000"/>
-        <a:tint val="40000"/>
-      </a:schemeClr>
-    </dgm:fillClrLst>
-    <dgm:linClrLst meth="repeat">
-      <a:schemeClr val="accent1"/>
-    </dgm:linClrLst>
-    <dgm:effectClrLst/>
-    <dgm:txLinClrLst/>
-    <dgm:txFillClrLst meth="repeat">
-      <a:schemeClr val="dk1"/>
-    </dgm:txFillClrLst>
-    <dgm:txEffectClrLst/>
-  </dgm:styleLbl>
-  <dgm:styleLbl name="bgShp">
-    <dgm:fillClrLst meth="repeat">
-      <a:schemeClr val="accent1">
-        <a:tint val="40000"/>
-      </a:schemeClr>
-    </dgm:fillClrLst>
-    <dgm:linClrLst meth="repeat">
-      <a:schemeClr val="accent1"/>
-    </dgm:linClrLst>
-    <dgm:effectClrLst/>
-    <dgm:txLinClrLst/>
-    <dgm:txFillClrLst meth="repeat">
-      <a:schemeClr val="dk1"/>
-    </dgm:txFillClrLst>
-    <dgm:txEffectClrLst/>
-  </dgm:styleLbl>
-  <dgm:styleLbl name="dkBgShp">
-    <dgm:fillClrLst meth="repeat">
-      <a:schemeClr val="accent1">
-        <a:shade val="80000"/>
-      </a:schemeClr>
-    </dgm:fillClrLst>
-    <dgm:linClrLst meth="repeat">
-      <a:schemeClr val="accent1"/>
-    </dgm:linClrLst>
-    <dgm:effectClrLst/>
-    <dgm:txLinClrLst/>
-    <dgm:txFillClrLst meth="repeat">
-      <a:schemeClr val="lt1"/>
-    </dgm:txFillClrLst>
-    <dgm:txEffectClrLst/>
-  </dgm:styleLbl>
-  <dgm:styleLbl name="trBgShp">
-    <dgm:fillClrLst meth="repeat">
-      <a:schemeClr val="accent1">
-        <a:tint val="50000"/>
-        <a:alpha val="40000"/>
-      </a:schemeClr>
-    </dgm:fillClrLst>
-    <dgm:linClrLst meth="repeat">
-      <a:schemeClr val="accent1"/>
-    </dgm:linClrLst>
-    <dgm:effectClrLst/>
-    <dgm:txLinClrLst/>
-    <dgm:txFillClrLst meth="repeat">
-      <a:schemeClr val="lt1"/>
-    </dgm:txFillClrLst>
-    <dgm:txEffectClrLst/>
-  </dgm:styleLbl>
-  <dgm:styleLbl name="fgShp">
-    <dgm:fillClrLst meth="repeat">
-      <a:schemeClr val="accent1">
-        <a:tint val="60000"/>
-      </a:schemeClr>
-    </dgm:fillClrLst>
-    <dgm:linClrLst meth="repeat">
-      <a:schemeClr val="lt1"/>
-    </dgm:linClrLst>
-    <dgm:effectClrLst/>
-    <dgm:txLinClrLst/>
-    <dgm:txFillClrLst meth="repeat">
-      <a:schemeClr val="dk1"/>
-    </dgm:txFillClrLst>
-    <dgm:txEffectClrLst/>
-  </dgm:styleLbl>
-  <dgm:styleLbl name="revTx">
-    <dgm:fillClrLst meth="repeat">
-      <a:schemeClr val="lt1">
-        <a:alpha val="0"/>
-      </a:schemeClr>
-    </dgm:fillClrLst>
-    <dgm:linClrLst meth="repeat">
-      <a:schemeClr val="dk1">
-        <a:alpha val="0"/>
-      </a:schemeClr>
-    </dgm:linClrLst>
-    <dgm:effectClrLst/>
-    <dgm:txLinClrLst/>
-    <dgm:txFillClrLst meth="repeat">
-      <a:schemeClr val="tx1"/>
-    </dgm:txFillClrLst>
-    <dgm:txEffectClrLst/>
-  </dgm:styleLbl>
-</dgm:colorsDef>
-</file>
-
-<file path=ppt/diagrams/data1.xml><?xml version="1.0" encoding="utf-8"?>
-<dgm:dataModel xmlns:dgm="http://schemas.openxmlformats.org/drawingml/2006/diagram" xmlns:a="http://schemas.openxmlformats.org/drawingml/2006/main">
-  <dgm:ptLst>
-    <dgm:pt modelId="{FBA29113-7A70-4E0E-B036-871C49B835F1}" type="doc">
-      <dgm:prSet loTypeId="urn:microsoft.com/office/officeart/2005/8/layout/hProcess6" loCatId="process" qsTypeId="urn:microsoft.com/office/officeart/2005/8/quickstyle/simple1" qsCatId="simple" csTypeId="urn:microsoft.com/office/officeart/2005/8/colors/accent1_1" csCatId="accent1" phldr="1"/>
-      <dgm:spPr/>
-      <dgm:t>
-        <a:bodyPr/>
-        <a:lstStyle/>
-        <a:p>
-          <a:endParaRPr lang="en-US"/>
-        </a:p>
-      </dgm:t>
-    </dgm:pt>
-    <dgm:pt modelId="{A6406C01-7E83-4650-8EF5-394419DCB348}">
-      <dgm:prSet phldrT="[Text]"/>
-      <dgm:spPr/>
-      <dgm:t>
-        <a:bodyPr/>
-        <a:lstStyle/>
-        <a:p>
-          <a:r>
-            <a:rPr lang="en-US" dirty="0"/>
-            <a:t>Step 1 Title</a:t>
-          </a:r>
-        </a:p>
-      </dgm:t>
-      <dgm:extLst>
-        <a:ext uri="{E40237B7-FDA0-4F09-8148-C483321AD2D9}">
-          <dgm14:cNvPr xmlns:dgm14="http://schemas.microsoft.com/office/drawing/2010/diagram" id="0" name="" title="Step 1 title"/>
-        </a:ext>
-      </dgm:extLst>
-    </dgm:pt>
-    <dgm:pt modelId="{2586B3BB-DA8B-42DF-AC9A-77CE21607FD0}" type="parTrans" cxnId="{4D956F8D-5727-488A-93AF-F33602655A44}">
-      <dgm:prSet/>
-      <dgm:spPr/>
-      <dgm:t>
-        <a:bodyPr/>
-        <a:lstStyle/>
-        <a:p>
-          <a:endParaRPr lang="en-US"/>
-        </a:p>
-      </dgm:t>
-    </dgm:pt>
-    <dgm:pt modelId="{7C5B61F0-A4F6-4FCA-B552-36151F31051E}" type="sibTrans" cxnId="{4D956F8D-5727-488A-93AF-F33602655A44}">
-      <dgm:prSet/>
-      <dgm:spPr/>
-      <dgm:t>
-        <a:bodyPr/>
-        <a:lstStyle/>
-        <a:p>
-          <a:endParaRPr lang="en-US"/>
-        </a:p>
-      </dgm:t>
-    </dgm:pt>
-    <dgm:pt modelId="{E4E9F0D0-FF23-4B59-9B97-973BCBE5DC65}">
-      <dgm:prSet phldrT="[Text]"/>
-      <dgm:spPr/>
-      <dgm:t>
-        <a:bodyPr/>
-        <a:lstStyle/>
-        <a:p>
-          <a:r>
-            <a:rPr lang="en-US" dirty="0"/>
-            <a:t>Task description</a:t>
-          </a:r>
-        </a:p>
-      </dgm:t>
-      <dgm:extLst>
-        <a:ext uri="{E40237B7-FDA0-4F09-8148-C483321AD2D9}">
-          <dgm14:cNvPr xmlns:dgm14="http://schemas.microsoft.com/office/drawing/2010/diagram" id="0" name="" title="Step 1 - task description"/>
-        </a:ext>
-      </dgm:extLst>
-    </dgm:pt>
-    <dgm:pt modelId="{E9237435-F938-45D4-8BF4-6D5D4DFF850F}" type="parTrans" cxnId="{37A3A996-9723-4BDB-8959-9D9B7799BD9A}">
-      <dgm:prSet/>
-      <dgm:spPr/>
-      <dgm:t>
-        <a:bodyPr/>
-        <a:lstStyle/>
-        <a:p>
-          <a:endParaRPr lang="en-US"/>
-        </a:p>
-      </dgm:t>
-    </dgm:pt>
-    <dgm:pt modelId="{D32B195A-7CAD-474B-B79C-BE4BB171E742}" type="sibTrans" cxnId="{37A3A996-9723-4BDB-8959-9D9B7799BD9A}">
-      <dgm:prSet/>
-      <dgm:spPr/>
-      <dgm:t>
-        <a:bodyPr/>
-        <a:lstStyle/>
-        <a:p>
-          <a:endParaRPr lang="en-US"/>
-        </a:p>
-      </dgm:t>
-    </dgm:pt>
-    <dgm:pt modelId="{5D952622-A79E-41E4-BBC2-6212DEFFA91C}">
-      <dgm:prSet phldrT="[Text]"/>
-      <dgm:spPr/>
-      <dgm:t>
-        <a:bodyPr/>
-        <a:lstStyle/>
-        <a:p>
-          <a:r>
-            <a:rPr lang="en-US" dirty="0"/>
-            <a:t>Step 2 Title</a:t>
-          </a:r>
-        </a:p>
-      </dgm:t>
-      <dgm:extLst>
-        <a:ext uri="{E40237B7-FDA0-4F09-8148-C483321AD2D9}">
-          <dgm14:cNvPr xmlns:dgm14="http://schemas.microsoft.com/office/drawing/2010/diagram" id="0" name="" title="Step 2 title"/>
-        </a:ext>
-      </dgm:extLst>
-    </dgm:pt>
-    <dgm:pt modelId="{10627A68-BE4B-4A4A-9EC9-4CFEF1E4DF39}" type="parTrans" cxnId="{A22BDB9A-90BB-4DA2-8850-00D4F1D3B898}">
-      <dgm:prSet/>
-      <dgm:spPr/>
-      <dgm:t>
-        <a:bodyPr/>
-        <a:lstStyle/>
-        <a:p>
-          <a:endParaRPr lang="en-US"/>
-        </a:p>
-      </dgm:t>
-    </dgm:pt>
-    <dgm:pt modelId="{092BAEF3-D9F2-476B-9A0B-6F14CC814529}" type="sibTrans" cxnId="{A22BDB9A-90BB-4DA2-8850-00D4F1D3B898}">
-      <dgm:prSet/>
-      <dgm:spPr/>
-      <dgm:t>
-        <a:bodyPr/>
-        <a:lstStyle/>
-        <a:p>
-          <a:endParaRPr lang="en-US"/>
-        </a:p>
-      </dgm:t>
-    </dgm:pt>
-    <dgm:pt modelId="{5248D9DA-6444-46F6-8D28-C8BB2253AAD1}">
-      <dgm:prSet phldrT="[Text]"/>
-      <dgm:spPr/>
-      <dgm:t>
-        <a:bodyPr/>
-        <a:lstStyle/>
-        <a:p>
-          <a:r>
-            <a:rPr lang="en-US" dirty="0"/>
-            <a:t>Task description</a:t>
-          </a:r>
-        </a:p>
-      </dgm:t>
-      <dgm:extLst>
-        <a:ext uri="{E40237B7-FDA0-4F09-8148-C483321AD2D9}">
-          <dgm14:cNvPr xmlns:dgm14="http://schemas.microsoft.com/office/drawing/2010/diagram" id="0" name="" title="Step 2 - task description"/>
-        </a:ext>
-      </dgm:extLst>
-    </dgm:pt>
-    <dgm:pt modelId="{A8533F77-F094-4EDB-BCC7-35E0D6A46B71}" type="parTrans" cxnId="{35AF286C-A401-4C08-B8A3-F38B03322BD8}">
-      <dgm:prSet/>
-      <dgm:spPr/>
-      <dgm:t>
-        <a:bodyPr/>
-        <a:lstStyle/>
-        <a:p>
-          <a:endParaRPr lang="en-US"/>
-        </a:p>
-      </dgm:t>
-    </dgm:pt>
-    <dgm:pt modelId="{011B552E-515A-4C41-B810-0D2552861422}" type="sibTrans" cxnId="{35AF286C-A401-4C08-B8A3-F38B03322BD8}">
-      <dgm:prSet/>
-      <dgm:spPr/>
-      <dgm:t>
-        <a:bodyPr/>
-        <a:lstStyle/>
-        <a:p>
-          <a:endParaRPr lang="en-US"/>
-        </a:p>
-      </dgm:t>
-    </dgm:pt>
-    <dgm:pt modelId="{50706FFE-8A00-485D-9FF7-8D310692C602}">
-      <dgm:prSet phldrT="[Text]"/>
-      <dgm:spPr/>
-      <dgm:t>
-        <a:bodyPr/>
-        <a:lstStyle/>
-        <a:p>
-          <a:r>
-            <a:rPr lang="en-US" dirty="0"/>
-            <a:t>Step 3 Title</a:t>
-          </a:r>
-        </a:p>
-      </dgm:t>
-      <dgm:extLst>
-        <a:ext uri="{E40237B7-FDA0-4F09-8148-C483321AD2D9}">
-          <dgm14:cNvPr xmlns:dgm14="http://schemas.microsoft.com/office/drawing/2010/diagram" id="0" name="" title="Step 3 title"/>
-        </a:ext>
-      </dgm:extLst>
-    </dgm:pt>
-    <dgm:pt modelId="{EF44BD91-19A4-424B-BA32-4A5492B6E40B}" type="parTrans" cxnId="{7599CECE-5293-4C57-A979-D096C99254C7}">
-      <dgm:prSet/>
-      <dgm:spPr/>
-      <dgm:t>
-        <a:bodyPr/>
-        <a:lstStyle/>
-        <a:p>
-          <a:endParaRPr lang="en-US"/>
-        </a:p>
-      </dgm:t>
-    </dgm:pt>
-    <dgm:pt modelId="{CD03DFF4-D962-46D6-AFFA-2A87FD08403E}" type="sibTrans" cxnId="{7599CECE-5293-4C57-A979-D096C99254C7}">
-      <dgm:prSet/>
-      <dgm:spPr/>
-      <dgm:t>
-        <a:bodyPr/>
-        <a:lstStyle/>
-        <a:p>
-          <a:endParaRPr lang="en-US"/>
-        </a:p>
-      </dgm:t>
-    </dgm:pt>
-    <dgm:pt modelId="{3A9B5D84-CB00-4BC9-ADB2-5CF832F36763}">
-      <dgm:prSet phldrT="[Text]"/>
-      <dgm:spPr/>
-      <dgm:t>
-        <a:bodyPr/>
-        <a:lstStyle/>
-        <a:p>
-          <a:r>
-            <a:rPr lang="en-US" dirty="0"/>
-            <a:t>Task description</a:t>
-          </a:r>
-        </a:p>
-      </dgm:t>
-      <dgm:extLst>
-        <a:ext uri="{E40237B7-FDA0-4F09-8148-C483321AD2D9}">
-          <dgm14:cNvPr xmlns:dgm14="http://schemas.microsoft.com/office/drawing/2010/diagram" id="0" name="" title="Step 3 - task description"/>
-        </a:ext>
-      </dgm:extLst>
-    </dgm:pt>
-    <dgm:pt modelId="{BD57EC4A-052D-4824-8820-064BAC997A9B}" type="parTrans" cxnId="{11A0AF47-4BCA-470E-92BF-7B388FFB0DE8}">
-      <dgm:prSet/>
-      <dgm:spPr/>
-      <dgm:t>
-        <a:bodyPr/>
-        <a:lstStyle/>
-        <a:p>
-          <a:endParaRPr lang="en-US"/>
-        </a:p>
-      </dgm:t>
-    </dgm:pt>
-    <dgm:pt modelId="{98E878CF-4A49-4E76-BD23-AE7C5290BAFD}" type="sibTrans" cxnId="{11A0AF47-4BCA-470E-92BF-7B388FFB0DE8}">
-      <dgm:prSet/>
-      <dgm:spPr/>
-      <dgm:t>
-        <a:bodyPr/>
-        <a:lstStyle/>
-        <a:p>
-          <a:endParaRPr lang="en-US"/>
-        </a:p>
-      </dgm:t>
-    </dgm:pt>
-    <dgm:pt modelId="{8734DFB3-ADD8-4FD2-87D8-1981AA0ADD0B}" type="pres">
-      <dgm:prSet presAssocID="{FBA29113-7A70-4E0E-B036-871C49B835F1}" presName="theList" presStyleCnt="0">
-        <dgm:presLayoutVars>
-          <dgm:dir/>
-          <dgm:animLvl val="lvl"/>
-          <dgm:resizeHandles val="exact"/>
-        </dgm:presLayoutVars>
-      </dgm:prSet>
-      <dgm:spPr/>
-    </dgm:pt>
-    <dgm:pt modelId="{5C04AEFB-7132-4B28-A7D3-862245070A8D}" type="pres">
-      <dgm:prSet presAssocID="{A6406C01-7E83-4650-8EF5-394419DCB348}" presName="compNode" presStyleCnt="0"/>
-      <dgm:spPr/>
-    </dgm:pt>
-    <dgm:pt modelId="{358F74AC-FC7D-465B-BD12-B6CCC00F3D29}" type="pres">
-      <dgm:prSet presAssocID="{A6406C01-7E83-4650-8EF5-394419DCB348}" presName="noGeometry" presStyleCnt="0"/>
-      <dgm:spPr/>
-    </dgm:pt>
-    <dgm:pt modelId="{610B5FFC-C0C9-444C-9F7A-14D1B54F604D}" type="pres">
-      <dgm:prSet presAssocID="{A6406C01-7E83-4650-8EF5-394419DCB348}" presName="childTextVisible" presStyleLbl="bgAccFollowNode1" presStyleIdx="0" presStyleCnt="3">
-        <dgm:presLayoutVars>
-          <dgm:bulletEnabled val="1"/>
-        </dgm:presLayoutVars>
-      </dgm:prSet>
-      <dgm:spPr/>
-    </dgm:pt>
-    <dgm:pt modelId="{FB705FC1-639E-4064-8E9A-A79870DE5273}" type="pres">
-      <dgm:prSet presAssocID="{A6406C01-7E83-4650-8EF5-394419DCB348}" presName="childTextHidden" presStyleLbl="bgAccFollowNode1" presStyleIdx="0" presStyleCnt="3"/>
-      <dgm:spPr/>
-    </dgm:pt>
-    <dgm:pt modelId="{47DA5750-48DC-4E4F-815D-0B05DBC30DAB}" type="pres">
-      <dgm:prSet presAssocID="{A6406C01-7E83-4650-8EF5-394419DCB348}" presName="parentText" presStyleLbl="node1" presStyleIdx="0" presStyleCnt="3">
-        <dgm:presLayoutVars>
-          <dgm:chMax val="1"/>
-          <dgm:bulletEnabled val="1"/>
-        </dgm:presLayoutVars>
-      </dgm:prSet>
-      <dgm:spPr/>
-    </dgm:pt>
-    <dgm:pt modelId="{6319C676-A7DE-4777-9BB4-3B6D30ED3F5C}" type="pres">
-      <dgm:prSet presAssocID="{A6406C01-7E83-4650-8EF5-394419DCB348}" presName="aSpace" presStyleCnt="0"/>
-      <dgm:spPr/>
-    </dgm:pt>
-    <dgm:pt modelId="{CA708D38-D093-4C16-A955-CF2CAC7F0A99}" type="pres">
-      <dgm:prSet presAssocID="{5D952622-A79E-41E4-BBC2-6212DEFFA91C}" presName="compNode" presStyleCnt="0"/>
-      <dgm:spPr/>
-    </dgm:pt>
-    <dgm:pt modelId="{6F3066E9-E96F-489D-8A4B-6D55FBE389F2}" type="pres">
-      <dgm:prSet presAssocID="{5D952622-A79E-41E4-BBC2-6212DEFFA91C}" presName="noGeometry" presStyleCnt="0"/>
-      <dgm:spPr/>
-    </dgm:pt>
-    <dgm:pt modelId="{00D2DC2C-7CA2-4A4B-B66D-3DDCAB7DC8E9}" type="pres">
-      <dgm:prSet presAssocID="{5D952622-A79E-41E4-BBC2-6212DEFFA91C}" presName="childTextVisible" presStyleLbl="bgAccFollowNode1" presStyleIdx="1" presStyleCnt="3">
-        <dgm:presLayoutVars>
-          <dgm:bulletEnabled val="1"/>
-        </dgm:presLayoutVars>
-      </dgm:prSet>
-      <dgm:spPr/>
-    </dgm:pt>
-    <dgm:pt modelId="{072FB640-0A28-40E8-9C0C-86BAF45C6EF0}" type="pres">
-      <dgm:prSet presAssocID="{5D952622-A79E-41E4-BBC2-6212DEFFA91C}" presName="childTextHidden" presStyleLbl="bgAccFollowNode1" presStyleIdx="1" presStyleCnt="3"/>
-      <dgm:spPr/>
-    </dgm:pt>
-    <dgm:pt modelId="{EE8733A1-7662-4D0A-B39E-2218596CC81C}" type="pres">
-      <dgm:prSet presAssocID="{5D952622-A79E-41E4-BBC2-6212DEFFA91C}" presName="parentText" presStyleLbl="node1" presStyleIdx="1" presStyleCnt="3">
-        <dgm:presLayoutVars>
-          <dgm:chMax val="1"/>
-          <dgm:bulletEnabled val="1"/>
-        </dgm:presLayoutVars>
-      </dgm:prSet>
-      <dgm:spPr/>
-    </dgm:pt>
-    <dgm:pt modelId="{E0D7C734-E391-436F-996C-E60442F50A17}" type="pres">
-      <dgm:prSet presAssocID="{5D952622-A79E-41E4-BBC2-6212DEFFA91C}" presName="aSpace" presStyleCnt="0"/>
-      <dgm:spPr/>
-    </dgm:pt>
-    <dgm:pt modelId="{E8F3A685-8F9F-4BAC-8C8B-A1DE5AA41F3A}" type="pres">
-      <dgm:prSet presAssocID="{50706FFE-8A00-485D-9FF7-8D310692C602}" presName="compNode" presStyleCnt="0"/>
-      <dgm:spPr/>
-    </dgm:pt>
-    <dgm:pt modelId="{84BFA617-6CAF-4DA9-A086-82BCA61093BE}" type="pres">
-      <dgm:prSet presAssocID="{50706FFE-8A00-485D-9FF7-8D310692C602}" presName="noGeometry" presStyleCnt="0"/>
-      <dgm:spPr/>
-    </dgm:pt>
-    <dgm:pt modelId="{4BF699B1-BE15-42D1-9784-AA33CF29870E}" type="pres">
-      <dgm:prSet presAssocID="{50706FFE-8A00-485D-9FF7-8D310692C602}" presName="childTextVisible" presStyleLbl="bgAccFollowNode1" presStyleIdx="2" presStyleCnt="3">
-        <dgm:presLayoutVars>
-          <dgm:bulletEnabled val="1"/>
-        </dgm:presLayoutVars>
-      </dgm:prSet>
-      <dgm:spPr/>
-    </dgm:pt>
-    <dgm:pt modelId="{F0925EF4-86E2-4748-BA70-94AAF55AB064}" type="pres">
-      <dgm:prSet presAssocID="{50706FFE-8A00-485D-9FF7-8D310692C602}" presName="childTextHidden" presStyleLbl="bgAccFollowNode1" presStyleIdx="2" presStyleCnt="3"/>
-      <dgm:spPr/>
-    </dgm:pt>
-    <dgm:pt modelId="{78E9A4E4-18A9-4B73-8007-A63A71C71937}" type="pres">
-      <dgm:prSet presAssocID="{50706FFE-8A00-485D-9FF7-8D310692C602}" presName="parentText" presStyleLbl="node1" presStyleIdx="2" presStyleCnt="3">
-        <dgm:presLayoutVars>
-          <dgm:chMax val="1"/>
-          <dgm:bulletEnabled val="1"/>
-        </dgm:presLayoutVars>
-      </dgm:prSet>
-      <dgm:spPr/>
-    </dgm:pt>
-  </dgm:ptLst>
-  <dgm:cxnLst>
-    <dgm:cxn modelId="{99E34304-5770-4691-A3EE-6A7C8B9ACD53}" type="presOf" srcId="{E4E9F0D0-FF23-4B59-9B97-973BCBE5DC65}" destId="{610B5FFC-C0C9-444C-9F7A-14D1B54F604D}" srcOrd="0" destOrd="0" presId="urn:microsoft.com/office/officeart/2005/8/layout/hProcess6"/>
-    <dgm:cxn modelId="{81ACEA16-295B-4802-A889-1DC375F525AB}" type="presOf" srcId="{A6406C01-7E83-4650-8EF5-394419DCB348}" destId="{47DA5750-48DC-4E4F-815D-0B05DBC30DAB}" srcOrd="0" destOrd="0" presId="urn:microsoft.com/office/officeart/2005/8/layout/hProcess6"/>
-    <dgm:cxn modelId="{130B0544-2388-4104-A721-8D29E7C77420}" type="presOf" srcId="{5D952622-A79E-41E4-BBC2-6212DEFFA91C}" destId="{EE8733A1-7662-4D0A-B39E-2218596CC81C}" srcOrd="0" destOrd="0" presId="urn:microsoft.com/office/officeart/2005/8/layout/hProcess6"/>
-    <dgm:cxn modelId="{31498E67-CEA0-4571-B7AB-26A2113144F6}" type="presOf" srcId="{FBA29113-7A70-4E0E-B036-871C49B835F1}" destId="{8734DFB3-ADD8-4FD2-87D8-1981AA0ADD0B}" srcOrd="0" destOrd="0" presId="urn:microsoft.com/office/officeart/2005/8/layout/hProcess6"/>
-    <dgm:cxn modelId="{11A0AF47-4BCA-470E-92BF-7B388FFB0DE8}" srcId="{50706FFE-8A00-485D-9FF7-8D310692C602}" destId="{3A9B5D84-CB00-4BC9-ADB2-5CF832F36763}" srcOrd="0" destOrd="0" parTransId="{BD57EC4A-052D-4824-8820-064BAC997A9B}" sibTransId="{98E878CF-4A49-4E76-BD23-AE7C5290BAFD}"/>
-    <dgm:cxn modelId="{019AA969-1A2B-48C0-B7C9-005E817BC2CB}" type="presOf" srcId="{E4E9F0D0-FF23-4B59-9B97-973BCBE5DC65}" destId="{FB705FC1-639E-4064-8E9A-A79870DE5273}" srcOrd="1" destOrd="0" presId="urn:microsoft.com/office/officeart/2005/8/layout/hProcess6"/>
-    <dgm:cxn modelId="{35AF286C-A401-4C08-B8A3-F38B03322BD8}" srcId="{5D952622-A79E-41E4-BBC2-6212DEFFA91C}" destId="{5248D9DA-6444-46F6-8D28-C8BB2253AAD1}" srcOrd="0" destOrd="0" parTransId="{A8533F77-F094-4EDB-BCC7-35E0D6A46B71}" sibTransId="{011B552E-515A-4C41-B810-0D2552861422}"/>
-    <dgm:cxn modelId="{F36BB86E-E9BB-4DBF-9DFE-F8050046ED1F}" type="presOf" srcId="{3A9B5D84-CB00-4BC9-ADB2-5CF832F36763}" destId="{4BF699B1-BE15-42D1-9784-AA33CF29870E}" srcOrd="0" destOrd="0" presId="urn:microsoft.com/office/officeart/2005/8/layout/hProcess6"/>
-    <dgm:cxn modelId="{BA539253-48E3-447C-8770-C31D10399C4A}" type="presOf" srcId="{50706FFE-8A00-485D-9FF7-8D310692C602}" destId="{78E9A4E4-18A9-4B73-8007-A63A71C71937}" srcOrd="0" destOrd="0" presId="urn:microsoft.com/office/officeart/2005/8/layout/hProcess6"/>
-    <dgm:cxn modelId="{D2E26D7D-A939-4166-987B-3E9E5A080266}" type="presOf" srcId="{3A9B5D84-CB00-4BC9-ADB2-5CF832F36763}" destId="{F0925EF4-86E2-4748-BA70-94AAF55AB064}" srcOrd="1" destOrd="0" presId="urn:microsoft.com/office/officeart/2005/8/layout/hProcess6"/>
-    <dgm:cxn modelId="{4D956F8D-5727-488A-93AF-F33602655A44}" srcId="{FBA29113-7A70-4E0E-B036-871C49B835F1}" destId="{A6406C01-7E83-4650-8EF5-394419DCB348}" srcOrd="0" destOrd="0" parTransId="{2586B3BB-DA8B-42DF-AC9A-77CE21607FD0}" sibTransId="{7C5B61F0-A4F6-4FCA-B552-36151F31051E}"/>
-    <dgm:cxn modelId="{37A3A996-9723-4BDB-8959-9D9B7799BD9A}" srcId="{A6406C01-7E83-4650-8EF5-394419DCB348}" destId="{E4E9F0D0-FF23-4B59-9B97-973BCBE5DC65}" srcOrd="0" destOrd="0" parTransId="{E9237435-F938-45D4-8BF4-6D5D4DFF850F}" sibTransId="{D32B195A-7CAD-474B-B79C-BE4BB171E742}"/>
-    <dgm:cxn modelId="{E23D729A-C2FC-40CD-8A08-F5EBB66CF80B}" type="presOf" srcId="{5248D9DA-6444-46F6-8D28-C8BB2253AAD1}" destId="{072FB640-0A28-40E8-9C0C-86BAF45C6EF0}" srcOrd="1" destOrd="0" presId="urn:microsoft.com/office/officeart/2005/8/layout/hProcess6"/>
-    <dgm:cxn modelId="{A22BDB9A-90BB-4DA2-8850-00D4F1D3B898}" srcId="{FBA29113-7A70-4E0E-B036-871C49B835F1}" destId="{5D952622-A79E-41E4-BBC2-6212DEFFA91C}" srcOrd="1" destOrd="0" parTransId="{10627A68-BE4B-4A4A-9EC9-4CFEF1E4DF39}" sibTransId="{092BAEF3-D9F2-476B-9A0B-6F14CC814529}"/>
-    <dgm:cxn modelId="{AE4FA1B2-1FFD-4999-BFB4-0E2A9E4BEBBB}" type="presOf" srcId="{5248D9DA-6444-46F6-8D28-C8BB2253AAD1}" destId="{00D2DC2C-7CA2-4A4B-B66D-3DDCAB7DC8E9}" srcOrd="0" destOrd="0" presId="urn:microsoft.com/office/officeart/2005/8/layout/hProcess6"/>
-    <dgm:cxn modelId="{7599CECE-5293-4C57-A979-D096C99254C7}" srcId="{FBA29113-7A70-4E0E-B036-871C49B835F1}" destId="{50706FFE-8A00-485D-9FF7-8D310692C602}" srcOrd="2" destOrd="0" parTransId="{EF44BD91-19A4-424B-BA32-4A5492B6E40B}" sibTransId="{CD03DFF4-D962-46D6-AFFA-2A87FD08403E}"/>
-    <dgm:cxn modelId="{FF0D50D3-9477-4407-8F44-B60B9728DED7}" type="presParOf" srcId="{8734DFB3-ADD8-4FD2-87D8-1981AA0ADD0B}" destId="{5C04AEFB-7132-4B28-A7D3-862245070A8D}" srcOrd="0" destOrd="0" presId="urn:microsoft.com/office/officeart/2005/8/layout/hProcess6"/>
-    <dgm:cxn modelId="{126CE751-65CF-4E60-902C-2D0B01478834}" type="presParOf" srcId="{5C04AEFB-7132-4B28-A7D3-862245070A8D}" destId="{358F74AC-FC7D-465B-BD12-B6CCC00F3D29}" srcOrd="0" destOrd="0" presId="urn:microsoft.com/office/officeart/2005/8/layout/hProcess6"/>
-    <dgm:cxn modelId="{C6915109-771C-43AE-A4C7-A411D8E5978F}" type="presParOf" srcId="{5C04AEFB-7132-4B28-A7D3-862245070A8D}" destId="{610B5FFC-C0C9-444C-9F7A-14D1B54F604D}" srcOrd="1" destOrd="0" presId="urn:microsoft.com/office/officeart/2005/8/layout/hProcess6"/>
-    <dgm:cxn modelId="{954FE73F-9595-47D0-9AB9-6EB7EDC39F8E}" type="presParOf" srcId="{5C04AEFB-7132-4B28-A7D3-862245070A8D}" destId="{FB705FC1-639E-4064-8E9A-A79870DE5273}" srcOrd="2" destOrd="0" presId="urn:microsoft.com/office/officeart/2005/8/layout/hProcess6"/>
-    <dgm:cxn modelId="{362B7B1C-776A-481A-B10E-B2136C044DB5}" type="presParOf" srcId="{5C04AEFB-7132-4B28-A7D3-862245070A8D}" destId="{47DA5750-48DC-4E4F-815D-0B05DBC30DAB}" srcOrd="3" destOrd="0" presId="urn:microsoft.com/office/officeart/2005/8/layout/hProcess6"/>
-    <dgm:cxn modelId="{AB361918-49A4-4458-A6B4-A38162139DB4}" type="presParOf" srcId="{8734DFB3-ADD8-4FD2-87D8-1981AA0ADD0B}" destId="{6319C676-A7DE-4777-9BB4-3B6D30ED3F5C}" srcOrd="1" destOrd="0" presId="urn:microsoft.com/office/officeart/2005/8/layout/hProcess6"/>
-    <dgm:cxn modelId="{3E32ED31-FAFA-41FB-A502-0C9269827B55}" type="presParOf" srcId="{8734DFB3-ADD8-4FD2-87D8-1981AA0ADD0B}" destId="{CA708D38-D093-4C16-A955-CF2CAC7F0A99}" srcOrd="2" destOrd="0" presId="urn:microsoft.com/office/officeart/2005/8/layout/hProcess6"/>
-    <dgm:cxn modelId="{38B5F8BF-C6A8-4D51-8681-B847070CD1C0}" type="presParOf" srcId="{CA708D38-D093-4C16-A955-CF2CAC7F0A99}" destId="{6F3066E9-E96F-489D-8A4B-6D55FBE389F2}" srcOrd="0" destOrd="0" presId="urn:microsoft.com/office/officeart/2005/8/layout/hProcess6"/>
-    <dgm:cxn modelId="{B873A9F4-217E-473A-8D65-14527890AC34}" type="presParOf" srcId="{CA708D38-D093-4C16-A955-CF2CAC7F0A99}" destId="{00D2DC2C-7CA2-4A4B-B66D-3DDCAB7DC8E9}" srcOrd="1" destOrd="0" presId="urn:microsoft.com/office/officeart/2005/8/layout/hProcess6"/>
-    <dgm:cxn modelId="{F573A08D-1388-4362-9D10-155655876363}" type="presParOf" srcId="{CA708D38-D093-4C16-A955-CF2CAC7F0A99}" destId="{072FB640-0A28-40E8-9C0C-86BAF45C6EF0}" srcOrd="2" destOrd="0" presId="urn:microsoft.com/office/officeart/2005/8/layout/hProcess6"/>
-    <dgm:cxn modelId="{7ADF5CCF-F26A-45B5-9692-98B07AFD46A1}" type="presParOf" srcId="{CA708D38-D093-4C16-A955-CF2CAC7F0A99}" destId="{EE8733A1-7662-4D0A-B39E-2218596CC81C}" srcOrd="3" destOrd="0" presId="urn:microsoft.com/office/officeart/2005/8/layout/hProcess6"/>
-    <dgm:cxn modelId="{985C18C8-95A3-4479-821C-610A2BAFFFF3}" type="presParOf" srcId="{8734DFB3-ADD8-4FD2-87D8-1981AA0ADD0B}" destId="{E0D7C734-E391-436F-996C-E60442F50A17}" srcOrd="3" destOrd="0" presId="urn:microsoft.com/office/officeart/2005/8/layout/hProcess6"/>
-    <dgm:cxn modelId="{951CD7FA-A9B4-463F-BD0D-452C521FF523}" type="presParOf" srcId="{8734DFB3-ADD8-4FD2-87D8-1981AA0ADD0B}" destId="{E8F3A685-8F9F-4BAC-8C8B-A1DE5AA41F3A}" srcOrd="4" destOrd="0" presId="urn:microsoft.com/office/officeart/2005/8/layout/hProcess6"/>
-    <dgm:cxn modelId="{E08D8862-B273-4AA6-9A90-754366CE4945}" type="presParOf" srcId="{E8F3A685-8F9F-4BAC-8C8B-A1DE5AA41F3A}" destId="{84BFA617-6CAF-4DA9-A086-82BCA61093BE}" srcOrd="0" destOrd="0" presId="urn:microsoft.com/office/officeart/2005/8/layout/hProcess6"/>
-    <dgm:cxn modelId="{69392B4C-2A7B-41A4-A48C-35E312A6434A}" type="presParOf" srcId="{E8F3A685-8F9F-4BAC-8C8B-A1DE5AA41F3A}" destId="{4BF699B1-BE15-42D1-9784-AA33CF29870E}" srcOrd="1" destOrd="0" presId="urn:microsoft.com/office/officeart/2005/8/layout/hProcess6"/>
-    <dgm:cxn modelId="{29F5DEAB-A9C8-47F8-A089-1585C323795A}" type="presParOf" srcId="{E8F3A685-8F9F-4BAC-8C8B-A1DE5AA41F3A}" destId="{F0925EF4-86E2-4748-BA70-94AAF55AB064}" srcOrd="2" destOrd="0" presId="urn:microsoft.com/office/officeart/2005/8/layout/hProcess6"/>
-    <dgm:cxn modelId="{E9A57A1B-DDAF-4905-B46C-246DB5E9FB2A}" type="presParOf" srcId="{E8F3A685-8F9F-4BAC-8C8B-A1DE5AA41F3A}" destId="{78E9A4E4-18A9-4B73-8007-A63A71C71937}" srcOrd="3" destOrd="0" presId="urn:microsoft.com/office/officeart/2005/8/layout/hProcess6"/>
-  </dgm:cxnLst>
-  <dgm:bg/>
-  <dgm:whole/>
-  <dgm:extLst>
-    <a:ext uri="http://schemas.microsoft.com/office/drawing/2008/diagram">
-      <dsp:dataModelExt xmlns:dsp="http://schemas.microsoft.com/office/drawing/2008/diagram" relId="rId6" minVer="http://schemas.openxmlformats.org/drawingml/2006/diagram"/>
-    </a:ext>
-  </dgm:extLst>
-</dgm:dataModel>
-</file>
-
-<file path=ppt/diagrams/drawing1.xml><?xml version="1.0" encoding="utf-8"?>
-<dsp:drawing xmlns:dgm="http://schemas.openxmlformats.org/drawingml/2006/diagram" xmlns:dsp="http://schemas.microsoft.com/office/drawing/2008/diagram" xmlns:a="http://schemas.openxmlformats.org/drawingml/2006/main">
-  <dsp:spTree>
-    <dsp:nvGrpSpPr>
-      <dsp:cNvPr id="0" name=""/>
-      <dsp:cNvGrpSpPr/>
-    </dsp:nvGrpSpPr>
-    <dsp:grpSpPr/>
-    <dsp:sp modelId="{610B5FFC-C0C9-444C-9F7A-14D1B54F604D}">
-      <dsp:nvSpPr>
-        <dsp:cNvPr id="0" name=""/>
-        <dsp:cNvSpPr/>
-      </dsp:nvSpPr>
-      <dsp:spPr>
-        <a:xfrm>
-          <a:off x="623515" y="823134"/>
-          <a:ext cx="2475309" cy="2163731"/>
-        </a:xfrm>
-        <a:prstGeom prst="rightArrow">
-          <a:avLst>
-            <a:gd name="adj1" fmla="val 70000"/>
-            <a:gd name="adj2" fmla="val 50000"/>
-          </a:avLst>
-        </a:prstGeom>
-        <a:solidFill>
-          <a:schemeClr val="lt1">
-            <a:alpha val="90000"/>
-            <a:tint val="40000"/>
-            <a:hueOff val="0"/>
-            <a:satOff val="0"/>
-            <a:lumOff val="0"/>
-            <a:alphaOff val="0"/>
-          </a:schemeClr>
-        </a:solidFill>
-        <a:ln w="12700" cap="flat" cmpd="sng" algn="ctr">
-          <a:solidFill>
-            <a:schemeClr val="accent1">
-              <a:alpha val="90000"/>
-              <a:hueOff val="0"/>
-              <a:satOff val="0"/>
-              <a:lumOff val="0"/>
-              <a:alphaOff val="0"/>
-            </a:schemeClr>
-          </a:solidFill>
-          <a:prstDash val="solid"/>
-          <a:miter lim="800000"/>
-        </a:ln>
-        <a:effectLst/>
-      </dsp:spPr>
-      <dsp:style>
-        <a:lnRef idx="2">
-          <a:scrgbClr r="0" g="0" b="0"/>
-        </a:lnRef>
-        <a:fillRef idx="1">
-          <a:scrgbClr r="0" g="0" b="0"/>
-        </a:fillRef>
-        <a:effectRef idx="0">
-          <a:scrgbClr r="0" g="0" b="0"/>
-        </a:effectRef>
-        <a:fontRef idx="minor"/>
-      </dsp:style>
-      <dsp:txBody>
-        <a:bodyPr spcFirstLastPara="0" vert="horz" wrap="square" lIns="45720" tIns="11430" rIns="22860" bIns="11430" numCol="1" spcCol="1270" anchor="ctr" anchorCtr="0">
-          <a:noAutofit/>
-        </a:bodyPr>
-        <a:lstStyle/>
-        <a:p>
-          <a:pPr marL="0" lvl="0" indent="0" algn="ctr" defTabSz="800100">
-            <a:lnSpc>
-              <a:spcPct val="90000"/>
-            </a:lnSpc>
-            <a:spcBef>
-              <a:spcPct val="0"/>
-            </a:spcBef>
-            <a:spcAft>
-              <a:spcPct val="35000"/>
-            </a:spcAft>
-            <a:buNone/>
-          </a:pPr>
-          <a:r>
-            <a:rPr lang="en-US" sz="1800" kern="1200" dirty="0"/>
-            <a:t>Task description</a:t>
-          </a:r>
-        </a:p>
-      </dsp:txBody>
-      <dsp:txXfrm>
-        <a:off x="1242342" y="1147694"/>
-        <a:ext cx="1206713" cy="1514611"/>
-      </dsp:txXfrm>
-    </dsp:sp>
-    <dsp:sp modelId="{47DA5750-48DC-4E4F-815D-0B05DBC30DAB}">
-      <dsp:nvSpPr>
-        <dsp:cNvPr id="0" name=""/>
-        <dsp:cNvSpPr/>
-      </dsp:nvSpPr>
-      <dsp:spPr>
-        <a:xfrm>
-          <a:off x="4688" y="1286172"/>
-          <a:ext cx="1237654" cy="1237654"/>
-        </a:xfrm>
-        <a:prstGeom prst="ellipse">
-          <a:avLst/>
-        </a:prstGeom>
-        <a:solidFill>
-          <a:schemeClr val="lt1">
-            <a:hueOff val="0"/>
-            <a:satOff val="0"/>
-            <a:lumOff val="0"/>
-            <a:alphaOff val="0"/>
-          </a:schemeClr>
-        </a:solidFill>
-        <a:ln w="12700" cap="flat" cmpd="sng" algn="ctr">
-          <a:solidFill>
-            <a:schemeClr val="accent1">
-              <a:shade val="80000"/>
-              <a:hueOff val="0"/>
-              <a:satOff val="0"/>
-              <a:lumOff val="0"/>
-              <a:alphaOff val="0"/>
-            </a:schemeClr>
-          </a:solidFill>
-          <a:prstDash val="solid"/>
-          <a:miter lim="800000"/>
-        </a:ln>
-        <a:effectLst/>
-      </dsp:spPr>
-      <dsp:style>
-        <a:lnRef idx="2">
-          <a:scrgbClr r="0" g="0" b="0"/>
-        </a:lnRef>
-        <a:fillRef idx="1">
-          <a:scrgbClr r="0" g="0" b="0"/>
-        </a:fillRef>
-        <a:effectRef idx="0">
-          <a:scrgbClr r="0" g="0" b="0"/>
-        </a:effectRef>
-        <a:fontRef idx="minor">
-          <a:schemeClr val="lt1"/>
-        </a:fontRef>
-      </dsp:style>
-      <dsp:txBody>
-        <a:bodyPr spcFirstLastPara="0" vert="horz" wrap="square" lIns="15240" tIns="15240" rIns="15240" bIns="15240" numCol="1" spcCol="1270" anchor="ctr" anchorCtr="0">
-          <a:noAutofit/>
-        </a:bodyPr>
-        <a:lstStyle/>
-        <a:p>
-          <a:pPr marL="0" lvl="0" indent="0" algn="ctr" defTabSz="1066800">
-            <a:lnSpc>
-              <a:spcPct val="90000"/>
-            </a:lnSpc>
-            <a:spcBef>
-              <a:spcPct val="0"/>
-            </a:spcBef>
-            <a:spcAft>
-              <a:spcPct val="35000"/>
-            </a:spcAft>
-            <a:buNone/>
-          </a:pPr>
-          <a:r>
-            <a:rPr lang="en-US" sz="2400" kern="1200" dirty="0"/>
-            <a:t>Step 1 Title</a:t>
-          </a:r>
-        </a:p>
-      </dsp:txBody>
-      <dsp:txXfrm>
-        <a:off x="185938" y="1467422"/>
-        <a:ext cx="875154" cy="875154"/>
-      </dsp:txXfrm>
-    </dsp:sp>
-    <dsp:sp modelId="{00D2DC2C-7CA2-4A4B-B66D-3DDCAB7DC8E9}">
-      <dsp:nvSpPr>
-        <dsp:cNvPr id="0" name=""/>
-        <dsp:cNvSpPr/>
-      </dsp:nvSpPr>
-      <dsp:spPr>
-        <a:xfrm>
-          <a:off x="3872358" y="823134"/>
-          <a:ext cx="2475309" cy="2163731"/>
-        </a:xfrm>
-        <a:prstGeom prst="rightArrow">
-          <a:avLst>
-            <a:gd name="adj1" fmla="val 70000"/>
-            <a:gd name="adj2" fmla="val 50000"/>
-          </a:avLst>
-        </a:prstGeom>
-        <a:solidFill>
-          <a:schemeClr val="lt1">
-            <a:alpha val="90000"/>
-            <a:tint val="40000"/>
-            <a:hueOff val="0"/>
-            <a:satOff val="0"/>
-            <a:lumOff val="0"/>
-            <a:alphaOff val="0"/>
-          </a:schemeClr>
-        </a:solidFill>
-        <a:ln w="12700" cap="flat" cmpd="sng" algn="ctr">
-          <a:solidFill>
-            <a:schemeClr val="accent1">
-              <a:alpha val="90000"/>
-              <a:hueOff val="0"/>
-              <a:satOff val="0"/>
-              <a:lumOff val="0"/>
-              <a:alphaOff val="0"/>
-            </a:schemeClr>
-          </a:solidFill>
-          <a:prstDash val="solid"/>
-          <a:miter lim="800000"/>
-        </a:ln>
-        <a:effectLst/>
-      </dsp:spPr>
-      <dsp:style>
-        <a:lnRef idx="2">
-          <a:scrgbClr r="0" g="0" b="0"/>
-        </a:lnRef>
-        <a:fillRef idx="1">
-          <a:scrgbClr r="0" g="0" b="0"/>
-        </a:fillRef>
-        <a:effectRef idx="0">
-          <a:scrgbClr r="0" g="0" b="0"/>
-        </a:effectRef>
-        <a:fontRef idx="minor"/>
-      </dsp:style>
-      <dsp:txBody>
-        <a:bodyPr spcFirstLastPara="0" vert="horz" wrap="square" lIns="45720" tIns="11430" rIns="22860" bIns="11430" numCol="1" spcCol="1270" anchor="ctr" anchorCtr="0">
-          <a:noAutofit/>
-        </a:bodyPr>
-        <a:lstStyle/>
-        <a:p>
-          <a:pPr marL="0" lvl="0" indent="0" algn="ctr" defTabSz="800100">
-            <a:lnSpc>
-              <a:spcPct val="90000"/>
-            </a:lnSpc>
-            <a:spcBef>
-              <a:spcPct val="0"/>
-            </a:spcBef>
-            <a:spcAft>
-              <a:spcPct val="35000"/>
-            </a:spcAft>
-            <a:buNone/>
-          </a:pPr>
-          <a:r>
-            <a:rPr lang="en-US" sz="1800" kern="1200" dirty="0"/>
-            <a:t>Task description</a:t>
-          </a:r>
-        </a:p>
-      </dsp:txBody>
-      <dsp:txXfrm>
-        <a:off x="4491186" y="1147694"/>
-        <a:ext cx="1206713" cy="1514611"/>
-      </dsp:txXfrm>
-    </dsp:sp>
-    <dsp:sp modelId="{EE8733A1-7662-4D0A-B39E-2218596CC81C}">
-      <dsp:nvSpPr>
-        <dsp:cNvPr id="0" name=""/>
-        <dsp:cNvSpPr/>
-      </dsp:nvSpPr>
-      <dsp:spPr>
-        <a:xfrm>
-          <a:off x="3253531" y="1286172"/>
-          <a:ext cx="1237654" cy="1237654"/>
-        </a:xfrm>
-        <a:prstGeom prst="ellipse">
-          <a:avLst/>
-        </a:prstGeom>
-        <a:solidFill>
-          <a:schemeClr val="lt1">
-            <a:hueOff val="0"/>
-            <a:satOff val="0"/>
-            <a:lumOff val="0"/>
-            <a:alphaOff val="0"/>
-          </a:schemeClr>
-        </a:solidFill>
-        <a:ln w="12700" cap="flat" cmpd="sng" algn="ctr">
-          <a:solidFill>
-            <a:schemeClr val="accent1">
-              <a:shade val="80000"/>
-              <a:hueOff val="0"/>
-              <a:satOff val="0"/>
-              <a:lumOff val="0"/>
-              <a:alphaOff val="0"/>
-            </a:schemeClr>
-          </a:solidFill>
-          <a:prstDash val="solid"/>
-          <a:miter lim="800000"/>
-        </a:ln>
-        <a:effectLst/>
-      </dsp:spPr>
-      <dsp:style>
-        <a:lnRef idx="2">
-          <a:scrgbClr r="0" g="0" b="0"/>
-        </a:lnRef>
-        <a:fillRef idx="1">
-          <a:scrgbClr r="0" g="0" b="0"/>
-        </a:fillRef>
-        <a:effectRef idx="0">
-          <a:scrgbClr r="0" g="0" b="0"/>
-        </a:effectRef>
-        <a:fontRef idx="minor">
-          <a:schemeClr val="lt1"/>
-        </a:fontRef>
-      </dsp:style>
-      <dsp:txBody>
-        <a:bodyPr spcFirstLastPara="0" vert="horz" wrap="square" lIns="15240" tIns="15240" rIns="15240" bIns="15240" numCol="1" spcCol="1270" anchor="ctr" anchorCtr="0">
-          <a:noAutofit/>
-        </a:bodyPr>
-        <a:lstStyle/>
-        <a:p>
-          <a:pPr marL="0" lvl="0" indent="0" algn="ctr" defTabSz="1066800">
-            <a:lnSpc>
-              <a:spcPct val="90000"/>
-            </a:lnSpc>
-            <a:spcBef>
-              <a:spcPct val="0"/>
-            </a:spcBef>
-            <a:spcAft>
-              <a:spcPct val="35000"/>
-            </a:spcAft>
-            <a:buNone/>
-          </a:pPr>
-          <a:r>
-            <a:rPr lang="en-US" sz="2400" kern="1200" dirty="0"/>
-            <a:t>Step 2 Title</a:t>
-          </a:r>
-        </a:p>
-      </dsp:txBody>
-      <dsp:txXfrm>
-        <a:off x="3434781" y="1467422"/>
-        <a:ext cx="875154" cy="875154"/>
-      </dsp:txXfrm>
-    </dsp:sp>
-    <dsp:sp modelId="{4BF699B1-BE15-42D1-9784-AA33CF29870E}">
-      <dsp:nvSpPr>
-        <dsp:cNvPr id="0" name=""/>
-        <dsp:cNvSpPr/>
-      </dsp:nvSpPr>
-      <dsp:spPr>
-        <a:xfrm>
-          <a:off x="7121202" y="823134"/>
-          <a:ext cx="2475309" cy="2163731"/>
-        </a:xfrm>
-        <a:prstGeom prst="rightArrow">
-          <a:avLst>
-            <a:gd name="adj1" fmla="val 70000"/>
-            <a:gd name="adj2" fmla="val 50000"/>
-          </a:avLst>
-        </a:prstGeom>
-        <a:solidFill>
-          <a:schemeClr val="lt1">
-            <a:alpha val="90000"/>
-            <a:tint val="40000"/>
-            <a:hueOff val="0"/>
-            <a:satOff val="0"/>
-            <a:lumOff val="0"/>
-            <a:alphaOff val="0"/>
-          </a:schemeClr>
-        </a:solidFill>
-        <a:ln w="12700" cap="flat" cmpd="sng" algn="ctr">
-          <a:solidFill>
-            <a:schemeClr val="accent1">
-              <a:alpha val="90000"/>
-              <a:hueOff val="0"/>
-              <a:satOff val="0"/>
-              <a:lumOff val="0"/>
-              <a:alphaOff val="0"/>
-            </a:schemeClr>
-          </a:solidFill>
-          <a:prstDash val="solid"/>
-          <a:miter lim="800000"/>
-        </a:ln>
-        <a:effectLst/>
-      </dsp:spPr>
-      <dsp:style>
-        <a:lnRef idx="2">
-          <a:scrgbClr r="0" g="0" b="0"/>
-        </a:lnRef>
-        <a:fillRef idx="1">
-          <a:scrgbClr r="0" g="0" b="0"/>
-        </a:fillRef>
-        <a:effectRef idx="0">
-          <a:scrgbClr r="0" g="0" b="0"/>
-        </a:effectRef>
-        <a:fontRef idx="minor"/>
-      </dsp:style>
-      <dsp:txBody>
-        <a:bodyPr spcFirstLastPara="0" vert="horz" wrap="square" lIns="45720" tIns="11430" rIns="22860" bIns="11430" numCol="1" spcCol="1270" anchor="ctr" anchorCtr="0">
-          <a:noAutofit/>
-        </a:bodyPr>
-        <a:lstStyle/>
-        <a:p>
-          <a:pPr marL="0" lvl="0" indent="0" algn="ctr" defTabSz="800100">
-            <a:lnSpc>
-              <a:spcPct val="90000"/>
-            </a:lnSpc>
-            <a:spcBef>
-              <a:spcPct val="0"/>
-            </a:spcBef>
-            <a:spcAft>
-              <a:spcPct val="35000"/>
-            </a:spcAft>
-            <a:buNone/>
-          </a:pPr>
-          <a:r>
-            <a:rPr lang="en-US" sz="1800" kern="1200" dirty="0"/>
-            <a:t>Task description</a:t>
-          </a:r>
-        </a:p>
-      </dsp:txBody>
-      <dsp:txXfrm>
-        <a:off x="7740029" y="1147694"/>
-        <a:ext cx="1206713" cy="1514611"/>
-      </dsp:txXfrm>
-    </dsp:sp>
-    <dsp:sp modelId="{78E9A4E4-18A9-4B73-8007-A63A71C71937}">
-      <dsp:nvSpPr>
-        <dsp:cNvPr id="0" name=""/>
-        <dsp:cNvSpPr/>
-      </dsp:nvSpPr>
-      <dsp:spPr>
-        <a:xfrm>
-          <a:off x="6502375" y="1286172"/>
-          <a:ext cx="1237654" cy="1237654"/>
-        </a:xfrm>
-        <a:prstGeom prst="ellipse">
-          <a:avLst/>
-        </a:prstGeom>
-        <a:solidFill>
-          <a:schemeClr val="lt1">
-            <a:hueOff val="0"/>
-            <a:satOff val="0"/>
-            <a:lumOff val="0"/>
-            <a:alphaOff val="0"/>
-          </a:schemeClr>
-        </a:solidFill>
-        <a:ln w="12700" cap="flat" cmpd="sng" algn="ctr">
-          <a:solidFill>
-            <a:schemeClr val="accent1">
-              <a:shade val="80000"/>
-              <a:hueOff val="0"/>
-              <a:satOff val="0"/>
-              <a:lumOff val="0"/>
-              <a:alphaOff val="0"/>
-            </a:schemeClr>
-          </a:solidFill>
-          <a:prstDash val="solid"/>
-          <a:miter lim="800000"/>
-        </a:ln>
-        <a:effectLst/>
-      </dsp:spPr>
-      <dsp:style>
-        <a:lnRef idx="2">
-          <a:scrgbClr r="0" g="0" b="0"/>
-        </a:lnRef>
-        <a:fillRef idx="1">
-          <a:scrgbClr r="0" g="0" b="0"/>
-        </a:fillRef>
-        <a:effectRef idx="0">
-          <a:scrgbClr r="0" g="0" b="0"/>
-        </a:effectRef>
-        <a:fontRef idx="minor">
-          <a:schemeClr val="lt1"/>
-        </a:fontRef>
-      </dsp:style>
-      <dsp:txBody>
-        <a:bodyPr spcFirstLastPara="0" vert="horz" wrap="square" lIns="15240" tIns="15240" rIns="15240" bIns="15240" numCol="1" spcCol="1270" anchor="ctr" anchorCtr="0">
-          <a:noAutofit/>
-        </a:bodyPr>
-        <a:lstStyle/>
-        <a:p>
-          <a:pPr marL="0" lvl="0" indent="0" algn="ctr" defTabSz="1066800">
-            <a:lnSpc>
-              <a:spcPct val="90000"/>
-            </a:lnSpc>
-            <a:spcBef>
-              <a:spcPct val="0"/>
-            </a:spcBef>
-            <a:spcAft>
-              <a:spcPct val="35000"/>
-            </a:spcAft>
-            <a:buNone/>
-          </a:pPr>
-          <a:r>
-            <a:rPr lang="en-US" sz="2400" kern="1200" dirty="0"/>
-            <a:t>Step 3 Title</a:t>
-          </a:r>
-        </a:p>
-      </dsp:txBody>
-      <dsp:txXfrm>
-        <a:off x="6683625" y="1467422"/>
-        <a:ext cx="875154" cy="875154"/>
-      </dsp:txXfrm>
-    </dsp:sp>
-  </dsp:spTree>
-</dsp:drawing>
-</file>
-
-<file path=ppt/diagrams/layout1.xml><?xml version="1.0" encoding="utf-8"?>
-<dgm:layoutDef xmlns:dgm="http://schemas.openxmlformats.org/drawingml/2006/diagram" xmlns:a="http://schemas.openxmlformats.org/drawingml/2006/main" uniqueId="urn:microsoft.com/office/officeart/2005/8/layout/hProcess6">
-  <dgm:title val=""/>
-  <dgm:desc val=""/>
-  <dgm:catLst>
-    <dgm:cat type="process" pri="7000"/>
-  </dgm:catLst>
-  <dgm:sampData>
-    <dgm:dataModel>
-      <dgm:ptLst>
-        <dgm:pt modelId="0" type="doc"/>
-        <dgm:pt modelId="1">
-          <dgm:prSet phldr="1"/>
-        </dgm:pt>
-        <dgm:pt modelId="11">
-          <dgm:prSet phldr="1"/>
-        </dgm:pt>
-        <dgm:pt modelId="12">
-          <dgm:prSet phldr="1"/>
-        </dgm:pt>
-        <dgm:pt modelId="2">
-          <dgm:prSet phldr="1"/>
-        </dgm:pt>
-        <dgm:pt modelId="21">
-          <dgm:prSet phldr="1"/>
-        </dgm:pt>
-        <dgm:pt modelId="22">
-          <dgm:prSet phldr="1"/>
-        </dgm:pt>
-        <dgm:pt modelId="3">
-          <dgm:prSet phldr="1"/>
-        </dgm:pt>
-        <dgm:pt modelId="31">
-          <dgm:prSet phldr="1"/>
-        </dgm:pt>
-        <dgm:pt modelId="32">
-          <dgm:prSet phldr="1"/>
-        </dgm:pt>
-      </dgm:ptLst>
-      <dgm:cxnLst>
-        <dgm:cxn modelId="4" srcId="0" destId="1" srcOrd="0" destOrd="0"/>
-        <dgm:cxn modelId="5" srcId="0" destId="2" srcOrd="1" destOrd="0"/>
-        <dgm:cxn modelId="13" srcId="1" destId="11" srcOrd="0" destOrd="0"/>
-        <dgm:cxn modelId="14" srcId="1" destId="12" srcOrd="0" destOrd="0"/>
-        <dgm:cxn modelId="23" srcId="2" destId="21" srcOrd="0" destOrd="0"/>
-        <dgm:cxn modelId="24" srcId="2" destId="22" srcOrd="0" destOrd="0"/>
-        <dgm:cxn modelId="33" srcId="3" destId="31" srcOrd="0" destOrd="0"/>
-        <dgm:cxn modelId="34" srcId="3" destId="32" srcOrd="0" destOrd="0"/>
-      </dgm:cxnLst>
-      <dgm:bg/>
-      <dgm:whole/>
-    </dgm:dataModel>
-  </dgm:sampData>
-  <dgm:styleData>
-    <dgm:dataModel>
-      <dgm:ptLst>
-        <dgm:pt modelId="0" type="doc"/>
-        <dgm:pt modelId="1"/>
-        <dgm:pt modelId="11"/>
-        <dgm:pt modelId="2"/>
-        <dgm:pt modelId="21"/>
-      </dgm:ptLst>
-      <dgm:cxnLst>
-        <dgm:cxn modelId="4" srcId="0" destId="1" srcOrd="0" destOrd="0"/>
-        <dgm:cxn modelId="5" srcId="0" destId="2" srcOrd="1" destOrd="0"/>
-        <dgm:cxn modelId="13" srcId="1" destId="11" srcOrd="0" destOrd="0"/>
-        <dgm:cxn modelId="23" srcId="2" destId="21" srcOrd="0" destOrd="0"/>
-      </dgm:cxnLst>
-      <dgm:bg/>
-      <dgm:whole/>
-    </dgm:dataModel>
-  </dgm:styleData>
-  <dgm:clrData>
-    <dgm:dataModel>
-      <dgm:ptLst>
-        <dgm:pt modelId="0" type="doc"/>
-        <dgm:pt modelId="1"/>
-        <dgm:pt modelId="11"/>
-        <dgm:pt modelId="2"/>
-        <dgm:pt modelId="21"/>
-        <dgm:pt modelId="3"/>
-        <dgm:pt modelId="31"/>
-        <dgm:pt modelId="4"/>
-        <dgm:pt modelId="41"/>
-      </dgm:ptLst>
-      <dgm:cxnLst>
-        <dgm:cxn modelId="5" srcId="0" destId="1" srcOrd="0" destOrd="0"/>
-        <dgm:cxn modelId="6" srcId="0" destId="2" srcOrd="1" destOrd="0"/>
-        <dgm:cxn modelId="7" srcId="0" destId="3" srcOrd="2" destOrd="0"/>
-        <dgm:cxn modelId="8" srcId="0" destId="4" srcOrd="3" destOrd="0"/>
-        <dgm:cxn modelId="13" srcId="1" destId="11" srcOrd="0" destOrd="0"/>
-        <dgm:cxn modelId="23" srcId="2" destId="21" srcOrd="0" destOrd="0"/>
-        <dgm:cxn modelId="33" srcId="3" destId="31" srcOrd="0" destOrd="0"/>
-        <dgm:cxn modelId="43" srcId="4" destId="41" srcOrd="0" destOrd="0"/>
-      </dgm:cxnLst>
-      <dgm:bg/>
-      <dgm:whole/>
-    </dgm:dataModel>
-  </dgm:clrData>
-  <dgm:layoutNode name="theList">
-    <dgm:varLst>
-      <dgm:dir/>
-      <dgm:animLvl val="lvl"/>
-      <dgm:resizeHandles val="exact"/>
-    </dgm:varLst>
-    <dgm:choose name="Name0">
-      <dgm:if name="Name1" func="var" arg="dir" op="equ" val="norm">
-        <dgm:alg type="lin">
-          <dgm:param type="linDir" val="fromL"/>
-          <dgm:param type="nodeHorzAlign" val="l"/>
-        </dgm:alg>
-      </dgm:if>
-      <dgm:else name="Name2">
-        <dgm:alg type="lin">
-          <dgm:param type="linDir" val="fromR"/>
-          <dgm:param type="nodeHorzAlign" val="r"/>
-        </dgm:alg>
-      </dgm:else>
-    </dgm:choose>
-    <dgm:shape xmlns:r="http://schemas.openxmlformats.org/officeDocument/2006/relationships" r:blip="">
-      <dgm:adjLst/>
-    </dgm:shape>
-    <dgm:presOf/>
-    <dgm:constrLst>
-      <dgm:constr type="w" for="ch" forName="compNode" refType="w"/>
-      <dgm:constr type="h" for="ch" forName="compNode" refType="w" refFor="ch" refForName="compNode" fact="0.7"/>
-      <dgm:constr type="ctrY" for="ch" forName="compNode" refType="h" fact="0.5"/>
-      <dgm:constr type="w" for="ch" forName="aSpace" refType="w" fact="0.05"/>
-      <dgm:constr type="primFontSz" for="des" forName="childTextHidden" op="equ" val="65"/>
-      <dgm:constr type="primFontSz" for="des" forName="parentText" op="equ"/>
-    </dgm:constrLst>
-    <dgm:ruleLst/>
-    <dgm:forEach name="aNodeForEach" axis="ch" ptType="node">
-      <dgm:layoutNode name="compNode">
-        <dgm:alg type="composite">
-          <dgm:param type="ar" val="1.43"/>
-        </dgm:alg>
-        <dgm:shape xmlns:r="http://schemas.openxmlformats.org/officeDocument/2006/relationships" r:blip="">
-          <dgm:adjLst/>
-        </dgm:shape>
-        <dgm:presOf/>
-        <dgm:choose name="Name3">
-          <dgm:if name="Name4" func="var" arg="dir" op="equ" val="norm">
-            <dgm:constrLst>
-              <dgm:constr type="w" for="ch" forName="childTextVisible" refType="w" fact="0.8"/>
-              <dgm:constr type="h" for="ch" forName="childTextVisible" refType="h"/>
-              <dgm:constr type="r" for="ch" forName="childTextVisible" refType="w"/>
-              <dgm:constr type="w" for="ch" forName="childTextHidden" refType="w" fact="0.6"/>
-              <dgm:constr type="h" for="ch" forName="childTextHidden" refType="h"/>
-              <dgm:constr type="r" for="ch" forName="childTextHidden" refType="w"/>
-              <dgm:constr type="l" for="ch" forName="parentText"/>
-              <dgm:constr type="w" for="ch" forName="parentText" refType="w" fact="0.4"/>
-              <dgm:constr type="h" for="ch" forName="parentText" refType="w" refFor="ch" refForName="parentText" op="equ"/>
-              <dgm:constr type="ctrY" for="ch" forName="parentText" refType="h" fact="0.5"/>
-            </dgm:constrLst>
-          </dgm:if>
-          <dgm:else name="Name5">
-            <dgm:constrLst>
-              <dgm:constr type="w" for="ch" forName="childTextVisible" refType="w" fact="0.8"/>
-              <dgm:constr type="h" for="ch" forName="childTextVisible" refType="h"/>
-              <dgm:constr type="l" for="ch" forName="childTextVisible"/>
-              <dgm:constr type="w" for="ch" forName="childTextHidden" refType="w" fact="0.6"/>
-              <dgm:constr type="h" for="ch" forName="childTextHidden" refType="h"/>
-              <dgm:constr type="l" for="ch" forName="childTextHidden"/>
-              <dgm:constr type="r" for="ch" forName="parentText" refType="w"/>
-              <dgm:constr type="w" for="ch" forName="parentText" refType="w" fact="0.4"/>
-              <dgm:constr type="h" for="ch" forName="parentText" refType="w" refFor="ch" refForName="parentText" op="equ"/>
-              <dgm:constr type="ctrY" for="ch" forName="parentText" refType="h" fact="0.5"/>
-            </dgm:constrLst>
-          </dgm:else>
-        </dgm:choose>
-        <dgm:ruleLst/>
-        <dgm:layoutNode name="noGeometry">
-          <dgm:alg type="sp"/>
-          <dgm:shape xmlns:r="http://schemas.openxmlformats.org/officeDocument/2006/relationships" r:blip="">
-            <dgm:adjLst/>
-          </dgm:shape>
-          <dgm:presOf/>
-          <dgm:constrLst/>
-          <dgm:ruleLst/>
-        </dgm:layoutNode>
-        <dgm:layoutNode name="childTextVisible" styleLbl="bgAccFollowNode1">
-          <dgm:varLst>
-            <dgm:bulletEnabled val="1"/>
-          </dgm:varLst>
-          <dgm:alg type="sp"/>
-          <dgm:choose name="Name6">
-            <dgm:if name="Name7" func="var" arg="dir" op="equ" val="norm">
-              <dgm:shape xmlns:r="http://schemas.openxmlformats.org/officeDocument/2006/relationships" type="rightArrow" r:blip="">
-                <dgm:adjLst>
-                  <dgm:adj idx="1" val="0.7"/>
-                  <dgm:adj idx="2" val="0.5"/>
-                </dgm:adjLst>
-              </dgm:shape>
-            </dgm:if>
-            <dgm:else name="Name8">
-              <dgm:shape xmlns:r="http://schemas.openxmlformats.org/officeDocument/2006/relationships" type="leftArrow" r:blip="">
-                <dgm:adjLst>
-                  <dgm:adj idx="1" val="0.7"/>
-                  <dgm:adj idx="2" val="0.5"/>
-                </dgm:adjLst>
-              </dgm:shape>
-            </dgm:else>
-          </dgm:choose>
-          <dgm:presOf axis="des" ptType="node"/>
-          <dgm:constrLst/>
-          <dgm:ruleLst/>
-        </dgm:layoutNode>
-        <dgm:layoutNode name="childTextHidden" styleLbl="bgAccFollowNode1">
-          <dgm:choose name="Name9">
-            <dgm:if name="Name10" axis="des followSib" ptType="node node" st="1 1" cnt="1 0" func="cnt" op="gte" val="1">
-              <dgm:alg type="tx">
-                <dgm:param type="stBulletLvl" val="1"/>
-                <dgm:param type="txAnchorVertCh" val="mid"/>
-              </dgm:alg>
-            </dgm:if>
-            <dgm:else name="Name11">
-              <dgm:alg type="tx">
-                <dgm:param type="stBulletLvl" val="2"/>
-                <dgm:param type="txAnchorVertCh" val="mid"/>
-              </dgm:alg>
-            </dgm:else>
-          </dgm:choose>
-          <dgm:choose name="Name12">
-            <dgm:if name="Name13" func="var" arg="dir" op="equ" val="norm">
-              <dgm:shape xmlns:r="http://schemas.openxmlformats.org/officeDocument/2006/relationships" type="rightArrow" r:blip="" hideGeom="1">
-                <dgm:adjLst>
-                  <dgm:adj idx="1" val="0.7"/>
-                  <dgm:adj idx="2" val="0.5"/>
-                </dgm:adjLst>
-              </dgm:shape>
-            </dgm:if>
-            <dgm:else name="Name14">
-              <dgm:shape xmlns:r="http://schemas.openxmlformats.org/officeDocument/2006/relationships" type="leftArrow" r:blip="" hideGeom="1">
-                <dgm:adjLst>
-                  <dgm:adj idx="1" val="0.7"/>
-                  <dgm:adj idx="2" val="0.5"/>
-                </dgm:adjLst>
-              </dgm:shape>
-            </dgm:else>
-          </dgm:choose>
-          <dgm:presOf axis="des" ptType="node"/>
-          <dgm:constrLst>
-            <dgm:constr type="secFontSz" refType="primFontSz"/>
-            <dgm:constr type="tMarg" refType="primFontSz" fact="0.05"/>
-            <dgm:constr type="bMarg" refType="primFontSz" fact="0.05"/>
-            <dgm:constr type="rMarg" refType="primFontSz" fact="0.1"/>
-            <dgm:constr type="lMarg" refType="primFontSz" fact="0.2"/>
-          </dgm:constrLst>
-          <dgm:ruleLst>
-            <dgm:rule type="primFontSz" val="5" fact="NaN" max="NaN"/>
-          </dgm:ruleLst>
-        </dgm:layoutNode>
-        <dgm:layoutNode name="parentText" styleLbl="node1">
-          <dgm:varLst>
-            <dgm:chMax val="1"/>
-            <dgm:bulletEnabled val="1"/>
-          </dgm:varLst>
-          <dgm:alg type="tx"/>
-          <dgm:shape xmlns:r="http://schemas.openxmlformats.org/officeDocument/2006/relationships" type="ellipse" r:blip="">
-            <dgm:adjLst/>
-          </dgm:shape>
-          <dgm:presOf axis="self"/>
-          <dgm:constrLst>
-            <dgm:constr type="primFontSz" val="65"/>
-            <dgm:constr type="tMarg" refType="primFontSz" fact="0.05"/>
-            <dgm:constr type="bMarg" refType="primFontSz" fact="0.05"/>
-            <dgm:constr type="lMarg" refType="primFontSz" fact="0.05"/>
-            <dgm:constr type="rMarg" refType="primFontSz" fact="0.05"/>
-          </dgm:constrLst>
-          <dgm:ruleLst>
-            <dgm:rule type="primFontSz" val="5" fact="NaN" max="NaN"/>
-          </dgm:ruleLst>
-        </dgm:layoutNode>
-      </dgm:layoutNode>
-      <dgm:choose name="Name15">
-        <dgm:if name="Name16" axis="self" ptType="node" func="revPos" op="gte" val="2">
-          <dgm:layoutNode name="aSpace">
-            <dgm:alg type="sp"/>
-            <dgm:shape xmlns:r="http://schemas.openxmlformats.org/officeDocument/2006/relationships" r:blip="">
-              <dgm:adjLst/>
-            </dgm:shape>
-            <dgm:presOf/>
-            <dgm:constrLst/>
-            <dgm:ruleLst/>
-          </dgm:layoutNode>
-        </dgm:if>
-        <dgm:else name="Name17"/>
-      </dgm:choose>
-    </dgm:forEach>
-  </dgm:layoutNode>
-</dgm:layoutDef>
-</file>
-
-<file path=ppt/diagrams/quickStyle1.xml><?xml version="1.0" encoding="utf-8"?>
-<dgm:styleDef xmlns:dgm="http://schemas.openxmlformats.org/drawingml/2006/diagram" xmlns:a="http://schemas.openxmlformats.org/drawingml/2006/main" uniqueId="urn:microsoft.com/office/officeart/2005/8/quickstyle/simple1">
-  <dgm:title val=""/>
-  <dgm:desc val=""/>
-  <dgm:catLst>
-    <dgm:cat type="simple" pri="10100"/>
-  </dgm:catLst>
-  <dgm:scene3d>
-    <a:camera prst="orthographicFront"/>
-    <a:lightRig rig="threePt" dir="t"/>
-  </dgm:scene3d>
-  <dgm:styleLbl name="node0">
-    <dgm:scene3d>
-      <a:camera prst="orthographicFront"/>
-      <a:lightRig rig="threePt" dir="t"/>
-    </dgm:scene3d>
-    <dgm:sp3d/>
-    <dgm:txPr/>
-    <dgm:style>
-      <a:lnRef idx="2">
-        <a:scrgbClr r="0" g="0" b="0"/>
-      </a:lnRef>
-      <a:fillRef idx="1">
-        <a:scrgbClr r="0" g="0" b="0"/>
-      </a:fillRef>
-      <a:effectRef idx="0">
-        <a:scrgbClr r="0" g="0" b="0"/>
-      </a:effectRef>
-      <a:fontRef idx="minor">
-        <a:schemeClr val="lt1"/>
-      </a:fontRef>
-    </dgm:style>
-  </dgm:styleLbl>
-  <dgm:styleLbl name="lnNode1">
-    <dgm:scene3d>
-      <a:camera prst="orthographicFront"/>
-      <a:lightRig rig="threePt" dir="t"/>
-    </dgm:scene3d>
-    <dgm:sp3d/>
-    <dgm:txPr/>
-    <dgm:style>
-      <a:lnRef idx="2">
-        <a:scrgbClr r="0" g="0" b="0"/>
-      </a:lnRef>
-      <a:fillRef idx="1">
-        <a:scrgbClr r="0" g="0" b="0"/>
-      </a:fillRef>
-      <a:effectRef idx="0">
-        <a:scrgbClr r="0" g="0" b="0"/>
-      </a:effectRef>
-      <a:fontRef idx="minor">
-        <a:schemeClr val="lt1"/>
-      </a:fontRef>
-    </dgm:style>
-  </dgm:styleLbl>
-  <dgm:styleLbl name="vennNode1">
-    <dgm:scene3d>
-      <a:camera prst="orthographicFront"/>
-      <a:lightRig rig="threePt" dir="t"/>
-    </dgm:scene3d>
-    <dgm:sp3d/>
-    <dgm:txPr/>
-    <dgm:style>
-      <a:lnRef idx="2">
-        <a:scrgbClr r="0" g="0" b="0"/>
-      </a:lnRef>
-      <a:fillRef idx="1">
-        <a:scrgbClr r="0" g="0" b="0"/>
-      </a:fillRef>
-      <a:effectRef idx="0">
-        <a:scrgbClr r="0" g="0" b="0"/>
-      </a:effectRef>
-      <a:fontRef idx="minor">
-        <a:schemeClr val="tx1"/>
-      </a:fontRef>
-    </dgm:style>
-  </dgm:styleLbl>
-  <dgm:styleLbl name="alignNode1">
-    <dgm:scene3d>
-      <a:camera prst="orthographicFront"/>
-      <a:lightRig rig="threePt" dir="t"/>
-    </dgm:scene3d>
-    <dgm:sp3d/>
-    <dgm:txPr/>
-    <dgm:style>
-      <a:lnRef idx="2">
-        <a:scrgbClr r="0" g="0" b="0"/>
-      </a:lnRef>
-      <a:fillRef idx="1">
-        <a:scrgbClr r="0" g="0" b="0"/>
-      </a:fillRef>
-      <a:effectRef idx="0">
-        <a:scrgbClr r="0" g="0" b="0"/>
-      </a:effectRef>
-      <a:fontRef idx="minor">
-        <a:schemeClr val="lt1"/>
-      </a:fontRef>
-    </dgm:style>
-  </dgm:styleLbl>
-  <dgm:styleLbl name="node1">
-    <dgm:scene3d>
-      <a:camera prst="orthographicFront"/>
-      <a:lightRig rig="threePt" dir="t"/>
-    </dgm:scene3d>
-    <dgm:sp3d/>
-    <dgm:txPr/>
-    <dgm:style>
-      <a:lnRef idx="2">
-        <a:scrgbClr r="0" g="0" b="0"/>
-      </a:lnRef>
-      <a:fillRef idx="1">
-        <a:scrgbClr r="0" g="0" b="0"/>
-      </a:fillRef>
-      <a:effectRef idx="0">
-        <a:scrgbClr r="0" g="0" b="0"/>
-      </a:effectRef>
-      <a:fontRef idx="minor">
-        <a:schemeClr val="lt1"/>
-      </a:fontRef>
-    </dgm:style>
-  </dgm:styleLbl>
-  <dgm:styleLbl name="node2">
-    <dgm:scene3d>
-      <a:camera prst="orthographicFront"/>
-      <a:lightRig rig="threePt" dir="t"/>
-    </dgm:scene3d>
-    <dgm:sp3d/>
-    <dgm:txPr/>
-    <dgm:style>
-      <a:lnRef idx="2">
-        <a:scrgbClr r="0" g="0" b="0"/>
-      </a:lnRef>
-      <a:fillRef idx="1">
-        <a:scrgbClr r="0" g="0" b="0"/>
-      </a:fillRef>
-      <a:effectRef idx="0">
-        <a:scrgbClr r="0" g="0" b="0"/>
-      </a:effectRef>
-      <a:fontRef idx="minor">
-        <a:schemeClr val="lt1"/>
-      </a:fontRef>
-    </dgm:style>
-  </dgm:styleLbl>
-  <dgm:styleLbl name="node3">
-    <dgm:scene3d>
-      <a:camera prst="orthographicFront"/>
-      <a:lightRig rig="threePt" dir="t"/>
-    </dgm:scene3d>
-    <dgm:sp3d/>
-    <dgm:txPr/>
-    <dgm:style>
-      <a:lnRef idx="2">
-        <a:scrgbClr r="0" g="0" b="0"/>
-      </a:lnRef>
-      <a:fillRef idx="1">
-        <a:scrgbClr r="0" g="0" b="0"/>
-      </a:fillRef>
-      <a:effectRef idx="0">
-        <a:scrgbClr r="0" g="0" b="0"/>
-      </a:effectRef>
-      <a:fontRef idx="minor">
-        <a:schemeClr val="lt1"/>
-      </a:fontRef>
-    </dgm:style>
-  </dgm:styleLbl>
-  <dgm:styleLbl name="node4">
-    <dgm:scene3d>
-      <a:camera prst="orthographicFront"/>
-      <a:lightRig rig="threePt" dir="t"/>
-    </dgm:scene3d>
-    <dgm:sp3d/>
-    <dgm:txPr/>
-    <dgm:style>
-      <a:lnRef idx="2">
-        <a:scrgbClr r="0" g="0" b="0"/>
-      </a:lnRef>
-      <a:fillRef idx="1">
-        <a:scrgbClr r="0" g="0" b="0"/>
-      </a:fillRef>
-      <a:effectRef idx="0">
-        <a:scrgbClr r="0" g="0" b="0"/>
-      </a:effectRef>
-      <a:fontRef idx="minor">
-        <a:schemeClr val="lt1"/>
-      </a:fontRef>
-    </dgm:style>
-  </dgm:styleLbl>
-  <dgm:styleLbl name="fgImgPlace1">
-    <dgm:scene3d>
-      <a:camera prst="orthographicFront"/>
-      <a:lightRig rig="threePt" dir="t"/>
-    </dgm:scene3d>
-    <dgm:sp3d/>
-    <dgm:txPr/>
-    <dgm:style>
-      <a:lnRef idx="2">
-        <a:scrgbClr r="0" g="0" b="0"/>
-      </a:lnRef>
-      <a:fillRef idx="1">
-        <a:scrgbClr r="0" g="0" b="0"/>
-      </a:fillRef>
-      <a:effectRef idx="0">
-        <a:scrgbClr r="0" g="0" b="0"/>
-      </a:effectRef>
-      <a:fontRef idx="minor"/>
-    </dgm:style>
-  </dgm:styleLbl>
-  <dgm:styleLbl name="alignImgPlace1">
-    <dgm:scene3d>
-      <a:camera prst="orthographicFront"/>
-      <a:lightRig rig="threePt" dir="t"/>
-    </dgm:scene3d>
-    <dgm:sp3d/>
-    <dgm:txPr/>
-    <dgm:style>
-      <a:lnRef idx="2">
-        <a:scrgbClr r="0" g="0" b="0"/>
-      </a:lnRef>
-      <a:fillRef idx="1">
-        <a:scrgbClr r="0" g="0" b="0"/>
-      </a:fillRef>
-      <a:effectRef idx="0">
-        <a:scrgbClr r="0" g="0" b="0"/>
-      </a:effectRef>
-      <a:fontRef idx="minor"/>
-    </dgm:style>
-  </dgm:styleLbl>
-  <dgm:styleLbl name="bgImgPlace1">
-    <dgm:scene3d>
-      <a:camera prst="orthographicFront"/>
-      <a:lightRig rig="threePt" dir="t"/>
-    </dgm:scene3d>
-    <dgm:sp3d/>
-    <dgm:txPr/>
-    <dgm:style>
-      <a:lnRef idx="2">
-        <a:scrgbClr r="0" g="0" b="0"/>
-      </a:lnRef>
-      <a:fillRef idx="1">
-        <a:scrgbClr r="0" g="0" b="0"/>
-      </a:fillRef>
-      <a:effectRef idx="0">
-        <a:scrgbClr r="0" g="0" b="0"/>
-      </a:effectRef>
-      <a:fontRef idx="minor"/>
-    </dgm:style>
-  </dgm:styleLbl>
-  <dgm:styleLbl name="sibTrans2D1">
-    <dgm:scene3d>
-      <a:camera prst="orthographicFront"/>
-      <a:lightRig rig="threePt" dir="t"/>
-    </dgm:scene3d>
-    <dgm:sp3d/>
-    <dgm:txPr/>
-    <dgm:style>
-      <a:lnRef idx="0">
-        <a:scrgbClr r="0" g="0" b="0"/>
-      </a:lnRef>
-      <a:fillRef idx="1">
-        <a:scrgbClr r="0" g="0" b="0"/>
-      </a:fillRef>
-      <a:effectRef idx="0">
-        <a:scrgbClr r="0" g="0" b="0"/>
-      </a:effectRef>
-      <a:fontRef idx="minor">
-        <a:schemeClr val="lt1"/>
-      </a:fontRef>
-    </dgm:style>
-  </dgm:styleLbl>
-  <dgm:styleLbl name="fgSibTrans2D1">
-    <dgm:scene3d>
-      <a:camera prst="orthographicFront"/>
-      <a:lightRig rig="threePt" dir="t"/>
-    </dgm:scene3d>
-    <dgm:sp3d/>
-    <dgm:txPr/>
-    <dgm:style>
-      <a:lnRef idx="0">
-        <a:scrgbClr r="0" g="0" b="0"/>
-      </a:lnRef>
-      <a:fillRef idx="1">
-        <a:scrgbClr r="0" g="0" b="0"/>
-      </a:fillRef>
-      <a:effectRef idx="0">
-        <a:scrgbClr r="0" g="0" b="0"/>
-      </a:effectRef>
-      <a:fontRef idx="minor">
-        <a:schemeClr val="lt1"/>
-      </a:fontRef>
-    </dgm:style>
-  </dgm:styleLbl>
-  <dgm:styleLbl name="bgSibTrans2D1">
-    <dgm:scene3d>
-      <a:camera prst="orthographicFront"/>
-      <a:lightRig rig="threePt" dir="t"/>
-    </dgm:scene3d>
-    <dgm:sp3d/>
-    <dgm:txPr/>
-    <dgm:style>
-      <a:lnRef idx="0">
-        <a:scrgbClr r="0" g="0" b="0"/>
-      </a:lnRef>
-      <a:fillRef idx="1">
-        <a:scrgbClr r="0" g="0" b="0"/>
-      </a:fillRef>
-      <a:effectRef idx="0">
-        <a:scrgbClr r="0" g="0" b="0"/>
-      </a:effectRef>
-      <a:fontRef idx="minor">
-        <a:schemeClr val="lt1"/>
-      </a:fontRef>
-    </dgm:style>
-  </dgm:styleLbl>
-  <dgm:styleLbl name="sibTrans1D1">
-    <dgm:scene3d>
-      <a:camera prst="orthographicFront"/>
-      <a:lightRig rig="threePt" dir="t"/>
-    </dgm:scene3d>
-    <dgm:sp3d/>
-    <dgm:txPr/>
-    <dgm:style>
-      <a:lnRef idx="1">
-        <a:scrgbClr r="0" g="0" b="0"/>
-      </a:lnRef>
-      <a:fillRef idx="0">
-        <a:scrgbClr r="0" g="0" b="0"/>
-      </a:fillRef>
-      <a:effectRef idx="0">
-        <a:scrgbClr r="0" g="0" b="0"/>
-      </a:effectRef>
-      <a:fontRef idx="minor"/>
-    </dgm:style>
-  </dgm:styleLbl>
-  <dgm:styleLbl name="callout">
-    <dgm:scene3d>
-      <a:camera prst="orthographicFront"/>
-      <a:lightRig rig="threePt" dir="t"/>
-    </dgm:scene3d>
-    <dgm:sp3d/>
-    <dgm:txPr/>
-    <dgm:style>
-      <a:lnRef idx="2">
-        <a:scrgbClr r="0" g="0" b="0"/>
-      </a:lnRef>
-      <a:fillRef idx="1">
-        <a:scrgbClr r="0" g="0" b="0"/>
-      </a:fillRef>
-      <a:effectRef idx="0">
-        <a:scrgbClr r="0" g="0" b="0"/>
-      </a:effectRef>
-      <a:fontRef idx="minor"/>
-    </dgm:style>
-  </dgm:styleLbl>
-  <dgm:styleLbl name="asst0">
-    <dgm:scene3d>
-      <a:camera prst="orthographicFront"/>
-      <a:lightRig rig="threePt" dir="t"/>
-    </dgm:scene3d>
-    <dgm:sp3d/>
-    <dgm:txPr/>
-    <dgm:style>
-      <a:lnRef idx="2">
-        <a:scrgbClr r="0" g="0" b="0"/>
-      </a:lnRef>
-      <a:fillRef idx="1">
-        <a:scrgbClr r="0" g="0" b="0"/>
-      </a:fillRef>
-      <a:effectRef idx="0">
-        <a:scrgbClr r="0" g="0" b="0"/>
-      </a:effectRef>
-      <a:fontRef idx="minor">
-        <a:schemeClr val="lt1"/>
-      </a:fontRef>
-    </dgm:style>
-  </dgm:styleLbl>
-  <dgm:styleLbl name="asst1">
-    <dgm:scene3d>
-      <a:camera prst="orthographicFront"/>
-      <a:lightRig rig="threePt" dir="t"/>
-    </dgm:scene3d>
-    <dgm:sp3d/>
-    <dgm:txPr/>
-    <dgm:style>
-      <a:lnRef idx="2">
-        <a:scrgbClr r="0" g="0" b="0"/>
-      </a:lnRef>
-      <a:fillRef idx="1">
-        <a:scrgbClr r="0" g="0" b="0"/>
-      </a:fillRef>
-      <a:effectRef idx="0">
-        <a:scrgbClr r="0" g="0" b="0"/>
-      </a:effectRef>
-      <a:fontRef idx="minor">
-        <a:schemeClr val="lt1"/>
-      </a:fontRef>
-    </dgm:style>
-  </dgm:styleLbl>
-  <dgm:styleLbl name="asst2">
-    <dgm:scene3d>
-      <a:camera prst="orthographicFront"/>
-      <a:lightRig rig="threePt" dir="t"/>
-    </dgm:scene3d>
-    <dgm:sp3d/>
-    <dgm:txPr/>
-    <dgm:style>
-      <a:lnRef idx="2">
-        <a:scrgbClr r="0" g="0" b="0"/>
-      </a:lnRef>
-      <a:fillRef idx="1">
-        <a:scrgbClr r="0" g="0" b="0"/>
-      </a:fillRef>
-      <a:effectRef idx="0">
-        <a:scrgbClr r="0" g="0" b="0"/>
-      </a:effectRef>
-      <a:fontRef idx="minor">
-        <a:schemeClr val="lt1"/>
-      </a:fontRef>
-    </dgm:style>
-  </dgm:styleLbl>
-  <dgm:styleLbl name="asst3">
-    <dgm:scene3d>
-      <a:camera prst="orthographicFront"/>
-      <a:lightRig rig="threePt" dir="t"/>
-    </dgm:scene3d>
-    <dgm:sp3d/>
-    <dgm:txPr/>
-    <dgm:style>
-      <a:lnRef idx="2">
-        <a:scrgbClr r="0" g="0" b="0"/>
-      </a:lnRef>
-      <a:fillRef idx="1">
-        <a:scrgbClr r="0" g="0" b="0"/>
-      </a:fillRef>
-      <a:effectRef idx="0">
-        <a:scrgbClr r="0" g="0" b="0"/>
-      </a:effectRef>
-      <a:fontRef idx="minor">
-        <a:schemeClr val="lt1"/>
-      </a:fontRef>
-    </dgm:style>
-  </dgm:styleLbl>
-  <dgm:styleLbl name="asst4">
-    <dgm:scene3d>
-      <a:camera prst="orthographicFront"/>
-      <a:lightRig rig="threePt" dir="t"/>
-    </dgm:scene3d>
-    <dgm:sp3d/>
-    <dgm:txPr/>
-    <dgm:style>
-      <a:lnRef idx="2">
-        <a:scrgbClr r="0" g="0" b="0"/>
-      </a:lnRef>
-      <a:fillRef idx="1">
-        <a:scrgbClr r="0" g="0" b="0"/>
-      </a:fillRef>
-      <a:effectRef idx="0">
-        <a:scrgbClr r="0" g="0" b="0"/>
-      </a:effectRef>
-      <a:fontRef idx="minor">
-        <a:schemeClr val="lt1"/>
-      </a:fontRef>
-    </dgm:style>
-  </dgm:styleLbl>
-  <dgm:styleLbl name="parChTrans2D1">
-    <dgm:scene3d>
-      <a:camera prst="orthographicFront"/>
-      <a:lightRig rig="threePt" dir="t"/>
-    </dgm:scene3d>
-    <dgm:sp3d/>
-    <dgm:txPr/>
-    <dgm:style>
-      <a:lnRef idx="2">
-        <a:scrgbClr r="0" g="0" b="0"/>
-      </a:lnRef>
-      <a:fillRef idx="1">
-        <a:scrgbClr r="0" g="0" b="0"/>
-      </a:fillRef>
-      <a:effectRef idx="0">
-        <a:scrgbClr r="0" g="0" b="0"/>
-      </a:effectRef>
-      <a:fontRef idx="minor">
-        <a:schemeClr val="lt1"/>
-      </a:fontRef>
-    </dgm:style>
-  </dgm:styleLbl>
-  <dgm:styleLbl name="parChTrans2D2">
-    <dgm:scene3d>
-      <a:camera prst="orthographicFront"/>
-      <a:lightRig rig="threePt" dir="t"/>
-    </dgm:scene3d>
-    <dgm:sp3d/>
-    <dgm:txPr/>
-    <dgm:style>
-      <a:lnRef idx="2">
-        <a:scrgbClr r="0" g="0" b="0"/>
-      </a:lnRef>
-      <a:fillRef idx="1">
-        <a:scrgbClr r="0" g="0" b="0"/>
-      </a:fillRef>
-      <a:effectRef idx="0">
-        <a:scrgbClr r="0" g="0" b="0"/>
-      </a:effectRef>
-      <a:fontRef idx="minor">
-        <a:schemeClr val="lt1"/>
-      </a:fontRef>
-    </dgm:style>
-  </dgm:styleLbl>
-  <dgm:styleLbl name="parChTrans2D3">
-    <dgm:scene3d>
-      <a:camera prst="orthographicFront"/>
-      <a:lightRig rig="threePt" dir="t"/>
-    </dgm:scene3d>
-    <dgm:sp3d/>
-    <dgm:txPr/>
-    <dgm:style>
-      <a:lnRef idx="2">
-        <a:scrgbClr r="0" g="0" b="0"/>
-      </a:lnRef>
-      <a:fillRef idx="1">
-        <a:scrgbClr r="0" g="0" b="0"/>
-      </a:fillRef>
-      <a:effectRef idx="0">
-        <a:scrgbClr r="0" g="0" b="0"/>
-      </a:effectRef>
-      <a:fontRef idx="minor">
-        <a:schemeClr val="lt1"/>
-      </a:fontRef>
-    </dgm:style>
-  </dgm:styleLbl>
-  <dgm:styleLbl name="parChTrans2D4">
-    <dgm:scene3d>
-      <a:camera prst="orthographicFront"/>
-      <a:lightRig rig="threePt" dir="t"/>
-    </dgm:scene3d>
-    <dgm:sp3d/>
-    <dgm:txPr/>
-    <dgm:style>
-      <a:lnRef idx="2">
-        <a:scrgbClr r="0" g="0" b="0"/>
-      </a:lnRef>
-      <a:fillRef idx="1">
-        <a:scrgbClr r="0" g="0" b="0"/>
-      </a:fillRef>
-      <a:effectRef idx="0">
-        <a:scrgbClr r="0" g="0" b="0"/>
-      </a:effectRef>
-      <a:fontRef idx="minor">
-        <a:schemeClr val="lt1"/>
-      </a:fontRef>
-    </dgm:style>
-  </dgm:styleLbl>
-  <dgm:styleLbl name="parChTrans1D1">
-    <dgm:scene3d>
-      <a:camera prst="orthographicFront"/>
-      <a:lightRig rig="threePt" dir="t"/>
-    </dgm:scene3d>
-    <dgm:sp3d/>
-    <dgm:txPr/>
-    <dgm:style>
-      <a:lnRef idx="2">
-        <a:scrgbClr r="0" g="0" b="0"/>
-      </a:lnRef>
-      <a:fillRef idx="0">
-        <a:scrgbClr r="0" g="0" b="0"/>
-      </a:fillRef>
-      <a:effectRef idx="0">
-        <a:scrgbClr r="0" g="0" b="0"/>
-      </a:effectRef>
-      <a:fontRef idx="minor"/>
-    </dgm:style>
-  </dgm:styleLbl>
-  <dgm:styleLbl name="parChTrans1D2">
-    <dgm:scene3d>
-      <a:camera prst="orthographicFront"/>
-      <a:lightRig rig="threePt" dir="t"/>
-    </dgm:scene3d>
-    <dgm:sp3d/>
-    <dgm:txPr/>
-    <dgm:style>
-      <a:lnRef idx="2">
-        <a:scrgbClr r="0" g="0" b="0"/>
-      </a:lnRef>
-      <a:fillRef idx="0">
-        <a:scrgbClr r="0" g="0" b="0"/>
-      </a:fillRef>
-      <a:effectRef idx="0">
-        <a:scrgbClr r="0" g="0" b="0"/>
-      </a:effectRef>
-      <a:fontRef idx="minor"/>
-    </dgm:style>
-  </dgm:styleLbl>
-  <dgm:styleLbl name="parChTrans1D3">
-    <dgm:scene3d>
-      <a:camera prst="orthographicFront"/>
-      <a:lightRig rig="threePt" dir="t"/>
-    </dgm:scene3d>
-    <dgm:sp3d/>
-    <dgm:txPr/>
-    <dgm:style>
-      <a:lnRef idx="2">
-        <a:scrgbClr r="0" g="0" b="0"/>
-      </a:lnRef>
-      <a:fillRef idx="0">
-        <a:scrgbClr r="0" g="0" b="0"/>
-      </a:fillRef>
-      <a:effectRef idx="0">
-        <a:scrgbClr r="0" g="0" b="0"/>
-      </a:effectRef>
-      <a:fontRef idx="minor"/>
-    </dgm:style>
-  </dgm:styleLbl>
-  <dgm:styleLbl name="parChTrans1D4">
-    <dgm:scene3d>
-      <a:camera prst="orthographicFront"/>
-      <a:lightRig rig="threePt" dir="t"/>
-    </dgm:scene3d>
-    <dgm:sp3d/>
-    <dgm:txPr/>
-    <dgm:style>
-      <a:lnRef idx="2">
-        <a:scrgbClr r="0" g="0" b="0"/>
-      </a:lnRef>
-      <a:fillRef idx="0">
-        <a:scrgbClr r="0" g="0" b="0"/>
-      </a:fillRef>
-      <a:effectRef idx="0">
-        <a:scrgbClr r="0" g="0" b="0"/>
-      </a:effectRef>
-      <a:fontRef idx="minor"/>
-    </dgm:style>
-  </dgm:styleLbl>
-  <dgm:styleLbl name="fgAcc1">
-    <dgm:scene3d>
-      <a:camera prst="orthographicFront"/>
-      <a:lightRig rig="threePt" dir="t"/>
-    </dgm:scene3d>
-    <dgm:sp3d/>
-    <dgm:txPr/>
-    <dgm:style>
-      <a:lnRef idx="2">
-        <a:scrgbClr r="0" g="0" b="0"/>
-      </a:lnRef>
-      <a:fillRef idx="1">
-        <a:scrgbClr r="0" g="0" b="0"/>
-      </a:fillRef>
-      <a:effectRef idx="0">
-        <a:scrgbClr r="0" g="0" b="0"/>
-      </a:effectRef>
-      <a:fontRef idx="minor"/>
-    </dgm:style>
-  </dgm:styleLbl>
-  <dgm:styleLbl name="conFgAcc1">
-    <dgm:scene3d>
-      <a:camera prst="orthographicFront"/>
-      <a:lightRig rig="threePt" dir="t"/>
-    </dgm:scene3d>
-    <dgm:sp3d/>
-    <dgm:txPr/>
-    <dgm:style>
-      <a:lnRef idx="2">
-        <a:scrgbClr r="0" g="0" b="0"/>
-      </a:lnRef>
-      <a:fillRef idx="1">
-        <a:scrgbClr r="0" g="0" b="0"/>
-      </a:fillRef>
-      <a:effectRef idx="0">
-        <a:scrgbClr r="0" g="0" b="0"/>
-      </a:effectRef>
-      <a:fontRef idx="minor"/>
-    </dgm:style>
-  </dgm:styleLbl>
-  <dgm:styleLbl name="alignAcc1">
-    <dgm:scene3d>
-      <a:camera prst="orthographicFront"/>
-      <a:lightRig rig="threePt" dir="t"/>
-    </dgm:scene3d>
-    <dgm:sp3d/>
-    <dgm:txPr/>
-    <dgm:style>
-      <a:lnRef idx="2">
-        <a:scrgbClr r="0" g="0" b="0"/>
-      </a:lnRef>
-      <a:fillRef idx="1">
-        <a:scrgbClr r="0" g="0" b="0"/>
-      </a:fillRef>
-      <a:effectRef idx="0">
-        <a:scrgbClr r="0" g="0" b="0"/>
-      </a:effectRef>
-      <a:fontRef idx="minor"/>
-    </dgm:style>
-  </dgm:styleLbl>
-  <dgm:styleLbl name="trAlignAcc1">
-    <dgm:scene3d>
-      <a:camera prst="orthographicFront"/>
-      <a:lightRig rig="threePt" dir="t"/>
-    </dgm:scene3d>
-    <dgm:sp3d/>
-    <dgm:txPr/>
-    <dgm:style>
-      <a:lnRef idx="1">
-        <a:scrgbClr r="0" g="0" b="0"/>
-      </a:lnRef>
-      <a:fillRef idx="1">
-        <a:scrgbClr r="0" g="0" b="0"/>
-      </a:fillRef>
-      <a:effectRef idx="0">
-        <a:scrgbClr r="0" g="0" b="0"/>
-      </a:effectRef>
-      <a:fontRef idx="minor"/>
-    </dgm:style>
-  </dgm:styleLbl>
-  <dgm:styleLbl name="bgAcc1">
-    <dgm:scene3d>
-      <a:camera prst="orthographicFront"/>
-      <a:lightRig rig="threePt" dir="t"/>
-    </dgm:scene3d>
-    <dgm:sp3d/>
-    <dgm:txPr/>
-    <dgm:style>
-      <a:lnRef idx="2">
-        <a:scrgbClr r="0" g="0" b="0"/>
-      </a:lnRef>
-      <a:fillRef idx="1">
-        <a:scrgbClr r="0" g="0" b="0"/>
-      </a:fillRef>
-      <a:effectRef idx="0">
-        <a:scrgbClr r="0" g="0" b="0"/>
-      </a:effectRef>
-      <a:fontRef idx="minor"/>
-    </dgm:style>
-  </dgm:styleLbl>
-  <dgm:styleLbl name="solidFgAcc1">
-    <dgm:scene3d>
-      <a:camera prst="orthographicFront"/>
-      <a:lightRig rig="threePt" dir="t"/>
-    </dgm:scene3d>
-    <dgm:sp3d/>
-    <dgm:txPr/>
-    <dgm:style>
-      <a:lnRef idx="2">
-        <a:scrgbClr r="0" g="0" b="0"/>
-      </a:lnRef>
-      <a:fillRef idx="1">
-        <a:scrgbClr r="0" g="0" b="0"/>
-      </a:fillRef>
-      <a:effectRef idx="0">
-        <a:scrgbClr r="0" g="0" b="0"/>
-      </a:effectRef>
-      <a:fontRef idx="minor"/>
-    </dgm:style>
-  </dgm:styleLbl>
-  <dgm:styleLbl name="solidAlignAcc1">
-    <dgm:scene3d>
-      <a:camera prst="orthographicFront"/>
-      <a:lightRig rig="threePt" dir="t"/>
-    </dgm:scene3d>
-    <dgm:sp3d/>
-    <dgm:txPr/>
-    <dgm:style>
-      <a:lnRef idx="2">
-        <a:scrgbClr r="0" g="0" b="0"/>
-      </a:lnRef>
-      <a:fillRef idx="1">
-        <a:scrgbClr r="0" g="0" b="0"/>
-      </a:fillRef>
-      <a:effectRef idx="0">
-        <a:scrgbClr r="0" g="0" b="0"/>
-      </a:effectRef>
-      <a:fontRef idx="minor"/>
-    </dgm:style>
-  </dgm:styleLbl>
-  <dgm:styleLbl name="solidBgAcc1">
-    <dgm:scene3d>
-      <a:camera prst="orthographicFront"/>
-      <a:lightRig rig="threePt" dir="t"/>
-    </dgm:scene3d>
-    <dgm:sp3d/>
-    <dgm:txPr/>
-    <dgm:style>
-      <a:lnRef idx="2">
-        <a:scrgbClr r="0" g="0" b="0"/>
-      </a:lnRef>
-      <a:fillRef idx="1">
-        <a:scrgbClr r="0" g="0" b="0"/>
-      </a:fillRef>
-      <a:effectRef idx="0">
-        <a:scrgbClr r="0" g="0" b="0"/>
-      </a:effectRef>
-      <a:fontRef idx="minor"/>
-    </dgm:style>
-  </dgm:styleLbl>
-  <dgm:styleLbl name="fgAccFollowNode1">
-    <dgm:scene3d>
-      <a:camera prst="orthographicFront"/>
-      <a:lightRig rig="threePt" dir="t"/>
-    </dgm:scene3d>
-    <dgm:sp3d/>
-    <dgm:txPr/>
-    <dgm:style>
-      <a:lnRef idx="2">
-        <a:scrgbClr r="0" g="0" b="0"/>
-      </a:lnRef>
-      <a:fillRef idx="1">
-        <a:scrgbClr r="0" g="0" b="0"/>
-      </a:fillRef>
-      <a:effectRef idx="0">
-        <a:scrgbClr r="0" g="0" b="0"/>
-      </a:effectRef>
-      <a:fontRef idx="minor"/>
-    </dgm:style>
-  </dgm:styleLbl>
-  <dgm:styleLbl name="alignAccFollowNode1">
-    <dgm:scene3d>
-      <a:camera prst="orthographicFront"/>
-      <a:lightRig rig="threePt" dir="t"/>
-    </dgm:scene3d>
-    <dgm:sp3d/>
-    <dgm:txPr/>
-    <dgm:style>
-      <a:lnRef idx="2">
-        <a:scrgbClr r="0" g="0" b="0"/>
-      </a:lnRef>
-      <a:fillRef idx="1">
-        <a:scrgbClr r="0" g="0" b="0"/>
-      </a:fillRef>
-      <a:effectRef idx="0">
-        <a:scrgbClr r="0" g="0" b="0"/>
-      </a:effectRef>
-      <a:fontRef idx="minor"/>
-    </dgm:style>
-  </dgm:styleLbl>
-  <dgm:styleLbl name="bgAccFollowNode1">
-    <dgm:scene3d>
-      <a:camera prst="orthographicFront"/>
-      <a:lightRig rig="threePt" dir="t"/>
-    </dgm:scene3d>
-    <dgm:sp3d/>
-    <dgm:txPr/>
-    <dgm:style>
-      <a:lnRef idx="2">
-        <a:scrgbClr r="0" g="0" b="0"/>
-      </a:lnRef>
-      <a:fillRef idx="1">
-        <a:scrgbClr r="0" g="0" b="0"/>
-      </a:fillRef>
-      <a:effectRef idx="0">
-        <a:scrgbClr r="0" g="0" b="0"/>
-      </a:effectRef>
-      <a:fontRef idx="minor"/>
-    </dgm:style>
-  </dgm:styleLbl>
-  <dgm:styleLbl name="fgAcc0">
-    <dgm:scene3d>
-      <a:camera prst="orthographicFront"/>
-      <a:lightRig rig="threePt" dir="t"/>
-    </dgm:scene3d>
-    <dgm:sp3d/>
-    <dgm:txPr/>
-    <dgm:style>
-      <a:lnRef idx="2">
-        <a:scrgbClr r="0" g="0" b="0"/>
-      </a:lnRef>
-      <a:fillRef idx="1">
-        <a:scrgbClr r="0" g="0" b="0"/>
-      </a:fillRef>
-      <a:effectRef idx="0">
-        <a:scrgbClr r="0" g="0" b="0"/>
-      </a:effectRef>
-      <a:fontRef idx="minor"/>
-    </dgm:style>
-  </dgm:styleLbl>
-  <dgm:styleLbl name="fgAcc2">
-    <dgm:scene3d>
-      <a:camera prst="orthographicFront"/>
-      <a:lightRig rig="threePt" dir="t"/>
-    </dgm:scene3d>
-    <dgm:sp3d/>
-    <dgm:txPr/>
-    <dgm:style>
-      <a:lnRef idx="2">
-        <a:scrgbClr r="0" g="0" b="0"/>
-      </a:lnRef>
-      <a:fillRef idx="1">
-        <a:scrgbClr r="0" g="0" b="0"/>
-      </a:fillRef>
-      <a:effectRef idx="0">
-        <a:scrgbClr r="0" g="0" b="0"/>
-      </a:effectRef>
-      <a:fontRef idx="minor"/>
-    </dgm:style>
-  </dgm:styleLbl>
-  <dgm:styleLbl name="fgAcc3">
-    <dgm:scene3d>
-      <a:camera prst="orthographicFront"/>
-      <a:lightRig rig="threePt" dir="t"/>
-    </dgm:scene3d>
-    <dgm:sp3d/>
-    <dgm:txPr/>
-    <dgm:style>
-      <a:lnRef idx="2">
-        <a:scrgbClr r="0" g="0" b="0"/>
-      </a:lnRef>
-      <a:fillRef idx="1">
-        <a:scrgbClr r="0" g="0" b="0"/>
-      </a:fillRef>
-      <a:effectRef idx="0">
-        <a:scrgbClr r="0" g="0" b="0"/>
-      </a:effectRef>
-      <a:fontRef idx="minor"/>
-    </dgm:style>
-  </dgm:styleLbl>
-  <dgm:styleLbl name="fgAcc4">
-    <dgm:scene3d>
-      <a:camera prst="orthographicFront"/>
-      <a:lightRig rig="threePt" dir="t"/>
-    </dgm:scene3d>
-    <dgm:sp3d/>
-    <dgm:txPr/>
-    <dgm:style>
-      <a:lnRef idx="2">
-        <a:scrgbClr r="0" g="0" b="0"/>
-      </a:lnRef>
-      <a:fillRef idx="1">
-        <a:scrgbClr r="0" g="0" b="0"/>
-      </a:fillRef>
-      <a:effectRef idx="0">
-        <a:scrgbClr r="0" g="0" b="0"/>
-      </a:effectRef>
-      <a:fontRef idx="minor"/>
-    </dgm:style>
-  </dgm:styleLbl>
-  <dgm:styleLbl name="bgShp">
-    <dgm:scene3d>
-      <a:camera prst="orthographicFront"/>
-      <a:lightRig rig="threePt" dir="t"/>
-    </dgm:scene3d>
-    <dgm:sp3d/>
-    <dgm:txPr/>
-    <dgm:style>
-      <a:lnRef idx="0">
-        <a:scrgbClr r="0" g="0" b="0"/>
-      </a:lnRef>
-      <a:fillRef idx="1">
-        <a:scrgbClr r="0" g="0" b="0"/>
-      </a:fillRef>
-      <a:effectRef idx="0">
-        <a:scrgbClr r="0" g="0" b="0"/>
-      </a:effectRef>
-      <a:fontRef idx="minor"/>
-    </dgm:style>
-  </dgm:styleLbl>
-  <dgm:styleLbl name="dkBgShp">
-    <dgm:scene3d>
-      <a:camera prst="orthographicFront"/>
-      <a:lightRig rig="threePt" dir="t"/>
-    </dgm:scene3d>
-    <dgm:sp3d/>
-    <dgm:txPr/>
-    <dgm:style>
-      <a:lnRef idx="0">
-        <a:scrgbClr r="0" g="0" b="0"/>
-      </a:lnRef>
-      <a:fillRef idx="1">
-        <a:scrgbClr r="0" g="0" b="0"/>
-      </a:fillRef>
-      <a:effectRef idx="0">
-        <a:scrgbClr r="0" g="0" b="0"/>
-      </a:effectRef>
-      <a:fontRef idx="minor"/>
-    </dgm:style>
-  </dgm:styleLbl>
-  <dgm:styleLbl name="trBgShp">
-    <dgm:scene3d>
-      <a:camera prst="orthographicFront"/>
-      <a:lightRig rig="threePt" dir="t"/>
-    </dgm:scene3d>
-    <dgm:sp3d/>
-    <dgm:txPr/>
-    <dgm:style>
-      <a:lnRef idx="0">
-        <a:scrgbClr r="0" g="0" b="0"/>
-      </a:lnRef>
-      <a:fillRef idx="1">
-        <a:scrgbClr r="0" g="0" b="0"/>
-      </a:fillRef>
-      <a:effectRef idx="0">
-        <a:scrgbClr r="0" g="0" b="0"/>
-      </a:effectRef>
-      <a:fontRef idx="minor"/>
-    </dgm:style>
-  </dgm:styleLbl>
-  <dgm:styleLbl name="fgShp">
-    <dgm:scene3d>
-      <a:camera prst="orthographicFront"/>
-      <a:lightRig rig="threePt" dir="t"/>
-    </dgm:scene3d>
-    <dgm:sp3d/>
-    <dgm:txPr/>
-    <dgm:style>
-      <a:lnRef idx="2">
-        <a:scrgbClr r="0" g="0" b="0"/>
-      </a:lnRef>
-      <a:fillRef idx="1">
-        <a:scrgbClr r="0" g="0" b="0"/>
-      </a:fillRef>
-      <a:effectRef idx="0">
-        <a:scrgbClr r="0" g="0" b="0"/>
-      </a:effectRef>
-      <a:fontRef idx="minor"/>
-    </dgm:style>
-  </dgm:styleLbl>
-  <dgm:styleLbl name="revTx">
-    <dgm:scene3d>
-      <a:camera prst="orthographicFront"/>
-      <a:lightRig rig="threePt" dir="t"/>
-    </dgm:scene3d>
-    <dgm:sp3d/>
-    <dgm:txPr/>
-    <dgm:style>
-      <a:lnRef idx="0">
-        <a:scrgbClr r="0" g="0" b="0"/>
-      </a:lnRef>
-      <a:fillRef idx="0">
-        <a:scrgbClr r="0" g="0" b="0"/>
-      </a:fillRef>
-      <a:effectRef idx="0">
-        <a:scrgbClr r="0" g="0" b="0"/>
-      </a:effectRef>
-      <a:fontRef idx="minor"/>
-    </dgm:style>
-  </dgm:styleLbl>
-</dgm:styleDef>
-</file>
-
 <file path=ppt/handoutMasters/handoutMaster1.xml><?xml version="1.0" encoding="utf-8"?>
 <p:handoutMaster xmlns:a="http://schemas.openxmlformats.org/drawingml/2006/main" xmlns:r="http://schemas.openxmlformats.org/officeDocument/2006/relationships" xmlns:p="http://schemas.openxmlformats.org/presentationml/2006/main">
   <p:cSld>
@@ -4226,7 +222,7 @@
           <a:p>
             <a:fld id="{59041DB8-B66F-4DC8-A96E-33677E0F90FF}" type="datetimeFigureOut">
               <a:rPr lang="en-US" smtClean="0"/>
-              <a:t>10/29/2023</a:t>
+              <a:t>10/30/2023</a:t>
             </a:fld>
             <a:endParaRPr lang="en-US"/>
           </a:p>
@@ -4391,7 +387,7 @@
           <a:p>
             <a:fld id="{DEB49C4A-65AC-492D-9701-81B46C3AD0E4}" type="datetimeFigureOut">
               <a:rPr lang="en-US" smtClean="0"/>
-              <a:t>10/29/2023</a:t>
+              <a:t>10/30/2023</a:t>
             </a:fld>
             <a:endParaRPr lang="en-US"/>
           </a:p>
@@ -4742,6 +738,594 @@
 </p:notes>
 </file>
 
+<file path=ppt/notesSlides/notesSlide2.xml><?xml version="1.0" encoding="utf-8"?>
+<p:notes xmlns:a="http://schemas.openxmlformats.org/drawingml/2006/main" xmlns:r="http://schemas.openxmlformats.org/officeDocument/2006/relationships" xmlns:p="http://schemas.openxmlformats.org/presentationml/2006/main">
+  <p:cSld>
+    <p:spTree>
+      <p:nvGrpSpPr>
+        <p:cNvPr id="1" name=""/>
+        <p:cNvGrpSpPr/>
+        <p:nvPr/>
+      </p:nvGrpSpPr>
+      <p:grpSpPr>
+        <a:xfrm>
+          <a:off x="0" y="0"/>
+          <a:ext cx="0" cy="0"/>
+          <a:chOff x="0" y="0"/>
+          <a:chExt cx="0" cy="0"/>
+        </a:xfrm>
+      </p:grpSpPr>
+      <p:sp>
+        <p:nvSpPr>
+          <p:cNvPr id="2" name="Slide Image Placeholder 1"/>
+          <p:cNvSpPr>
+            <a:spLocks noGrp="1" noRot="1" noChangeAspect="1"/>
+          </p:cNvSpPr>
+          <p:nvPr>
+            <p:ph type="sldImg"/>
+          </p:nvPr>
+        </p:nvSpPr>
+        <p:spPr/>
+      </p:sp>
+      <p:sp>
+        <p:nvSpPr>
+          <p:cNvPr id="3" name="Notes Placeholder 2"/>
+          <p:cNvSpPr>
+            <a:spLocks noGrp="1"/>
+          </p:cNvSpPr>
+          <p:nvPr>
+            <p:ph type="body" idx="1"/>
+          </p:nvPr>
+        </p:nvSpPr>
+        <p:spPr/>
+        <p:txBody>
+          <a:bodyPr/>
+          <a:lstStyle/>
+          <a:p>
+            <a:endParaRPr lang="en-US"/>
+          </a:p>
+        </p:txBody>
+      </p:sp>
+      <p:sp>
+        <p:nvSpPr>
+          <p:cNvPr id="4" name="Slide Number Placeholder 3"/>
+          <p:cNvSpPr>
+            <a:spLocks noGrp="1"/>
+          </p:cNvSpPr>
+          <p:nvPr>
+            <p:ph type="sldNum" sz="quarter" idx="10"/>
+          </p:nvPr>
+        </p:nvSpPr>
+        <p:spPr/>
+        <p:txBody>
+          <a:bodyPr/>
+          <a:lstStyle/>
+          <a:p>
+            <a:fld id="{82869989-EB00-4EE7-BCB5-25BDC5BB29F8}" type="slidenum">
+              <a:rPr lang="en-US" smtClean="0"/>
+              <a:t>3</a:t>
+            </a:fld>
+            <a:endParaRPr lang="en-US"/>
+          </a:p>
+        </p:txBody>
+      </p:sp>
+    </p:spTree>
+    <p:extLst>
+      <p:ext uri="{BB962C8B-B14F-4D97-AF65-F5344CB8AC3E}">
+        <p14:creationId xmlns:p14="http://schemas.microsoft.com/office/powerpoint/2010/main" val="3099471251"/>
+      </p:ext>
+    </p:extLst>
+  </p:cSld>
+  <p:clrMapOvr>
+    <a:masterClrMapping/>
+  </p:clrMapOvr>
+</p:notes>
+</file>
+
+<file path=ppt/notesSlides/notesSlide3.xml><?xml version="1.0" encoding="utf-8"?>
+<p:notes xmlns:a="http://schemas.openxmlformats.org/drawingml/2006/main" xmlns:r="http://schemas.openxmlformats.org/officeDocument/2006/relationships" xmlns:p="http://schemas.openxmlformats.org/presentationml/2006/main">
+  <p:cSld>
+    <p:spTree>
+      <p:nvGrpSpPr>
+        <p:cNvPr id="1" name=""/>
+        <p:cNvGrpSpPr/>
+        <p:nvPr/>
+      </p:nvGrpSpPr>
+      <p:grpSpPr>
+        <a:xfrm>
+          <a:off x="0" y="0"/>
+          <a:ext cx="0" cy="0"/>
+          <a:chOff x="0" y="0"/>
+          <a:chExt cx="0" cy="0"/>
+        </a:xfrm>
+      </p:grpSpPr>
+      <p:sp>
+        <p:nvSpPr>
+          <p:cNvPr id="2" name="Slide Image Placeholder 1"/>
+          <p:cNvSpPr>
+            <a:spLocks noGrp="1" noRot="1" noChangeAspect="1"/>
+          </p:cNvSpPr>
+          <p:nvPr>
+            <p:ph type="sldImg"/>
+          </p:nvPr>
+        </p:nvSpPr>
+        <p:spPr/>
+      </p:sp>
+      <p:sp>
+        <p:nvSpPr>
+          <p:cNvPr id="3" name="Notes Placeholder 2"/>
+          <p:cNvSpPr>
+            <a:spLocks noGrp="1"/>
+          </p:cNvSpPr>
+          <p:nvPr>
+            <p:ph type="body" idx="1"/>
+          </p:nvPr>
+        </p:nvSpPr>
+        <p:spPr/>
+        <p:txBody>
+          <a:bodyPr/>
+          <a:lstStyle/>
+          <a:p>
+            <a:endParaRPr lang="en-US"/>
+          </a:p>
+        </p:txBody>
+      </p:sp>
+      <p:sp>
+        <p:nvSpPr>
+          <p:cNvPr id="4" name="Slide Number Placeholder 3"/>
+          <p:cNvSpPr>
+            <a:spLocks noGrp="1"/>
+          </p:cNvSpPr>
+          <p:nvPr>
+            <p:ph type="sldNum" sz="quarter" idx="10"/>
+          </p:nvPr>
+        </p:nvSpPr>
+        <p:spPr/>
+        <p:txBody>
+          <a:bodyPr/>
+          <a:lstStyle/>
+          <a:p>
+            <a:fld id="{82869989-EB00-4EE7-BCB5-25BDC5BB29F8}" type="slidenum">
+              <a:rPr lang="en-US" smtClean="0"/>
+              <a:t>4</a:t>
+            </a:fld>
+            <a:endParaRPr lang="en-US"/>
+          </a:p>
+        </p:txBody>
+      </p:sp>
+    </p:spTree>
+    <p:extLst>
+      <p:ext uri="{BB962C8B-B14F-4D97-AF65-F5344CB8AC3E}">
+        <p14:creationId xmlns:p14="http://schemas.microsoft.com/office/powerpoint/2010/main" val="1555822356"/>
+      </p:ext>
+    </p:extLst>
+  </p:cSld>
+  <p:clrMapOvr>
+    <a:masterClrMapping/>
+  </p:clrMapOvr>
+</p:notes>
+</file>
+
+<file path=ppt/notesSlides/notesSlide4.xml><?xml version="1.0" encoding="utf-8"?>
+<p:notes xmlns:a="http://schemas.openxmlformats.org/drawingml/2006/main" xmlns:r="http://schemas.openxmlformats.org/officeDocument/2006/relationships" xmlns:p="http://schemas.openxmlformats.org/presentationml/2006/main">
+  <p:cSld>
+    <p:spTree>
+      <p:nvGrpSpPr>
+        <p:cNvPr id="1" name=""/>
+        <p:cNvGrpSpPr/>
+        <p:nvPr/>
+      </p:nvGrpSpPr>
+      <p:grpSpPr>
+        <a:xfrm>
+          <a:off x="0" y="0"/>
+          <a:ext cx="0" cy="0"/>
+          <a:chOff x="0" y="0"/>
+          <a:chExt cx="0" cy="0"/>
+        </a:xfrm>
+      </p:grpSpPr>
+      <p:sp>
+        <p:nvSpPr>
+          <p:cNvPr id="2" name="Slide Image Placeholder 1"/>
+          <p:cNvSpPr>
+            <a:spLocks noGrp="1" noRot="1" noChangeAspect="1"/>
+          </p:cNvSpPr>
+          <p:nvPr>
+            <p:ph type="sldImg"/>
+          </p:nvPr>
+        </p:nvSpPr>
+        <p:spPr/>
+      </p:sp>
+      <p:sp>
+        <p:nvSpPr>
+          <p:cNvPr id="3" name="Notes Placeholder 2"/>
+          <p:cNvSpPr>
+            <a:spLocks noGrp="1"/>
+          </p:cNvSpPr>
+          <p:nvPr>
+            <p:ph type="body" idx="1"/>
+          </p:nvPr>
+        </p:nvSpPr>
+        <p:spPr/>
+        <p:txBody>
+          <a:bodyPr/>
+          <a:lstStyle/>
+          <a:p>
+            <a:endParaRPr lang="en-US"/>
+          </a:p>
+        </p:txBody>
+      </p:sp>
+      <p:sp>
+        <p:nvSpPr>
+          <p:cNvPr id="4" name="Slide Number Placeholder 3"/>
+          <p:cNvSpPr>
+            <a:spLocks noGrp="1"/>
+          </p:cNvSpPr>
+          <p:nvPr>
+            <p:ph type="sldNum" sz="quarter" idx="10"/>
+          </p:nvPr>
+        </p:nvSpPr>
+        <p:spPr/>
+        <p:txBody>
+          <a:bodyPr/>
+          <a:lstStyle/>
+          <a:p>
+            <a:fld id="{82869989-EB00-4EE7-BCB5-25BDC5BB29F8}" type="slidenum">
+              <a:rPr lang="en-US" smtClean="0"/>
+              <a:t>5</a:t>
+            </a:fld>
+            <a:endParaRPr lang="en-US"/>
+          </a:p>
+        </p:txBody>
+      </p:sp>
+    </p:spTree>
+    <p:extLst>
+      <p:ext uri="{BB962C8B-B14F-4D97-AF65-F5344CB8AC3E}">
+        <p14:creationId xmlns:p14="http://schemas.microsoft.com/office/powerpoint/2010/main" val="4069585306"/>
+      </p:ext>
+    </p:extLst>
+  </p:cSld>
+  <p:clrMapOvr>
+    <a:masterClrMapping/>
+  </p:clrMapOvr>
+</p:notes>
+</file>
+
+<file path=ppt/notesSlides/notesSlide5.xml><?xml version="1.0" encoding="utf-8"?>
+<p:notes xmlns:a="http://schemas.openxmlformats.org/drawingml/2006/main" xmlns:r="http://schemas.openxmlformats.org/officeDocument/2006/relationships" xmlns:p="http://schemas.openxmlformats.org/presentationml/2006/main">
+  <p:cSld>
+    <p:spTree>
+      <p:nvGrpSpPr>
+        <p:cNvPr id="1" name=""/>
+        <p:cNvGrpSpPr/>
+        <p:nvPr/>
+      </p:nvGrpSpPr>
+      <p:grpSpPr>
+        <a:xfrm>
+          <a:off x="0" y="0"/>
+          <a:ext cx="0" cy="0"/>
+          <a:chOff x="0" y="0"/>
+          <a:chExt cx="0" cy="0"/>
+        </a:xfrm>
+      </p:grpSpPr>
+      <p:sp>
+        <p:nvSpPr>
+          <p:cNvPr id="2" name="Slide Image Placeholder 1"/>
+          <p:cNvSpPr>
+            <a:spLocks noGrp="1" noRot="1" noChangeAspect="1"/>
+          </p:cNvSpPr>
+          <p:nvPr>
+            <p:ph type="sldImg"/>
+          </p:nvPr>
+        </p:nvSpPr>
+        <p:spPr/>
+      </p:sp>
+      <p:sp>
+        <p:nvSpPr>
+          <p:cNvPr id="3" name="Notes Placeholder 2"/>
+          <p:cNvSpPr>
+            <a:spLocks noGrp="1"/>
+          </p:cNvSpPr>
+          <p:nvPr>
+            <p:ph type="body" idx="1"/>
+          </p:nvPr>
+        </p:nvSpPr>
+        <p:spPr/>
+        <p:txBody>
+          <a:bodyPr/>
+          <a:lstStyle/>
+          <a:p>
+            <a:endParaRPr lang="en-US"/>
+          </a:p>
+        </p:txBody>
+      </p:sp>
+      <p:sp>
+        <p:nvSpPr>
+          <p:cNvPr id="4" name="Slide Number Placeholder 3"/>
+          <p:cNvSpPr>
+            <a:spLocks noGrp="1"/>
+          </p:cNvSpPr>
+          <p:nvPr>
+            <p:ph type="sldNum" sz="quarter" idx="10"/>
+          </p:nvPr>
+        </p:nvSpPr>
+        <p:spPr/>
+        <p:txBody>
+          <a:bodyPr/>
+          <a:lstStyle/>
+          <a:p>
+            <a:fld id="{82869989-EB00-4EE7-BCB5-25BDC5BB29F8}" type="slidenum">
+              <a:rPr lang="en-US" smtClean="0"/>
+              <a:t>6</a:t>
+            </a:fld>
+            <a:endParaRPr lang="en-US"/>
+          </a:p>
+        </p:txBody>
+      </p:sp>
+    </p:spTree>
+    <p:extLst>
+      <p:ext uri="{BB962C8B-B14F-4D97-AF65-F5344CB8AC3E}">
+        <p14:creationId xmlns:p14="http://schemas.microsoft.com/office/powerpoint/2010/main" val="374541076"/>
+      </p:ext>
+    </p:extLst>
+  </p:cSld>
+  <p:clrMapOvr>
+    <a:masterClrMapping/>
+  </p:clrMapOvr>
+</p:notes>
+</file>
+
+<file path=ppt/notesSlides/notesSlide6.xml><?xml version="1.0" encoding="utf-8"?>
+<p:notes xmlns:a="http://schemas.openxmlformats.org/drawingml/2006/main" xmlns:r="http://schemas.openxmlformats.org/officeDocument/2006/relationships" xmlns:p="http://schemas.openxmlformats.org/presentationml/2006/main">
+  <p:cSld>
+    <p:spTree>
+      <p:nvGrpSpPr>
+        <p:cNvPr id="1" name=""/>
+        <p:cNvGrpSpPr/>
+        <p:nvPr/>
+      </p:nvGrpSpPr>
+      <p:grpSpPr>
+        <a:xfrm>
+          <a:off x="0" y="0"/>
+          <a:ext cx="0" cy="0"/>
+          <a:chOff x="0" y="0"/>
+          <a:chExt cx="0" cy="0"/>
+        </a:xfrm>
+      </p:grpSpPr>
+      <p:sp>
+        <p:nvSpPr>
+          <p:cNvPr id="2" name="Slide Image Placeholder 1"/>
+          <p:cNvSpPr>
+            <a:spLocks noGrp="1" noRot="1" noChangeAspect="1"/>
+          </p:cNvSpPr>
+          <p:nvPr>
+            <p:ph type="sldImg"/>
+          </p:nvPr>
+        </p:nvSpPr>
+        <p:spPr/>
+      </p:sp>
+      <p:sp>
+        <p:nvSpPr>
+          <p:cNvPr id="3" name="Notes Placeholder 2"/>
+          <p:cNvSpPr>
+            <a:spLocks noGrp="1"/>
+          </p:cNvSpPr>
+          <p:nvPr>
+            <p:ph type="body" idx="1"/>
+          </p:nvPr>
+        </p:nvSpPr>
+        <p:spPr/>
+        <p:txBody>
+          <a:bodyPr/>
+          <a:lstStyle/>
+          <a:p>
+            <a:endParaRPr lang="en-US"/>
+          </a:p>
+        </p:txBody>
+      </p:sp>
+      <p:sp>
+        <p:nvSpPr>
+          <p:cNvPr id="4" name="Slide Number Placeholder 3"/>
+          <p:cNvSpPr>
+            <a:spLocks noGrp="1"/>
+          </p:cNvSpPr>
+          <p:nvPr>
+            <p:ph type="sldNum" sz="quarter" idx="10"/>
+          </p:nvPr>
+        </p:nvSpPr>
+        <p:spPr/>
+        <p:txBody>
+          <a:bodyPr/>
+          <a:lstStyle/>
+          <a:p>
+            <a:fld id="{82869989-EB00-4EE7-BCB5-25BDC5BB29F8}" type="slidenum">
+              <a:rPr lang="en-US" smtClean="0"/>
+              <a:t>7</a:t>
+            </a:fld>
+            <a:endParaRPr lang="en-US"/>
+          </a:p>
+        </p:txBody>
+      </p:sp>
+    </p:spTree>
+    <p:extLst>
+      <p:ext uri="{BB962C8B-B14F-4D97-AF65-F5344CB8AC3E}">
+        <p14:creationId xmlns:p14="http://schemas.microsoft.com/office/powerpoint/2010/main" val="2581689146"/>
+      </p:ext>
+    </p:extLst>
+  </p:cSld>
+  <p:clrMapOvr>
+    <a:masterClrMapping/>
+  </p:clrMapOvr>
+</p:notes>
+</file>
+
+<file path=ppt/notesSlides/notesSlide7.xml><?xml version="1.0" encoding="utf-8"?>
+<p:notes xmlns:a="http://schemas.openxmlformats.org/drawingml/2006/main" xmlns:r="http://schemas.openxmlformats.org/officeDocument/2006/relationships" xmlns:p="http://schemas.openxmlformats.org/presentationml/2006/main">
+  <p:cSld>
+    <p:spTree>
+      <p:nvGrpSpPr>
+        <p:cNvPr id="1" name=""/>
+        <p:cNvGrpSpPr/>
+        <p:nvPr/>
+      </p:nvGrpSpPr>
+      <p:grpSpPr>
+        <a:xfrm>
+          <a:off x="0" y="0"/>
+          <a:ext cx="0" cy="0"/>
+          <a:chOff x="0" y="0"/>
+          <a:chExt cx="0" cy="0"/>
+        </a:xfrm>
+      </p:grpSpPr>
+      <p:sp>
+        <p:nvSpPr>
+          <p:cNvPr id="2" name="Slide Image Placeholder 1"/>
+          <p:cNvSpPr>
+            <a:spLocks noGrp="1" noRot="1" noChangeAspect="1"/>
+          </p:cNvSpPr>
+          <p:nvPr>
+            <p:ph type="sldImg"/>
+          </p:nvPr>
+        </p:nvSpPr>
+        <p:spPr/>
+      </p:sp>
+      <p:sp>
+        <p:nvSpPr>
+          <p:cNvPr id="3" name="Notes Placeholder 2"/>
+          <p:cNvSpPr>
+            <a:spLocks noGrp="1"/>
+          </p:cNvSpPr>
+          <p:nvPr>
+            <p:ph type="body" idx="1"/>
+          </p:nvPr>
+        </p:nvSpPr>
+        <p:spPr/>
+        <p:txBody>
+          <a:bodyPr/>
+          <a:lstStyle/>
+          <a:p>
+            <a:endParaRPr lang="en-US"/>
+          </a:p>
+        </p:txBody>
+      </p:sp>
+      <p:sp>
+        <p:nvSpPr>
+          <p:cNvPr id="4" name="Slide Number Placeholder 3"/>
+          <p:cNvSpPr>
+            <a:spLocks noGrp="1"/>
+          </p:cNvSpPr>
+          <p:nvPr>
+            <p:ph type="sldNum" sz="quarter" idx="10"/>
+          </p:nvPr>
+        </p:nvSpPr>
+        <p:spPr/>
+        <p:txBody>
+          <a:bodyPr/>
+          <a:lstStyle/>
+          <a:p>
+            <a:fld id="{82869989-EB00-4EE7-BCB5-25BDC5BB29F8}" type="slidenum">
+              <a:rPr lang="en-US" smtClean="0"/>
+              <a:t>8</a:t>
+            </a:fld>
+            <a:endParaRPr lang="en-US"/>
+          </a:p>
+        </p:txBody>
+      </p:sp>
+    </p:spTree>
+    <p:extLst>
+      <p:ext uri="{BB962C8B-B14F-4D97-AF65-F5344CB8AC3E}">
+        <p14:creationId xmlns:p14="http://schemas.microsoft.com/office/powerpoint/2010/main" val="3210428749"/>
+      </p:ext>
+    </p:extLst>
+  </p:cSld>
+  <p:clrMapOvr>
+    <a:masterClrMapping/>
+  </p:clrMapOvr>
+</p:notes>
+</file>
+
+<file path=ppt/notesSlides/notesSlide8.xml><?xml version="1.0" encoding="utf-8"?>
+<p:notes xmlns:a="http://schemas.openxmlformats.org/drawingml/2006/main" xmlns:r="http://schemas.openxmlformats.org/officeDocument/2006/relationships" xmlns:p="http://schemas.openxmlformats.org/presentationml/2006/main">
+  <p:cSld>
+    <p:spTree>
+      <p:nvGrpSpPr>
+        <p:cNvPr id="1" name=""/>
+        <p:cNvGrpSpPr/>
+        <p:nvPr/>
+      </p:nvGrpSpPr>
+      <p:grpSpPr>
+        <a:xfrm>
+          <a:off x="0" y="0"/>
+          <a:ext cx="0" cy="0"/>
+          <a:chOff x="0" y="0"/>
+          <a:chExt cx="0" cy="0"/>
+        </a:xfrm>
+      </p:grpSpPr>
+      <p:sp>
+        <p:nvSpPr>
+          <p:cNvPr id="2" name="Slide Image Placeholder 1"/>
+          <p:cNvSpPr>
+            <a:spLocks noGrp="1" noRot="1" noChangeAspect="1"/>
+          </p:cNvSpPr>
+          <p:nvPr>
+            <p:ph type="sldImg"/>
+          </p:nvPr>
+        </p:nvSpPr>
+        <p:spPr/>
+      </p:sp>
+      <p:sp>
+        <p:nvSpPr>
+          <p:cNvPr id="3" name="Notes Placeholder 2"/>
+          <p:cNvSpPr>
+            <a:spLocks noGrp="1"/>
+          </p:cNvSpPr>
+          <p:nvPr>
+            <p:ph type="body" idx="1"/>
+          </p:nvPr>
+        </p:nvSpPr>
+        <p:spPr/>
+        <p:txBody>
+          <a:bodyPr/>
+          <a:lstStyle/>
+          <a:p>
+            <a:endParaRPr lang="en-US"/>
+          </a:p>
+        </p:txBody>
+      </p:sp>
+      <p:sp>
+        <p:nvSpPr>
+          <p:cNvPr id="4" name="Slide Number Placeholder 3"/>
+          <p:cNvSpPr>
+            <a:spLocks noGrp="1"/>
+          </p:cNvSpPr>
+          <p:nvPr>
+            <p:ph type="sldNum" sz="quarter" idx="10"/>
+          </p:nvPr>
+        </p:nvSpPr>
+        <p:spPr/>
+        <p:txBody>
+          <a:bodyPr/>
+          <a:lstStyle/>
+          <a:p>
+            <a:fld id="{82869989-EB00-4EE7-BCB5-25BDC5BB29F8}" type="slidenum">
+              <a:rPr lang="en-US" smtClean="0"/>
+              <a:t>9</a:t>
+            </a:fld>
+            <a:endParaRPr lang="en-US"/>
+          </a:p>
+        </p:txBody>
+      </p:sp>
+    </p:spTree>
+    <p:extLst>
+      <p:ext uri="{BB962C8B-B14F-4D97-AF65-F5344CB8AC3E}">
+        <p14:creationId xmlns:p14="http://schemas.microsoft.com/office/powerpoint/2010/main" val="2701362848"/>
+      </p:ext>
+    </p:extLst>
+  </p:cSld>
+  <p:clrMapOvr>
+    <a:masterClrMapping/>
+  </p:clrMapOvr>
+</p:notes>
+</file>
+
 <file path=ppt/slideLayouts/slideLayout1.xml><?xml version="1.0" encoding="utf-8"?>
 <p:sldLayout xmlns:a="http://schemas.openxmlformats.org/drawingml/2006/main" xmlns:r="http://schemas.openxmlformats.org/officeDocument/2006/relationships" xmlns:p="http://schemas.openxmlformats.org/presentationml/2006/main" showMasterSp="0" type="title" preserve="1">
   <p:cSld name="Title Slide">
@@ -6883,7 +3467,7 @@
           <a:p>
             <a:fld id="{384A29A4-78C8-47AB-BA06-22CB45938951}" type="datetime1">
               <a:rPr lang="en-US" smtClean="0"/>
-              <a:t>10/29/2023</a:t>
+              <a:t>10/30/2023</a:t>
             </a:fld>
             <a:endParaRPr lang="en-US"/>
           </a:p>
@@ -7078,7 +3662,7 @@
           <a:p>
             <a:fld id="{E1ED4ACF-2D82-46F2-A8E9-23963AA34E86}" type="datetime1">
               <a:rPr lang="en-US" smtClean="0"/>
-              <a:t>10/29/2023</a:t>
+              <a:t>10/30/2023</a:t>
             </a:fld>
             <a:endParaRPr lang="en-US"/>
           </a:p>
@@ -7262,7 +3846,7 @@
           <a:p>
             <a:fld id="{AE374B5B-21A0-4192-BF4C-38187F1A68D8}" type="datetime1">
               <a:rPr lang="en-US" smtClean="0"/>
-              <a:t>10/29/2023</a:t>
+              <a:t>10/30/2023</a:t>
             </a:fld>
             <a:endParaRPr lang="en-US"/>
           </a:p>
@@ -9603,7 +6187,7 @@
           <a:p>
             <a:fld id="{33B5CF7C-B333-48E1-A4A6-83A3C8B73AC0}" type="datetime1">
               <a:rPr lang="en-US" smtClean="0"/>
-              <a:t>10/29/2023</a:t>
+              <a:t>10/30/2023</a:t>
             </a:fld>
             <a:endParaRPr lang="en-US"/>
           </a:p>
@@ -10056,7 +6640,7 @@
           <a:p>
             <a:fld id="{AE320762-5CBF-4210-AB54-376B091119F8}" type="datetime1">
               <a:rPr lang="en-US" smtClean="0"/>
-              <a:t>10/29/2023</a:t>
+              <a:t>10/30/2023</a:t>
             </a:fld>
             <a:endParaRPr lang="en-US"/>
           </a:p>
@@ -10188,7 +6772,7 @@
           <a:p>
             <a:fld id="{7F0DB371-BF5F-4058-A212-1A908E4D2674}" type="datetime1">
               <a:rPr lang="en-US" smtClean="0"/>
-              <a:t>10/29/2023</a:t>
+              <a:t>10/30/2023</a:t>
             </a:fld>
             <a:endParaRPr lang="en-US"/>
           </a:p>
@@ -12121,7 +8705,7 @@
           <a:p>
             <a:fld id="{60A4083B-90AA-48CF-BAD5-00AA24D7F288}" type="datetime1">
               <a:rPr lang="en-US" smtClean="0"/>
-              <a:t>10/29/2023</a:t>
+              <a:t>10/30/2023</a:t>
             </a:fld>
             <a:endParaRPr lang="en-US"/>
           </a:p>
@@ -14380,7 +10964,7 @@
             <a:fld id="{F5BAF629-ECA2-4CF3-B790-9D9BDED98269}" type="datetime1">
               <a:rPr lang="en-US" smtClean="0"/>
               <a:pPr/>
-              <a:t>10/29/2023</a:t>
+              <a:t>10/30/2023</a:t>
             </a:fld>
             <a:endParaRPr lang="en-US"/>
           </a:p>
@@ -18675,7 +15259,7 @@
             <a:fld id="{B51B2453-8663-4C69-AF73-9FD7B1DEC5D0}" type="datetime1">
               <a:rPr lang="en-US" smtClean="0"/>
               <a:pPr/>
-              <a:t>10/29/2023</a:t>
+              <a:t>10/30/2023</a:t>
             </a:fld>
             <a:endParaRPr lang="en-US" dirty="0"/>
           </a:p>
@@ -19140,15 +15724,25 @@
             <p:ph type="ctrTitle"/>
           </p:nvPr>
         </p:nvSpPr>
-        <p:spPr/>
+        <p:spPr>
+          <a:xfrm>
+            <a:off x="1293845" y="2986391"/>
+            <a:ext cx="9604310" cy="1401562"/>
+          </a:xfrm>
+        </p:spPr>
         <p:txBody>
           <a:bodyPr/>
           <a:lstStyle/>
           <a:p>
             <a:r>
               <a:rPr lang="en-US" dirty="0"/>
-              <a:t>Title Layout</a:t>
+              <a:t>FAQ </a:t>
             </a:r>
+            <a:r>
+              <a:rPr lang="en-US" dirty="0" err="1"/>
+              <a:t>ChatBot</a:t>
+            </a:r>
+            <a:endParaRPr lang="en-US" dirty="0"/>
           </a:p>
         </p:txBody>
       </p:sp>
@@ -19162,15 +15756,48 @@
             <p:ph type="subTitle" idx="1"/>
           </p:nvPr>
         </p:nvSpPr>
-        <p:spPr/>
+        <p:spPr>
+          <a:xfrm>
+            <a:off x="1293845" y="5286650"/>
+            <a:ext cx="9604310" cy="457200"/>
+          </a:xfrm>
+        </p:spPr>
         <p:txBody>
-          <a:bodyPr/>
+          <a:bodyPr>
+            <a:noAutofit/>
+          </a:bodyPr>
           <a:lstStyle/>
           <a:p>
             <a:r>
-              <a:rPr lang="en-US" dirty="0"/>
-              <a:t>Subtitle</a:t>
+              <a:rPr lang="en-US" b="1" dirty="0"/>
+              <a:t>Team Members:</a:t>
             </a:r>
+          </a:p>
+          <a:p>
+            <a:endParaRPr lang="en-US" b="1" dirty="0"/>
+          </a:p>
+          <a:p>
+            <a:pPr marL="457200" indent="-457200">
+              <a:buAutoNum type="arabicPeriod"/>
+            </a:pPr>
+            <a:r>
+              <a:rPr lang="en-US" b="1" dirty="0"/>
+              <a:t>Bal Narendra Sapa</a:t>
+            </a:r>
+          </a:p>
+          <a:p>
+            <a:pPr marL="457200" indent="-457200">
+              <a:buAutoNum type="arabicPeriod"/>
+            </a:pPr>
+            <a:r>
+              <a:rPr lang="en-US" b="1" dirty="0"/>
+              <a:t>Ajay Kumar </a:t>
+            </a:r>
+            <a:r>
+              <a:rPr lang="en-US" b="1" dirty="0" err="1"/>
+              <a:t>Jagu</a:t>
+            </a:r>
+            <a:endParaRPr lang="en-US" b="1" dirty="0"/>
           </a:p>
         </p:txBody>
       </p:sp>
@@ -19178,210 +15805,6 @@
     <p:extLst>
       <p:ext uri="{BB962C8B-B14F-4D97-AF65-F5344CB8AC3E}">
         <p14:creationId xmlns:p14="http://schemas.microsoft.com/office/powerpoint/2010/main" val="106904919"/>
-      </p:ext>
-    </p:extLst>
-  </p:cSld>
-  <p:clrMapOvr>
-    <a:masterClrMapping/>
-  </p:clrMapOvr>
-  <mc:AlternateContent xmlns:mc="http://schemas.openxmlformats.org/markup-compatibility/2006" xmlns:p14="http://schemas.microsoft.com/office/powerpoint/2010/main">
-    <mc:Choice Requires="p14">
-      <p:transition spd="med" p14:dur="700">
-        <p:fade/>
-      </p:transition>
-    </mc:Choice>
-    <mc:Fallback xmlns="">
-      <p:transition spd="med">
-        <p:fade/>
-      </p:transition>
-    </mc:Fallback>
-  </mc:AlternateContent>
-</p:sld>
-</file>
-
-<file path=ppt/slides/slide10.xml><?xml version="1.0" encoding="utf-8"?>
-<p:sld xmlns:a="http://schemas.openxmlformats.org/drawingml/2006/main" xmlns:r="http://schemas.openxmlformats.org/officeDocument/2006/relationships" xmlns:p="http://schemas.openxmlformats.org/presentationml/2006/main">
-  <p:cSld>
-    <p:spTree>
-      <p:nvGrpSpPr>
-        <p:cNvPr id="1" name=""/>
-        <p:cNvGrpSpPr/>
-        <p:nvPr/>
-      </p:nvGrpSpPr>
-      <p:grpSpPr>
-        <a:xfrm>
-          <a:off x="0" y="0"/>
-          <a:ext cx="0" cy="0"/>
-          <a:chOff x="0" y="0"/>
-          <a:chExt cx="0" cy="0"/>
-        </a:xfrm>
-      </p:grpSpPr>
-      <p:sp>
-        <p:nvSpPr>
-          <p:cNvPr id="2" name="Title 1"/>
-          <p:cNvSpPr>
-            <a:spLocks noGrp="1"/>
-          </p:cNvSpPr>
-          <p:nvPr>
-            <p:ph type="title"/>
-          </p:nvPr>
-        </p:nvSpPr>
-        <p:spPr/>
-        <p:txBody>
-          <a:bodyPr/>
-          <a:lstStyle/>
-          <a:p>
-            <a:r>
-              <a:rPr lang="en-US" dirty="0"/>
-              <a:t>Add a Slide Title - 4</a:t>
-            </a:r>
-          </a:p>
-        </p:txBody>
-      </p:sp>
-      <p:sp>
-        <p:nvSpPr>
-          <p:cNvPr id="5" name="Content Placeholder 4"/>
-          <p:cNvSpPr>
-            <a:spLocks noGrp="1"/>
-          </p:cNvSpPr>
-          <p:nvPr>
-            <p:ph idx="1"/>
-          </p:nvPr>
-        </p:nvSpPr>
-        <p:spPr/>
-        <p:txBody>
-          <a:bodyPr/>
-          <a:lstStyle/>
-          <a:p>
-            <a:endParaRPr lang="en-US"/>
-          </a:p>
-        </p:txBody>
-      </p:sp>
-      <p:sp>
-        <p:nvSpPr>
-          <p:cNvPr id="6" name="Text Placeholder 5"/>
-          <p:cNvSpPr>
-            <a:spLocks noGrp="1"/>
-          </p:cNvSpPr>
-          <p:nvPr>
-            <p:ph type="body" sz="half" idx="2"/>
-          </p:nvPr>
-        </p:nvSpPr>
-        <p:spPr/>
-        <p:txBody>
-          <a:bodyPr/>
-          <a:lstStyle/>
-          <a:p>
-            <a:endParaRPr lang="en-US"/>
-          </a:p>
-        </p:txBody>
-      </p:sp>
-    </p:spTree>
-    <p:extLst>
-      <p:ext uri="{BB962C8B-B14F-4D97-AF65-F5344CB8AC3E}">
-        <p14:creationId xmlns:p14="http://schemas.microsoft.com/office/powerpoint/2010/main" val="4101607575"/>
-      </p:ext>
-    </p:extLst>
-  </p:cSld>
-  <p:clrMapOvr>
-    <a:masterClrMapping/>
-  </p:clrMapOvr>
-  <mc:AlternateContent xmlns:mc="http://schemas.openxmlformats.org/markup-compatibility/2006" xmlns:p14="http://schemas.microsoft.com/office/powerpoint/2010/main">
-    <mc:Choice Requires="p14">
-      <p:transition spd="med" p14:dur="700">
-        <p:fade/>
-      </p:transition>
-    </mc:Choice>
-    <mc:Fallback xmlns="">
-      <p:transition spd="med">
-        <p:fade/>
-      </p:transition>
-    </mc:Fallback>
-  </mc:AlternateContent>
-</p:sld>
-</file>
-
-<file path=ppt/slides/slide11.xml><?xml version="1.0" encoding="utf-8"?>
-<p:sld xmlns:a="http://schemas.openxmlformats.org/drawingml/2006/main" xmlns:r="http://schemas.openxmlformats.org/officeDocument/2006/relationships" xmlns:p="http://schemas.openxmlformats.org/presentationml/2006/main">
-  <p:cSld>
-    <p:spTree>
-      <p:nvGrpSpPr>
-        <p:cNvPr id="1" name=""/>
-        <p:cNvGrpSpPr/>
-        <p:nvPr/>
-      </p:nvGrpSpPr>
-      <p:grpSpPr>
-        <a:xfrm>
-          <a:off x="0" y="0"/>
-          <a:ext cx="0" cy="0"/>
-          <a:chOff x="0" y="0"/>
-          <a:chExt cx="0" cy="0"/>
-        </a:xfrm>
-      </p:grpSpPr>
-      <p:sp>
-        <p:nvSpPr>
-          <p:cNvPr id="3" name="Title 2"/>
-          <p:cNvSpPr>
-            <a:spLocks noGrp="1"/>
-          </p:cNvSpPr>
-          <p:nvPr>
-            <p:ph type="title"/>
-          </p:nvPr>
-        </p:nvSpPr>
-        <p:spPr/>
-        <p:txBody>
-          <a:bodyPr/>
-          <a:lstStyle/>
-          <a:p>
-            <a:r>
-              <a:rPr lang="en-US" dirty="0"/>
-              <a:t>Add a Slide Title - 5</a:t>
-            </a:r>
-          </a:p>
-        </p:txBody>
-      </p:sp>
-      <p:sp>
-        <p:nvSpPr>
-          <p:cNvPr id="5" name="Picture Placeholder 4"/>
-          <p:cNvSpPr>
-            <a:spLocks noGrp="1"/>
-          </p:cNvSpPr>
-          <p:nvPr>
-            <p:ph type="pic" idx="1"/>
-          </p:nvPr>
-        </p:nvSpPr>
-        <p:spPr/>
-        <p:txBody>
-          <a:bodyPr/>
-          <a:lstStyle/>
-          <a:p>
-            <a:endParaRPr lang="en-US"/>
-          </a:p>
-        </p:txBody>
-      </p:sp>
-      <p:sp>
-        <p:nvSpPr>
-          <p:cNvPr id="6" name="Text Placeholder 5"/>
-          <p:cNvSpPr>
-            <a:spLocks noGrp="1"/>
-          </p:cNvSpPr>
-          <p:nvPr>
-            <p:ph type="body" sz="half" idx="2"/>
-          </p:nvPr>
-        </p:nvSpPr>
-        <p:spPr/>
-        <p:txBody>
-          <a:bodyPr/>
-          <a:lstStyle/>
-          <a:p>
-            <a:endParaRPr lang="en-US"/>
-          </a:p>
-        </p:txBody>
-      </p:sp>
-    </p:spTree>
-    <p:extLst>
-      <p:ext uri="{BB962C8B-B14F-4D97-AF65-F5344CB8AC3E}">
-        <p14:creationId xmlns:p14="http://schemas.microsoft.com/office/powerpoint/2010/main" val="2794409471"/>
       </p:ext>
     </p:extLst>
   </p:cSld>
@@ -19437,7 +15860,7 @@
           <a:p>
             <a:r>
               <a:rPr lang="en-US" dirty="0"/>
-              <a:t>Title and content layout with list</a:t>
+              <a:t>Project Topic</a:t>
             </a:r>
           </a:p>
         </p:txBody>
@@ -19454,28 +15877,21 @@
         </p:nvSpPr>
         <p:spPr/>
         <p:txBody>
-          <a:bodyPr/>
+          <a:bodyPr>
+            <a:normAutofit/>
+          </a:bodyPr>
           <a:lstStyle/>
           <a:p>
             <a:r>
-              <a:rPr lang="en-US" dirty="0"/>
-              <a:t>Add your first bullet point here</a:t>
+              <a:rPr lang="en-US" sz="2800" dirty="0"/>
+              <a:t>We will be building a FAQ chatbot for an E-Commerce site with the help of Large Language Models.</a:t>
             </a:r>
           </a:p>
           <a:p>
             <a:r>
-              <a:rPr lang="en-US" dirty="0"/>
-              <a:t>Add your second bullet point here</a:t>
+              <a:rPr lang="en-US" sz="2800" dirty="0"/>
+              <a:t>We will take an LLM and fine-tune it on custom dataset</a:t>
             </a:r>
-          </a:p>
-          <a:p>
-            <a:r>
-              <a:rPr lang="en-US" dirty="0"/>
-              <a:t>Add your third bullet point here</a:t>
-            </a:r>
-          </a:p>
-          <a:p>
-            <a:endParaRPr lang="en-US" dirty="0"/>
           </a:p>
         </p:txBody>
       </p:sp>
@@ -19538,40 +15954,57 @@
           <a:p>
             <a:r>
               <a:rPr lang="en-US" dirty="0"/>
-              <a:t>Title and content layout with chart</a:t>
+              <a:t>Statement of Project Objectives</a:t>
             </a:r>
           </a:p>
         </p:txBody>
       </p:sp>
-      <p:graphicFrame>
-        <p:nvGraphicFramePr>
-          <p:cNvPr id="6" name="Content Placeholder 5" descr="Clustered column chart showing the values of 3 series for 4 categories"/>
-          <p:cNvGraphicFramePr>
-            <a:graphicFrameLocks noGrp="1"/>
-          </p:cNvGraphicFramePr>
+      <p:sp>
+        <p:nvSpPr>
+          <p:cNvPr id="3" name="Content Placeholder 2"/>
+          <p:cNvSpPr>
+            <a:spLocks noGrp="1"/>
+          </p:cNvSpPr>
           <p:nvPr>
             <p:ph idx="1"/>
-            <p:extLst>
-              <p:ext uri="{D42A27DB-BD31-4B8C-83A1-F6EECF244321}">
-                <p14:modId xmlns:p14="http://schemas.microsoft.com/office/powerpoint/2010/main" val="39797981"/>
-              </p:ext>
-            </p:extLst>
           </p:nvPr>
-        </p:nvGraphicFramePr>
-        <p:xfrm>
-          <a:off x="1295400" y="1981200"/>
-          <a:ext cx="9601200" cy="3810000"/>
-        </p:xfrm>
-        <a:graphic>
-          <a:graphicData uri="http://schemas.openxmlformats.org/drawingml/2006/chart">
-            <c:chart xmlns:c="http://schemas.openxmlformats.org/drawingml/2006/chart" xmlns:r="http://schemas.openxmlformats.org/officeDocument/2006/relationships" r:id="rId2"/>
-          </a:graphicData>
-        </a:graphic>
-      </p:graphicFrame>
+        </p:nvSpPr>
+        <p:spPr/>
+        <p:txBody>
+          <a:bodyPr>
+            <a:normAutofit lnSpcReduction="10000"/>
+          </a:bodyPr>
+          <a:lstStyle/>
+          <a:p>
+            <a:r>
+              <a:rPr lang="en-US" sz="2800" dirty="0"/>
+              <a:t>Our aim is to build a chatbot that is finetuned on the FAQs asked by users.</a:t>
+            </a:r>
+          </a:p>
+          <a:p>
+            <a:r>
+              <a:rPr lang="en-US" sz="2800" dirty="0"/>
+              <a:t>Users may have some common questions which can be quite common among users.</a:t>
+            </a:r>
+          </a:p>
+          <a:p>
+            <a:r>
+              <a:rPr lang="en-US" sz="2800" dirty="0"/>
+              <a:t>Usually, user goes to FAQ section of the product or calls the customer support to clarify</a:t>
+            </a:r>
+          </a:p>
+          <a:p>
+            <a:r>
+              <a:rPr lang="en-US" sz="2800" dirty="0"/>
+              <a:t>A Chatbot finetuned periodically, can answer these questions.</a:t>
+            </a:r>
+          </a:p>
+        </p:txBody>
+      </p:sp>
     </p:spTree>
     <p:extLst>
       <p:ext uri="{BB962C8B-B14F-4D97-AF65-F5344CB8AC3E}">
-        <p14:creationId xmlns:p14="http://schemas.microsoft.com/office/powerpoint/2010/main" val="1476019738"/>
+        <p14:creationId xmlns:p14="http://schemas.microsoft.com/office/powerpoint/2010/main" val="796889638"/>
       </p:ext>
     </p:extLst>
   </p:cSld>
@@ -19627,7 +16060,7 @@
           <a:p>
             <a:r>
               <a:rPr lang="en-US" dirty="0"/>
-              <a:t>Two content layout with table</a:t>
+              <a:t>Statement of Value</a:t>
             </a:r>
           </a:p>
         </p:txBody>
@@ -19639,281 +16072,39 @@
             <a:spLocks noGrp="1"/>
           </p:cNvSpPr>
           <p:nvPr>
-            <p:ph sz="half" idx="1"/>
+            <p:ph idx="1"/>
           </p:nvPr>
         </p:nvSpPr>
         <p:spPr/>
         <p:txBody>
-          <a:bodyPr/>
+          <a:bodyPr>
+            <a:normAutofit/>
+          </a:bodyPr>
           <a:lstStyle/>
           <a:p>
             <a:r>
-              <a:rPr lang="en-US" dirty="0"/>
-              <a:t>First bullet point here</a:t>
+              <a:rPr lang="en-US" sz="2800" dirty="0"/>
+              <a:t>Introducing a chatbot for FAQs can be profitable for companies because this approach require less reliance on customer support.</a:t>
             </a:r>
           </a:p>
           <a:p>
             <a:r>
-              <a:rPr lang="en-US" dirty="0"/>
-              <a:t>Second bullet point here</a:t>
+              <a:rPr lang="en-US" sz="2800" dirty="0"/>
+              <a:t>Companies that rely hugely on customer support can hugely benefit by this chatbot.</a:t>
             </a:r>
           </a:p>
           <a:p>
-            <a:r>
-              <a:rPr lang="en-US" dirty="0"/>
-              <a:t>Third bullet point here</a:t>
-            </a:r>
+            <a:pPr marL="0" indent="0">
+              <a:buNone/>
+            </a:pPr>
+            <a:endParaRPr lang="en-US" sz="2800" dirty="0"/>
           </a:p>
         </p:txBody>
       </p:sp>
-      <p:graphicFrame>
-        <p:nvGraphicFramePr>
-          <p:cNvPr id="5" name="Content Placeholder 4"/>
-          <p:cNvGraphicFramePr>
-            <a:graphicFrameLocks noGrp="1"/>
-          </p:cNvGraphicFramePr>
-          <p:nvPr>
-            <p:ph sz="half" idx="2"/>
-            <p:extLst>
-              <p:ext uri="{D42A27DB-BD31-4B8C-83A1-F6EECF244321}">
-                <p14:modId xmlns:p14="http://schemas.microsoft.com/office/powerpoint/2010/main" val="1856702625"/>
-              </p:ext>
-            </p:extLst>
-          </p:nvPr>
-        </p:nvGraphicFramePr>
-        <p:xfrm>
-          <a:off x="6324600" y="1981200"/>
-          <a:ext cx="4572000" cy="2141912"/>
-        </p:xfrm>
-        <a:graphic>
-          <a:graphicData uri="http://schemas.openxmlformats.org/drawingml/2006/table">
-            <a:tbl>
-              <a:tblPr firstRow="1" bandRow="1">
-                <a:tableStyleId>{BC89EF96-8CEA-46FF-86C4-4CE0E7609802}</a:tableStyleId>
-              </a:tblPr>
-              <a:tblGrid>
-                <a:gridCol w="1524000">
-                  <a:extLst>
-                    <a:ext uri="{9D8B030D-6E8A-4147-A177-3AD203B41FA5}">
-                      <a16:colId xmlns:a16="http://schemas.microsoft.com/office/drawing/2014/main" val="20000"/>
-                    </a:ext>
-                  </a:extLst>
-                </a:gridCol>
-                <a:gridCol w="1524000">
-                  <a:extLst>
-                    <a:ext uri="{9D8B030D-6E8A-4147-A177-3AD203B41FA5}">
-                      <a16:colId xmlns:a16="http://schemas.microsoft.com/office/drawing/2014/main" val="20001"/>
-                    </a:ext>
-                  </a:extLst>
-                </a:gridCol>
-                <a:gridCol w="1524000">
-                  <a:extLst>
-                    <a:ext uri="{9D8B030D-6E8A-4147-A177-3AD203B41FA5}">
-                      <a16:colId xmlns:a16="http://schemas.microsoft.com/office/drawing/2014/main" val="20002"/>
-                    </a:ext>
-                  </a:extLst>
-                </a:gridCol>
-              </a:tblGrid>
-              <a:tr h="535478">
-                <a:tc>
-                  <a:txBody>
-                    <a:bodyPr/>
-                    <a:lstStyle/>
-                    <a:p>
-                      <a:r>
-                        <a:rPr lang="en-US" dirty="0"/>
-                        <a:t>Class</a:t>
-                      </a:r>
-                    </a:p>
-                  </a:txBody>
-                  <a:tcPr anchor="ctr"/>
-                </a:tc>
-                <a:tc>
-                  <a:txBody>
-                    <a:bodyPr/>
-                    <a:lstStyle/>
-                    <a:p>
-                      <a:pPr algn="ctr"/>
-                      <a:r>
-                        <a:rPr lang="en-US" dirty="0"/>
-                        <a:t>Group 1</a:t>
-                      </a:r>
-                    </a:p>
-                  </a:txBody>
-                  <a:tcPr anchor="ctr"/>
-                </a:tc>
-                <a:tc>
-                  <a:txBody>
-                    <a:bodyPr/>
-                    <a:lstStyle/>
-                    <a:p>
-                      <a:pPr algn="ctr"/>
-                      <a:r>
-                        <a:rPr lang="en-US" dirty="0"/>
-                        <a:t>Group 2</a:t>
-                      </a:r>
-                    </a:p>
-                  </a:txBody>
-                  <a:tcPr anchor="ctr"/>
-                </a:tc>
-                <a:extLst>
-                  <a:ext uri="{0D108BD9-81ED-4DB2-BD59-A6C34878D82A}">
-                    <a16:rowId xmlns:a16="http://schemas.microsoft.com/office/drawing/2014/main" val="10000"/>
-                  </a:ext>
-                </a:extLst>
-              </a:tr>
-              <a:tr h="535478">
-                <a:tc>
-                  <a:txBody>
-                    <a:bodyPr/>
-                    <a:lstStyle/>
-                    <a:p>
-                      <a:r>
-                        <a:rPr lang="en-US" dirty="0"/>
-                        <a:t>Class 1</a:t>
-                      </a:r>
-                    </a:p>
-                  </a:txBody>
-                  <a:tcPr anchor="ctr"/>
-                </a:tc>
-                <a:tc>
-                  <a:txBody>
-                    <a:bodyPr/>
-                    <a:lstStyle/>
-                    <a:p>
-                      <a:pPr algn="ctr"/>
-                      <a:r>
-                        <a:rPr lang="en-US" dirty="0"/>
-                        <a:t>82</a:t>
-                      </a:r>
-                    </a:p>
-                  </a:txBody>
-                  <a:tcPr anchor="ctr"/>
-                </a:tc>
-                <a:tc>
-                  <a:txBody>
-                    <a:bodyPr/>
-                    <a:lstStyle/>
-                    <a:p>
-                      <a:pPr algn="ctr"/>
-                      <a:r>
-                        <a:rPr lang="en-US" dirty="0"/>
-                        <a:t>95</a:t>
-                      </a:r>
-                    </a:p>
-                  </a:txBody>
-                  <a:tcPr anchor="ctr"/>
-                </a:tc>
-                <a:extLst>
-                  <a:ext uri="{0D108BD9-81ED-4DB2-BD59-A6C34878D82A}">
-                    <a16:rowId xmlns:a16="http://schemas.microsoft.com/office/drawing/2014/main" val="10001"/>
-                  </a:ext>
-                </a:extLst>
-              </a:tr>
-              <a:tr h="535478">
-                <a:tc>
-                  <a:txBody>
-                    <a:bodyPr/>
-                    <a:lstStyle/>
-                    <a:p>
-                      <a:r>
-                        <a:rPr lang="en-US" dirty="0"/>
-                        <a:t>Class 2</a:t>
-                      </a:r>
-                    </a:p>
-                  </a:txBody>
-                  <a:tcPr anchor="ctr"/>
-                </a:tc>
-                <a:tc>
-                  <a:txBody>
-                    <a:bodyPr/>
-                    <a:lstStyle/>
-                    <a:p>
-                      <a:pPr algn="ctr"/>
-                      <a:r>
-                        <a:rPr lang="en-US" dirty="0"/>
-                        <a:t>76</a:t>
-                      </a:r>
-                    </a:p>
-                  </a:txBody>
-                  <a:tcPr anchor="ctr"/>
-                </a:tc>
-                <a:tc>
-                  <a:txBody>
-                    <a:bodyPr/>
-                    <a:lstStyle/>
-                    <a:p>
-                      <a:pPr algn="ctr"/>
-                      <a:r>
-                        <a:rPr lang="en-US" dirty="0"/>
-                        <a:t>88</a:t>
-                      </a:r>
-                    </a:p>
-                  </a:txBody>
-                  <a:tcPr anchor="ctr"/>
-                </a:tc>
-                <a:extLst>
-                  <a:ext uri="{0D108BD9-81ED-4DB2-BD59-A6C34878D82A}">
-                    <a16:rowId xmlns:a16="http://schemas.microsoft.com/office/drawing/2014/main" val="10002"/>
-                  </a:ext>
-                </a:extLst>
-              </a:tr>
-              <a:tr h="535478">
-                <a:tc>
-                  <a:txBody>
-                    <a:bodyPr/>
-                    <a:lstStyle/>
-                    <a:p>
-                      <a:r>
-                        <a:rPr lang="en-US" dirty="0"/>
-                        <a:t>Class 3</a:t>
-                      </a:r>
-                    </a:p>
-                  </a:txBody>
-                  <a:tcPr anchor="ctr"/>
-                </a:tc>
-                <a:tc>
-                  <a:txBody>
-                    <a:bodyPr/>
-                    <a:lstStyle/>
-                    <a:p>
-                      <a:pPr algn="ctr"/>
-                      <a:r>
-                        <a:rPr lang="en-US" dirty="0"/>
-                        <a:t>84</a:t>
-                      </a:r>
-                    </a:p>
-                  </a:txBody>
-                  <a:tcPr anchor="ctr"/>
-                </a:tc>
-                <a:tc>
-                  <a:txBody>
-                    <a:bodyPr/>
-                    <a:lstStyle/>
-                    <a:p>
-                      <a:pPr algn="ctr"/>
-                      <a:r>
-                        <a:rPr lang="en-US" dirty="0"/>
-                        <a:t>90</a:t>
-                      </a:r>
-                    </a:p>
-                  </a:txBody>
-                  <a:tcPr anchor="ctr"/>
-                </a:tc>
-                <a:extLst>
-                  <a:ext uri="{0D108BD9-81ED-4DB2-BD59-A6C34878D82A}">
-                    <a16:rowId xmlns:a16="http://schemas.microsoft.com/office/drawing/2014/main" val="10003"/>
-                  </a:ext>
-                </a:extLst>
-              </a:tr>
-            </a:tbl>
-          </a:graphicData>
-        </a:graphic>
-      </p:graphicFrame>
     </p:spTree>
     <p:extLst>
       <p:ext uri="{BB962C8B-B14F-4D97-AF65-F5344CB8AC3E}">
-        <p14:creationId xmlns:p14="http://schemas.microsoft.com/office/powerpoint/2010/main" val="2475092730"/>
+        <p14:creationId xmlns:p14="http://schemas.microsoft.com/office/powerpoint/2010/main" val="3074101581"/>
       </p:ext>
     </p:extLst>
   </p:cSld>
@@ -19969,40 +16160,98 @@
           <a:p>
             <a:r>
               <a:rPr lang="en-US" dirty="0"/>
-              <a:t>Title and content layout with SmartArt</a:t>
+              <a:t>Review of State-of-the-Art and Relevant Works</a:t>
             </a:r>
           </a:p>
         </p:txBody>
       </p:sp>
-      <p:graphicFrame>
-        <p:nvGraphicFramePr>
-          <p:cNvPr id="4" name="Content Placeholder 3" descr="Process Arrows diagram showing 3 steps arranged from left to right with task descriptions for each group"/>
-          <p:cNvGraphicFramePr>
-            <a:graphicFrameLocks noGrp="1"/>
-          </p:cNvGraphicFramePr>
+      <p:sp>
+        <p:nvSpPr>
+          <p:cNvPr id="3" name="Content Placeholder 2"/>
+          <p:cNvSpPr>
+            <a:spLocks noGrp="1"/>
+          </p:cNvSpPr>
           <p:nvPr>
             <p:ph idx="1"/>
-            <p:extLst>
-              <p:ext uri="{D42A27DB-BD31-4B8C-83A1-F6EECF244321}">
-                <p14:modId xmlns:p14="http://schemas.microsoft.com/office/powerpoint/2010/main" val="662401178"/>
-              </p:ext>
-            </p:extLst>
           </p:nvPr>
-        </p:nvGraphicFramePr>
-        <p:xfrm>
-          <a:off x="1295400" y="1981200"/>
-          <a:ext cx="9601200" cy="3810000"/>
-        </p:xfrm>
-        <a:graphic>
-          <a:graphicData uri="http://schemas.openxmlformats.org/drawingml/2006/diagram">
-            <dgm:relIds xmlns:dgm="http://schemas.openxmlformats.org/drawingml/2006/diagram" xmlns:r="http://schemas.openxmlformats.org/officeDocument/2006/relationships" r:dm="rId2" r:lo="rId3" r:qs="rId4" r:cs="rId5"/>
-          </a:graphicData>
-        </a:graphic>
-      </p:graphicFrame>
+        </p:nvSpPr>
+        <p:spPr/>
+        <p:txBody>
+          <a:bodyPr>
+            <a:normAutofit fontScale="92500" lnSpcReduction="20000"/>
+          </a:bodyPr>
+          <a:lstStyle/>
+          <a:p>
+            <a:r>
+              <a:rPr lang="en-US" sz="2800" dirty="0"/>
+              <a:t>State of the Art Models for chatbots</a:t>
+            </a:r>
+          </a:p>
+          <a:p>
+            <a:pPr lvl="1"/>
+            <a:r>
+              <a:rPr lang="en-US" sz="2600" dirty="0"/>
+              <a:t>OpenAI’s GPT-3, GPT-3.5, GPT-4</a:t>
+            </a:r>
+          </a:p>
+          <a:p>
+            <a:pPr lvl="1"/>
+            <a:r>
+              <a:rPr lang="en-US" sz="2600" dirty="0"/>
+              <a:t>LLAMA2 by Meta</a:t>
+            </a:r>
+          </a:p>
+          <a:p>
+            <a:pPr lvl="1"/>
+            <a:r>
+              <a:rPr lang="en-US" sz="2600" dirty="0"/>
+              <a:t>Bard by Google</a:t>
+            </a:r>
+          </a:p>
+          <a:p>
+            <a:pPr lvl="1"/>
+            <a:r>
+              <a:rPr lang="en-US" sz="2600" dirty="0"/>
+              <a:t>BERT by Google</a:t>
+            </a:r>
+          </a:p>
+          <a:p>
+            <a:r>
+              <a:rPr lang="en-US" sz="2800" dirty="0"/>
+              <a:t>Relevant Works</a:t>
+            </a:r>
+          </a:p>
+          <a:p>
+            <a:pPr lvl="1"/>
+            <a:r>
+              <a:rPr lang="en-US" sz="2600" dirty="0"/>
+              <a:t>IBM Watson Assistant</a:t>
+            </a:r>
+          </a:p>
+          <a:p>
+            <a:pPr lvl="1"/>
+            <a:r>
+              <a:rPr lang="en-US" sz="2600" dirty="0" err="1"/>
+              <a:t>Dialogflow</a:t>
+            </a:r>
+            <a:r>
+              <a:rPr lang="en-US" sz="2600" dirty="0"/>
+              <a:t> by Google</a:t>
+            </a:r>
+          </a:p>
+          <a:p>
+            <a:pPr lvl="1"/>
+            <a:r>
+              <a:rPr lang="en-US" sz="2600" dirty="0"/>
+              <a:t>Ada Healthcare chatbot</a:t>
+            </a:r>
+          </a:p>
+        </p:txBody>
+      </p:sp>
     </p:spTree>
     <p:extLst>
       <p:ext uri="{BB962C8B-B14F-4D97-AF65-F5344CB8AC3E}">
-        <p14:creationId xmlns:p14="http://schemas.microsoft.com/office/powerpoint/2010/main" val="2761515851"/>
+        <p14:creationId xmlns:p14="http://schemas.microsoft.com/office/powerpoint/2010/main" val="2511853345"/>
       </p:ext>
     </p:extLst>
   </p:cSld>
@@ -20058,34 +16307,117 @@
           <a:p>
             <a:r>
               <a:rPr lang="en-US" dirty="0"/>
-              <a:t>Add a Slide Title - 1</a:t>
+              <a:t>Review of State-of-the-Art and Relevant Works</a:t>
             </a:r>
           </a:p>
         </p:txBody>
       </p:sp>
       <p:sp>
         <p:nvSpPr>
-          <p:cNvPr id="3" name="Text Placeholder 2"/>
+          <p:cNvPr id="3" name="Content Placeholder 2"/>
           <p:cNvSpPr>
             <a:spLocks noGrp="1"/>
           </p:cNvSpPr>
           <p:nvPr>
-            <p:ph type="body" idx="1"/>
+            <p:ph idx="1"/>
           </p:nvPr>
         </p:nvSpPr>
         <p:spPr/>
         <p:txBody>
-          <a:bodyPr/>
+          <a:bodyPr>
+            <a:normAutofit/>
+          </a:bodyPr>
           <a:lstStyle/>
           <a:p>
-            <a:endParaRPr lang="en-US"/>
+            <a:r>
+              <a:rPr lang="en-US" sz="2800" dirty="0"/>
+              <a:t>Citations</a:t>
+            </a:r>
+          </a:p>
+          <a:p>
+            <a:pPr lvl="1"/>
+            <a:r>
+              <a:rPr lang="en-US" sz="2400" dirty="0">
+                <a:hlinkClick r:id="rId3"/>
+              </a:rPr>
+              <a:t>https://arxiv.org/abs/2005.14165</a:t>
+            </a:r>
+            <a:r>
+              <a:rPr lang="en-US" sz="2400" dirty="0"/>
+              <a:t> - GPT3</a:t>
+            </a:r>
+          </a:p>
+          <a:p>
+            <a:pPr lvl="1"/>
+            <a:r>
+              <a:rPr lang="en-US" sz="2400" dirty="0">
+                <a:hlinkClick r:id="rId4"/>
+              </a:rPr>
+              <a:t>https://arxiv.org/abs/2307.09288</a:t>
+            </a:r>
+            <a:r>
+              <a:rPr lang="en-US" sz="2400" dirty="0"/>
+              <a:t> - Llama2</a:t>
+            </a:r>
+          </a:p>
+          <a:p>
+            <a:pPr lvl="1"/>
+            <a:r>
+              <a:rPr lang="en-US" sz="2400" dirty="0">
+                <a:hlinkClick r:id="rId5"/>
+              </a:rPr>
+              <a:t>https://ai.google/static/documents/google-about-bard.pdf</a:t>
+            </a:r>
+            <a:r>
+              <a:rPr lang="en-US" sz="2400" dirty="0"/>
+              <a:t> - BARD</a:t>
+            </a:r>
+          </a:p>
+          <a:p>
+            <a:pPr lvl="1"/>
+            <a:r>
+              <a:rPr lang="en-US" sz="2400" dirty="0">
+                <a:hlinkClick r:id="rId6"/>
+              </a:rPr>
+              <a:t>https://arxiv.org/abs/1810.04805</a:t>
+            </a:r>
+            <a:r>
+              <a:rPr lang="en-US" sz="2400" dirty="0"/>
+              <a:t> - BERT</a:t>
+            </a:r>
+          </a:p>
+          <a:p>
+            <a:pPr lvl="1"/>
+            <a:r>
+              <a:rPr lang="en-US" sz="2400" dirty="0">
+                <a:hlinkClick r:id="rId7"/>
+              </a:rPr>
+              <a:t>https://www.ibm.com/products/watsonx-assistant</a:t>
+            </a:r>
+            <a:r>
+              <a:rPr lang="en-US" sz="2400" dirty="0"/>
+              <a:t> – IBM</a:t>
+            </a:r>
+          </a:p>
+          <a:p>
+            <a:pPr lvl="1"/>
+            <a:r>
+              <a:rPr lang="en-US" sz="2400" dirty="0">
+                <a:hlinkClick r:id="rId8"/>
+              </a:rPr>
+              <a:t>https://ada.com/</a:t>
+            </a:r>
+            <a:r>
+              <a:rPr lang="en-US" sz="2400" dirty="0"/>
+              <a:t> - Ada Health</a:t>
+            </a:r>
           </a:p>
         </p:txBody>
       </p:sp>
     </p:spTree>
     <p:extLst>
       <p:ext uri="{BB962C8B-B14F-4D97-AF65-F5344CB8AC3E}">
-        <p14:creationId xmlns:p14="http://schemas.microsoft.com/office/powerpoint/2010/main" val="2362296366"/>
+        <p14:creationId xmlns:p14="http://schemas.microsoft.com/office/powerpoint/2010/main" val="2423651562"/>
       </p:ext>
     </p:extLst>
   </p:cSld>
@@ -20141,91 +16473,95 @@
           <a:p>
             <a:r>
               <a:rPr lang="en-US" dirty="0"/>
-              <a:t>Add a Slide Title - 2</a:t>
+              <a:t>Approach</a:t>
             </a:r>
           </a:p>
         </p:txBody>
       </p:sp>
       <p:sp>
         <p:nvSpPr>
-          <p:cNvPr id="3" name="Text Placeholder 2"/>
+          <p:cNvPr id="3" name="Content Placeholder 2"/>
           <p:cNvSpPr>
             <a:spLocks noGrp="1"/>
           </p:cNvSpPr>
           <p:nvPr>
-            <p:ph type="body" idx="1"/>
+            <p:ph idx="1"/>
           </p:nvPr>
         </p:nvSpPr>
         <p:spPr/>
         <p:txBody>
-          <a:bodyPr/>
+          <a:bodyPr>
+            <a:normAutofit fontScale="92500"/>
+          </a:bodyPr>
           <a:lstStyle/>
           <a:p>
-            <a:endParaRPr lang="en-US"/>
+            <a:r>
+              <a:rPr lang="en-US" sz="2400" dirty="0"/>
+              <a:t>We will use small-size model such as Falcon-7B model based on the hardware resources we have.</a:t>
+            </a:r>
           </a:p>
-        </p:txBody>
-      </p:sp>
-      <p:sp>
-        <p:nvSpPr>
-          <p:cNvPr id="4" name="Content Placeholder 3"/>
-          <p:cNvSpPr>
-            <a:spLocks noGrp="1"/>
-          </p:cNvSpPr>
-          <p:nvPr>
-            <p:ph sz="half" idx="2"/>
-          </p:nvPr>
-        </p:nvSpPr>
-        <p:spPr/>
-        <p:txBody>
-          <a:bodyPr/>
-          <a:lstStyle/>
           <a:p>
-            <a:endParaRPr lang="en-US"/>
+            <a:r>
+              <a:rPr lang="en-US" sz="2400" dirty="0"/>
+              <a:t>We will be using </a:t>
+            </a:r>
+            <a:r>
+              <a:rPr lang="en-US" sz="2400" dirty="0">
+                <a:hlinkClick r:id="rId3"/>
+              </a:rPr>
+              <a:t>Parameter Efficient Fine Tuning (PEFT)</a:t>
+            </a:r>
+            <a:r>
+              <a:rPr lang="en-US" sz="2400" dirty="0"/>
+              <a:t> with </a:t>
+            </a:r>
+            <a:r>
+              <a:rPr lang="en-US" sz="2400" dirty="0" err="1">
+                <a:hlinkClick r:id="rId4"/>
+              </a:rPr>
+              <a:t>LoRA</a:t>
+            </a:r>
+            <a:r>
+              <a:rPr lang="en-US" sz="2400" dirty="0"/>
+              <a:t> Technique to fine tune the model. In this methods the base model’s weights are frozen and on top of them new parameters are introduced and trained.</a:t>
+            </a:r>
           </a:p>
-        </p:txBody>
-      </p:sp>
-      <p:sp>
-        <p:nvSpPr>
-          <p:cNvPr id="5" name="Text Placeholder 4"/>
-          <p:cNvSpPr>
-            <a:spLocks noGrp="1"/>
-          </p:cNvSpPr>
-          <p:nvPr>
-            <p:ph type="body" sz="quarter" idx="3"/>
-          </p:nvPr>
-        </p:nvSpPr>
-        <p:spPr/>
-        <p:txBody>
-          <a:bodyPr/>
-          <a:lstStyle/>
           <a:p>
-            <a:endParaRPr lang="en-US"/>
+            <a:r>
+              <a:rPr lang="en-US" sz="2400" dirty="0"/>
+              <a:t>We will make use of a Kaggle dataset. Click </a:t>
+            </a:r>
+            <a:r>
+              <a:rPr lang="en-US" sz="2400" dirty="0">
+                <a:hlinkClick r:id="rId5"/>
+              </a:rPr>
+              <a:t>here</a:t>
+            </a:r>
+            <a:r>
+              <a:rPr lang="en-US" sz="2400" dirty="0"/>
+              <a:t> to go the dataset.</a:t>
+            </a:r>
           </a:p>
-        </p:txBody>
-      </p:sp>
-      <p:sp>
-        <p:nvSpPr>
-          <p:cNvPr id="6" name="Content Placeholder 5"/>
-          <p:cNvSpPr>
-            <a:spLocks noGrp="1"/>
-          </p:cNvSpPr>
-          <p:nvPr>
-            <p:ph sz="quarter" idx="4"/>
-          </p:nvPr>
-        </p:nvSpPr>
-        <p:spPr/>
-        <p:txBody>
-          <a:bodyPr/>
-          <a:lstStyle/>
           <a:p>
-            <a:endParaRPr lang="en-US"/>
+            <a:r>
+              <a:rPr lang="en-US" sz="2400" dirty="0"/>
+              <a:t>We will fine-tune the model on google </a:t>
+            </a:r>
+            <a:r>
+              <a:rPr lang="en-US" sz="2400" dirty="0" err="1"/>
+              <a:t>colab</a:t>
+            </a:r>
+            <a:r>
+              <a:rPr lang="en-US" sz="2400" dirty="0"/>
+              <a:t> since it gives a free T4 GPU with 15 gigs VRAM. We may also choose Kaggle Notebook which gives 2 T4 GPUs with each 14 gigs VRAM (~ 29 gigs) but it has resource limits.</a:t>
+            </a:r>
           </a:p>
         </p:txBody>
       </p:sp>
     </p:spTree>
     <p:extLst>
       <p:ext uri="{BB962C8B-B14F-4D97-AF65-F5344CB8AC3E}">
-        <p14:creationId xmlns:p14="http://schemas.microsoft.com/office/powerpoint/2010/main" val="3229171051"/>
+        <p14:creationId xmlns:p14="http://schemas.microsoft.com/office/powerpoint/2010/main" val="2843038436"/>
       </p:ext>
     </p:extLst>
   </p:cSld>
@@ -20281,7 +16617,75 @@
           <a:p>
             <a:r>
               <a:rPr lang="en-US" dirty="0"/>
-              <a:t>Add a Slide Title - 3</a:t>
+              <a:t>Deliverables</a:t>
+            </a:r>
+          </a:p>
+        </p:txBody>
+      </p:sp>
+      <p:sp>
+        <p:nvSpPr>
+          <p:cNvPr id="3" name="Content Placeholder 2"/>
+          <p:cNvSpPr>
+            <a:spLocks noGrp="1"/>
+          </p:cNvSpPr>
+          <p:nvPr>
+            <p:ph idx="1"/>
+          </p:nvPr>
+        </p:nvSpPr>
+        <p:spPr/>
+        <p:txBody>
+          <a:bodyPr>
+            <a:normAutofit/>
+          </a:bodyPr>
+          <a:lstStyle/>
+          <a:p>
+            <a:r>
+              <a:rPr lang="en-US" sz="2400" dirty="0"/>
+              <a:t>The fine-tuned model will be uploaded to the </a:t>
+            </a:r>
+            <a:r>
+              <a:rPr lang="en-US" sz="2400" dirty="0" err="1"/>
+              <a:t>huggingface</a:t>
+            </a:r>
+            <a:r>
+              <a:rPr lang="en-US" sz="2400" dirty="0"/>
+              <a:t>.</a:t>
+            </a:r>
+          </a:p>
+          <a:p>
+            <a:r>
+              <a:rPr lang="en-US" sz="2400" dirty="0"/>
+              <a:t>A Jupyter notebook with complete code and markdown explanation.</a:t>
+            </a:r>
+          </a:p>
+          <a:p>
+            <a:r>
+              <a:rPr lang="en-US" sz="2400" dirty="0"/>
+              <a:t>If possible, we will also build a </a:t>
+            </a:r>
+            <a:r>
+              <a:rPr lang="en-US" sz="2400" dirty="0" err="1"/>
+              <a:t>streamlit</a:t>
+            </a:r>
+            <a:r>
+              <a:rPr lang="en-US" sz="2400" dirty="0"/>
+              <a:t> app. But since this app requires a GPU to run, we may not be able to host it on the </a:t>
+            </a:r>
+            <a:r>
+              <a:rPr lang="en-US" sz="2400" dirty="0" err="1"/>
+              <a:t>Huggingface</a:t>
+            </a:r>
+            <a:r>
+              <a:rPr lang="en-US" sz="2400" dirty="0"/>
+              <a:t> spaces since </a:t>
+            </a:r>
+            <a:r>
+              <a:rPr lang="en-US" sz="2400" dirty="0" err="1"/>
+              <a:t>huggingface</a:t>
+            </a:r>
+            <a:r>
+              <a:rPr lang="en-US" sz="2400" dirty="0"/>
+              <a:t> requires users to subscribe to GPUs.</a:t>
             </a:r>
           </a:p>
         </p:txBody>
@@ -20289,7 +16693,7 @@
     </p:spTree>
     <p:extLst>
       <p:ext uri="{BB962C8B-B14F-4D97-AF65-F5344CB8AC3E}">
-        <p14:creationId xmlns:p14="http://schemas.microsoft.com/office/powerpoint/2010/main" val="452733939"/>
+        <p14:creationId xmlns:p14="http://schemas.microsoft.com/office/powerpoint/2010/main" val="4249154565"/>
       </p:ext>
     </p:extLst>
   </p:cSld>
@@ -20328,10 +16732,82 @@
           <a:chExt cx="0" cy="0"/>
         </a:xfrm>
       </p:grpSpPr>
+      <p:sp>
+        <p:nvSpPr>
+          <p:cNvPr id="2" name="Title 1"/>
+          <p:cNvSpPr>
+            <a:spLocks noGrp="1"/>
+          </p:cNvSpPr>
+          <p:nvPr>
+            <p:ph type="title"/>
+          </p:nvPr>
+        </p:nvSpPr>
+        <p:spPr/>
+        <p:txBody>
+          <a:bodyPr/>
+          <a:lstStyle/>
+          <a:p>
+            <a:r>
+              <a:rPr lang="en-US" dirty="0"/>
+              <a:t>Evaluation Methodology</a:t>
+            </a:r>
+          </a:p>
+        </p:txBody>
+      </p:sp>
+      <p:sp>
+        <p:nvSpPr>
+          <p:cNvPr id="3" name="Content Placeholder 2"/>
+          <p:cNvSpPr>
+            <a:spLocks noGrp="1"/>
+          </p:cNvSpPr>
+          <p:nvPr>
+            <p:ph idx="1"/>
+          </p:nvPr>
+        </p:nvSpPr>
+        <p:spPr/>
+        <p:txBody>
+          <a:bodyPr>
+            <a:normAutofit/>
+          </a:bodyPr>
+          <a:lstStyle/>
+          <a:p>
+            <a:r>
+              <a:rPr lang="en-US" sz="2400" dirty="0"/>
+              <a:t>A Jupyter notebook will be provided in the </a:t>
+            </a:r>
+            <a:r>
+              <a:rPr lang="en-US" sz="2400" dirty="0" err="1"/>
+              <a:t>github</a:t>
+            </a:r>
+            <a:r>
+              <a:rPr lang="en-US" sz="2400" dirty="0"/>
+              <a:t> with sequential explanation of everything that goes on in this project.</a:t>
+            </a:r>
+          </a:p>
+          <a:p>
+            <a:r>
+              <a:rPr lang="en-US" sz="2400" dirty="0"/>
+              <a:t>The code will be pushed to the GitHub with clear readme instructions.</a:t>
+            </a:r>
+          </a:p>
+          <a:p>
+            <a:endParaRPr lang="en-US" sz="2400" dirty="0"/>
+          </a:p>
+          <a:p>
+            <a:endParaRPr lang="en-US" sz="2400" dirty="0"/>
+          </a:p>
+          <a:p>
+            <a:endParaRPr lang="en-US" sz="2400" dirty="0"/>
+          </a:p>
+          <a:p>
+            <a:endParaRPr lang="en-US" sz="2400" dirty="0"/>
+          </a:p>
+        </p:txBody>
+      </p:sp>
     </p:spTree>
     <p:extLst>
       <p:ext uri="{BB962C8B-B14F-4D97-AF65-F5344CB8AC3E}">
-        <p14:creationId xmlns:p14="http://schemas.microsoft.com/office/powerpoint/2010/main" val="1544302913"/>
+        <p14:creationId xmlns:p14="http://schemas.microsoft.com/office/powerpoint/2010/main" val="2951979405"/>
       </p:ext>
     </p:extLst>
   </p:cSld>

--- a/proposal/Proposal Presentation.pptx
+++ b/proposal/Proposal Presentation.pptx
@@ -222,7 +222,7 @@
           <a:p>
             <a:fld id="{59041DB8-B66F-4DC8-A96E-33677E0F90FF}" type="datetimeFigureOut">
               <a:rPr lang="en-US" smtClean="0"/>
-              <a:t>10/30/2023</a:t>
+              <a:t>11/17/2023</a:t>
             </a:fld>
             <a:endParaRPr lang="en-US"/>
           </a:p>
@@ -387,7 +387,7 @@
           <a:p>
             <a:fld id="{DEB49C4A-65AC-492D-9701-81B46C3AD0E4}" type="datetimeFigureOut">
               <a:rPr lang="en-US" smtClean="0"/>
-              <a:t>10/30/2023</a:t>
+              <a:t>11/17/2023</a:t>
             </a:fld>
             <a:endParaRPr lang="en-US"/>
           </a:p>
@@ -3467,7 +3467,7 @@
           <a:p>
             <a:fld id="{384A29A4-78C8-47AB-BA06-22CB45938951}" type="datetime1">
               <a:rPr lang="en-US" smtClean="0"/>
-              <a:t>10/30/2023</a:t>
+              <a:t>11/17/2023</a:t>
             </a:fld>
             <a:endParaRPr lang="en-US"/>
           </a:p>
@@ -3662,7 +3662,7 @@
           <a:p>
             <a:fld id="{E1ED4ACF-2D82-46F2-A8E9-23963AA34E86}" type="datetime1">
               <a:rPr lang="en-US" smtClean="0"/>
-              <a:t>10/30/2023</a:t>
+              <a:t>11/17/2023</a:t>
             </a:fld>
             <a:endParaRPr lang="en-US"/>
           </a:p>
@@ -3846,7 +3846,7 @@
           <a:p>
             <a:fld id="{AE374B5B-21A0-4192-BF4C-38187F1A68D8}" type="datetime1">
               <a:rPr lang="en-US" smtClean="0"/>
-              <a:t>10/30/2023</a:t>
+              <a:t>11/17/2023</a:t>
             </a:fld>
             <a:endParaRPr lang="en-US"/>
           </a:p>
@@ -6187,7 +6187,7 @@
           <a:p>
             <a:fld id="{33B5CF7C-B333-48E1-A4A6-83A3C8B73AC0}" type="datetime1">
               <a:rPr lang="en-US" smtClean="0"/>
-              <a:t>10/30/2023</a:t>
+              <a:t>11/17/2023</a:t>
             </a:fld>
             <a:endParaRPr lang="en-US"/>
           </a:p>
@@ -6640,7 +6640,7 @@
           <a:p>
             <a:fld id="{AE320762-5CBF-4210-AB54-376B091119F8}" type="datetime1">
               <a:rPr lang="en-US" smtClean="0"/>
-              <a:t>10/30/2023</a:t>
+              <a:t>11/17/2023</a:t>
             </a:fld>
             <a:endParaRPr lang="en-US"/>
           </a:p>
@@ -6772,7 +6772,7 @@
           <a:p>
             <a:fld id="{7F0DB371-BF5F-4058-A212-1A908E4D2674}" type="datetime1">
               <a:rPr lang="en-US" smtClean="0"/>
-              <a:t>10/30/2023</a:t>
+              <a:t>11/17/2023</a:t>
             </a:fld>
             <a:endParaRPr lang="en-US"/>
           </a:p>
@@ -8705,7 +8705,7 @@
           <a:p>
             <a:fld id="{60A4083B-90AA-48CF-BAD5-00AA24D7F288}" type="datetime1">
               <a:rPr lang="en-US" smtClean="0"/>
-              <a:t>10/30/2023</a:t>
+              <a:t>11/17/2023</a:t>
             </a:fld>
             <a:endParaRPr lang="en-US"/>
           </a:p>
@@ -10964,7 +10964,7 @@
             <a:fld id="{F5BAF629-ECA2-4CF3-B790-9D9BDED98269}" type="datetime1">
               <a:rPr lang="en-US" smtClean="0"/>
               <a:pPr/>
-              <a:t>10/30/2023</a:t>
+              <a:t>11/17/2023</a:t>
             </a:fld>
             <a:endParaRPr lang="en-US"/>
           </a:p>
@@ -15259,7 +15259,7 @@
             <a:fld id="{B51B2453-8663-4C69-AF73-9FD7B1DEC5D0}" type="datetime1">
               <a:rPr lang="en-US" smtClean="0"/>
               <a:pPr/>
-              <a:t>10/30/2023</a:t>
+              <a:t>11/17/2023</a:t>
             </a:fld>
             <a:endParaRPr lang="en-US" dirty="0"/>
           </a:p>
@@ -16053,7 +16053,12 @@
             <p:ph type="title"/>
           </p:nvPr>
         </p:nvSpPr>
-        <p:spPr/>
+        <p:spPr>
+          <a:xfrm>
+            <a:off x="1295400" y="542485"/>
+            <a:ext cx="9601200" cy="579438"/>
+          </a:xfrm>
+        </p:spPr>
         <p:txBody>
           <a:bodyPr/>
           <a:lstStyle/>
@@ -16075,29 +16080,66 @@
             <p:ph idx="1"/>
           </p:nvPr>
         </p:nvSpPr>
-        <p:spPr/>
+        <p:spPr>
+          <a:xfrm>
+            <a:off x="1295400" y="1293779"/>
+            <a:ext cx="9601200" cy="4727642"/>
+          </a:xfrm>
+        </p:spPr>
         <p:txBody>
           <a:bodyPr>
-            <a:normAutofit/>
+            <a:normAutofit fontScale="92500" lnSpcReduction="20000"/>
           </a:bodyPr>
           <a:lstStyle/>
           <a:p>
             <a:r>
-              <a:rPr lang="en-US" sz="2800" dirty="0"/>
+              <a:rPr lang="en-US" dirty="0"/>
               <a:t>Introducing a chatbot for FAQs can be profitable for companies because this approach require less reliance on customer support.</a:t>
             </a:r>
           </a:p>
           <a:p>
             <a:r>
-              <a:rPr lang="en-US" sz="2800" dirty="0"/>
+              <a:rPr lang="en-US" dirty="0"/>
               <a:t>Companies that rely hugely on customer support can hugely benefit by this chatbot.</a:t>
             </a:r>
+          </a:p>
+          <a:p>
+            <a:r>
+              <a:rPr lang="en-US" dirty="0"/>
+              <a:t>There have been implementations using RAG(Retrieval Augmented Generation). More precisely, these models are not actually trained on the private data. FAQs are documented and embeddings for those documents are generated and these embeddings with the user question are provided to the LLM and it answers based on the embeddings</a:t>
+            </a:r>
+          </a:p>
+          <a:p>
+            <a:r>
+              <a:rPr lang="en-US" dirty="0"/>
+              <a:t>The problem </a:t>
+            </a:r>
+            <a:r>
+              <a:rPr lang="en-US"/>
+              <a:t>here is, </a:t>
+            </a:r>
+            <a:r>
+              <a:rPr lang="en-US" dirty="0"/>
+              <a:t>LLM would not remember anything about the document after the question has been answered. And for large companies, This can be an overhead for answering question because every time you need to pass these embeddings to the model and also storing and maintaining these embeddings could require additional resources. But a finetuned model which is trained on this private data does not depend on any data for questions in future. It can answer them independently. </a:t>
+            </a:r>
+          </a:p>
+          <a:p>
+            <a:r>
+              <a:rPr lang="en-US" dirty="0"/>
+              <a:t>If the model is trained once a month on the custom data, Not only does the model stay up-to-date but also this can be a lot less expensive than generating embeddings for a document. And we also do not need to worry about storing and scaling the embeddings if we choose to fine-tune.</a:t>
+            </a:r>
+          </a:p>
+          <a:p>
+            <a:endParaRPr lang="en-US" dirty="0"/>
+          </a:p>
+          <a:p>
+            <a:endParaRPr lang="en-US" dirty="0"/>
           </a:p>
           <a:p>
             <a:pPr marL="0" indent="0">
               <a:buNone/>
             </a:pPr>
-            <a:endParaRPr lang="en-US" sz="2800" dirty="0"/>
+            <a:endParaRPr lang="en-US" dirty="0"/>
           </a:p>
         </p:txBody>
       </p:sp>
@@ -16785,9 +16827,18 @@
             </a:r>
           </a:p>
           <a:p>
+            <a:pPr marL="0" indent="0">
+              <a:buNone/>
+            </a:pPr>
+            <a:r>
+              <a:rPr lang="en-US" sz="2400" b="1" u="sng" dirty="0"/>
+              <a:t>Metrics:</a:t>
+            </a:r>
+          </a:p>
+          <a:p>
             <a:r>
               <a:rPr lang="en-US" sz="2400" dirty="0"/>
-              <a:t>The code will be pushed to the GitHub with clear readme instructions.</a:t>
+              <a:t>BLEU Score.</a:t>
             </a:r>
           </a:p>
           <a:p>
